--- a/Projekat-Checkers.pptx
+++ b/Projekat-Checkers.pptx
@@ -742,7 +742,7 @@
           <a:p>
             <a:fld id="{57BD7AE1-4D32-48EF-B113-2CCE932E502E}" type="datetimeFigureOut">
               <a:rPr lang="en-US" smtClean="0"/>
-              <a:t>12/16/2015</a:t>
+              <a:t>12/17/2015</a:t>
             </a:fld>
             <a:endParaRPr lang="en-US"/>
           </a:p>
@@ -938,7 +938,7 @@
           <a:p>
             <a:fld id="{57BD7AE1-4D32-48EF-B113-2CCE932E502E}" type="datetimeFigureOut">
               <a:rPr lang="en-US" smtClean="0"/>
-              <a:t>12/16/2015</a:t>
+              <a:t>12/17/2015</a:t>
             </a:fld>
             <a:endParaRPr lang="en-US"/>
           </a:p>
@@ -1123,7 +1123,7 @@
           <a:p>
             <a:fld id="{57BD7AE1-4D32-48EF-B113-2CCE932E502E}" type="datetimeFigureOut">
               <a:rPr lang="en-US" smtClean="0"/>
-              <a:t>12/16/2015</a:t>
+              <a:t>12/17/2015</a:t>
             </a:fld>
             <a:endParaRPr lang="en-US"/>
           </a:p>
@@ -1273,7 +1273,7 @@
           <a:p>
             <a:fld id="{57BD7AE1-4D32-48EF-B113-2CCE932E502E}" type="datetimeFigureOut">
               <a:rPr lang="en-US" smtClean="0"/>
-              <a:t>12/16/2015</a:t>
+              <a:t>12/17/2015</a:t>
             </a:fld>
             <a:endParaRPr lang="en-US"/>
           </a:p>
@@ -1528,7 +1528,7 @@
           <a:p>
             <a:fld id="{57BD7AE1-4D32-48EF-B113-2CCE932E502E}" type="datetimeFigureOut">
               <a:rPr lang="en-US" smtClean="0"/>
-              <a:t>12/16/2015</a:t>
+              <a:t>12/17/2015</a:t>
             </a:fld>
             <a:endParaRPr lang="en-US"/>
           </a:p>
@@ -1937,7 +1937,7 @@
           <a:p>
             <a:fld id="{57BD7AE1-4D32-48EF-B113-2CCE932E502E}" type="datetimeFigureOut">
               <a:rPr lang="en-US" smtClean="0"/>
-              <a:t>12/16/2015</a:t>
+              <a:t>12/17/2015</a:t>
             </a:fld>
             <a:endParaRPr lang="en-US"/>
           </a:p>
@@ -2383,7 +2383,7 @@
           <a:p>
             <a:fld id="{57BD7AE1-4D32-48EF-B113-2CCE932E502E}" type="datetimeFigureOut">
               <a:rPr lang="en-US" smtClean="0"/>
-              <a:t>12/16/2015</a:t>
+              <a:t>12/17/2015</a:t>
             </a:fld>
             <a:endParaRPr lang="en-US"/>
           </a:p>
@@ -2484,7 +2484,7 @@
           <a:p>
             <a:fld id="{57BD7AE1-4D32-48EF-B113-2CCE932E502E}" type="datetimeFigureOut">
               <a:rPr lang="en-US" smtClean="0"/>
-              <a:t>12/16/2015</a:t>
+              <a:t>12/17/2015</a:t>
             </a:fld>
             <a:endParaRPr lang="en-US"/>
           </a:p>
@@ -2605,7 +2605,7 @@
           <a:p>
             <a:fld id="{57BD7AE1-4D32-48EF-B113-2CCE932E502E}" type="datetimeFigureOut">
               <a:rPr lang="en-US" smtClean="0"/>
-              <a:t>12/16/2015</a:t>
+              <a:t>12/17/2015</a:t>
             </a:fld>
             <a:endParaRPr lang="en-US"/>
           </a:p>
@@ -2879,7 +2879,7 @@
           <a:p>
             <a:fld id="{57BD7AE1-4D32-48EF-B113-2CCE932E502E}" type="datetimeFigureOut">
               <a:rPr lang="en-US" smtClean="0"/>
-              <a:t>12/16/2015</a:t>
+              <a:t>12/17/2015</a:t>
             </a:fld>
             <a:endParaRPr lang="en-US"/>
           </a:p>
@@ -3084,7 +3084,7 @@
           <a:p>
             <a:fld id="{57BD7AE1-4D32-48EF-B113-2CCE932E502E}" type="datetimeFigureOut">
               <a:rPr lang="en-US" smtClean="0"/>
-              <a:t>12/16/2015</a:t>
+              <a:t>12/17/2015</a:t>
             </a:fld>
             <a:endParaRPr lang="en-US"/>
           </a:p>
@@ -4193,7 +4193,7 @@
           <a:p>
             <a:fld id="{57BD7AE1-4D32-48EF-B113-2CCE932E502E}" type="datetimeFigureOut">
               <a:rPr lang="en-US" smtClean="0"/>
-              <a:t>12/16/2015</a:t>
+              <a:t>12/17/2015</a:t>
             </a:fld>
             <a:endParaRPr lang="en-US"/>
           </a:p>
@@ -5201,11 +5201,7 @@
           <a:p>
             <a:r>
               <a:rPr lang="sr-Latn-RS" dirty="0" smtClean="0"/>
-              <a:t>Više informacija na</a:t>
-            </a:r>
-            <a:r>
-              <a:rPr lang="sr-Latn-RS" dirty="0" smtClean="0"/>
-              <a:t>:</a:t>
+              <a:t>Više informacija na:</a:t>
             </a:r>
             <a:r>
               <a:rPr lang="en-US" dirty="0" smtClean="0"/>
@@ -6124,7 +6120,7 @@
           </a:lstStyle>
           <a:p>
             <a:r>
-              <a:rPr lang="sr-Latn-RS" sz="2400" b="1" dirty="0" smtClean="0">
+              <a:rPr lang="en-US" sz="2400" b="1" dirty="0" smtClean="0">
                 <a:solidFill>
                   <a:schemeClr val="accent2"/>
                 </a:solidFill>
@@ -6136,7 +6132,7 @@
                   </a:outerShdw>
                 </a:effectLst>
               </a:rPr>
-              <a:t>DamePlus</a:t>
+              <a:t>Chinook</a:t>
             </a:r>
             <a:r>
               <a:rPr lang="sr-Latn-RS" sz="2400" dirty="0" smtClean="0">
@@ -6155,54 +6151,204 @@
             </a:r>
             <a:r>
               <a:rPr lang="sr-Latn-RS" sz="2400" dirty="0" smtClean="0"/>
-              <a:t>– A checkers game (link možete pogledati </a:t>
-            </a:r>
-            <a:r>
-              <a:rPr lang="sr-Latn-RS" sz="2400" dirty="0" smtClean="0">
-                <a:solidFill>
-                  <a:schemeClr val="accent3">
-                    <a:lumMod val="50000"/>
-                  </a:schemeClr>
-                </a:solidFill>
-                <a:hlinkClick r:id="rId2"/>
-              </a:rPr>
-              <a:t>ovde</a:t>
-            </a:r>
-            <a:r>
-              <a:rPr lang="sr-Latn-RS" sz="2400" dirty="0" smtClean="0"/>
-              <a:t>). </a:t>
-            </a:r>
-            <a:r>
-              <a:rPr lang="sr-Latn-RS" sz="2400" dirty="0"/>
+              <a:t>–</a:t>
+            </a:r>
+            <a:r>
+              <a:rPr lang="en-US" sz="2400" dirty="0" smtClean="0"/>
               <a:t> </a:t>
             </a:r>
             <a:r>
-              <a:rPr lang="sr-Latn-RS" sz="2400" dirty="0" smtClean="0"/>
-              <a:t>Igra bazirana na OpenGL-u. Sadrži nekoliko vrsta igre (</a:t>
-            </a:r>
-            <a:r>
-              <a:rPr lang="de-DE" sz="2400" dirty="0"/>
-              <a:t>"Dame", "Dame International", "Wolf und </a:t>
-            </a:r>
-            <a:r>
-              <a:rPr lang="de-DE" sz="2400" dirty="0" smtClean="0"/>
-              <a:t>Schaf"</a:t>
-            </a:r>
-            <a:r>
-              <a:rPr lang="sr-Latn-RS" sz="2400" dirty="0" smtClean="0"/>
-              <a:t> ) </a:t>
-            </a:r>
-            <a:endParaRPr lang="sr-Latn-RS" sz="2400" dirty="0"/>
+              <a:rPr lang="en-US" sz="2400" dirty="0" err="1" smtClean="0"/>
+              <a:t>Kompjuterski</a:t>
+            </a:r>
+            <a:r>
+              <a:rPr lang="en-US" sz="2400" dirty="0" smtClean="0"/>
+              <a:t> program </a:t>
+            </a:r>
+            <a:r>
+              <a:rPr lang="en-US" sz="2400" dirty="0" err="1" smtClean="0"/>
+              <a:t>koji</a:t>
+            </a:r>
+            <a:r>
+              <a:rPr lang="en-US" sz="2400" dirty="0" smtClean="0"/>
+              <a:t> </a:t>
+            </a:r>
+            <a:r>
+              <a:rPr lang="en-US" sz="2400" dirty="0" err="1" smtClean="0"/>
+              <a:t>igra</a:t>
+            </a:r>
+            <a:r>
+              <a:rPr lang="en-US" sz="2400" dirty="0" smtClean="0"/>
+              <a:t> </a:t>
+            </a:r>
+            <a:r>
+              <a:rPr lang="en-US" sz="2400" dirty="0" err="1" smtClean="0"/>
+              <a:t>checkeres</a:t>
+            </a:r>
+            <a:r>
+              <a:rPr lang="en-US" sz="2400" dirty="0" smtClean="0"/>
+              <a:t>, </a:t>
+            </a:r>
+            <a:r>
+              <a:rPr lang="en-US" sz="2400" dirty="0" err="1" smtClean="0"/>
+              <a:t>razvijen</a:t>
+            </a:r>
+            <a:r>
+              <a:rPr lang="en-US" sz="2400" dirty="0" smtClean="0"/>
+              <a:t> od </a:t>
+            </a:r>
+            <a:r>
+              <a:rPr lang="en-US" sz="2400" dirty="0" err="1" smtClean="0"/>
+              <a:t>strane</a:t>
+            </a:r>
+            <a:r>
+              <a:rPr lang="en-US" sz="2400" dirty="0" smtClean="0"/>
+              <a:t> </a:t>
+            </a:r>
+            <a:r>
+              <a:rPr lang="en-US" sz="2400" dirty="0" err="1" smtClean="0"/>
+              <a:t>Univerziteta</a:t>
+            </a:r>
+            <a:r>
+              <a:rPr lang="en-US" sz="2400" dirty="0" smtClean="0"/>
+              <a:t> u </a:t>
+            </a:r>
+            <a:r>
+              <a:rPr lang="en-US" sz="2400" dirty="0" err="1" smtClean="0"/>
+              <a:t>Alberti</a:t>
+            </a:r>
+            <a:r>
+              <a:rPr lang="en-US" sz="2400" dirty="0" smtClean="0"/>
+              <a:t>. </a:t>
+            </a:r>
+            <a:r>
+              <a:rPr lang="en-US" sz="2400" dirty="0" err="1" smtClean="0"/>
+              <a:t>Koristi</a:t>
+            </a:r>
+            <a:r>
+              <a:rPr lang="en-US" sz="2400" dirty="0" smtClean="0"/>
+              <a:t> deep search </a:t>
+            </a:r>
+            <a:r>
+              <a:rPr lang="en-US" sz="2400" dirty="0" err="1" smtClean="0"/>
+              <a:t>algoritam</a:t>
+            </a:r>
+            <a:r>
+              <a:rPr lang="en-US" sz="2400" dirty="0" smtClean="0"/>
+              <a:t> </a:t>
+            </a:r>
+            <a:r>
+              <a:rPr lang="en-US" sz="2400" dirty="0" err="1" smtClean="0"/>
+              <a:t>i</a:t>
+            </a:r>
+            <a:r>
+              <a:rPr lang="en-US" sz="2400" dirty="0" smtClean="0"/>
+              <a:t> </a:t>
+            </a:r>
+            <a:r>
+              <a:rPr lang="en-US" sz="2400" dirty="0" err="1" smtClean="0"/>
+              <a:t>funkciju</a:t>
+            </a:r>
+            <a:r>
+              <a:rPr lang="en-US" sz="2400" dirty="0" smtClean="0"/>
+              <a:t> </a:t>
+            </a:r>
+            <a:r>
+              <a:rPr lang="en-US" sz="2400" dirty="0" err="1" smtClean="0"/>
+              <a:t>evaluacije</a:t>
+            </a:r>
+            <a:r>
+              <a:rPr lang="en-US" sz="2400" dirty="0" smtClean="0"/>
+              <a:t> </a:t>
+            </a:r>
+            <a:r>
+              <a:rPr lang="en-US" sz="2400" dirty="0" err="1" smtClean="0"/>
+              <a:t>za</a:t>
+            </a:r>
+            <a:r>
+              <a:rPr lang="en-US" sz="2400" dirty="0" smtClean="0"/>
+              <a:t> </a:t>
+            </a:r>
+            <a:r>
+              <a:rPr lang="en-US" sz="2400" dirty="0" err="1" smtClean="0"/>
+              <a:t>odabir</a:t>
+            </a:r>
+            <a:r>
+              <a:rPr lang="en-US" sz="2400" dirty="0" smtClean="0"/>
+              <a:t> </a:t>
+            </a:r>
+            <a:r>
+              <a:rPr lang="en-US" sz="2400" dirty="0" err="1" smtClean="0"/>
+              <a:t>poteza</a:t>
+            </a:r>
+            <a:r>
+              <a:rPr lang="en-US" sz="2400" dirty="0" smtClean="0"/>
+              <a:t> </a:t>
+            </a:r>
+            <a:r>
+              <a:rPr lang="en-US" sz="2400" dirty="0" err="1" smtClean="0"/>
+              <a:t>i</a:t>
+            </a:r>
+            <a:r>
+              <a:rPr lang="en-US" sz="2400" dirty="0" smtClean="0"/>
+              <a:t> </a:t>
+            </a:r>
+            <a:r>
+              <a:rPr lang="en-US" sz="2400" dirty="0" err="1" smtClean="0"/>
+              <a:t>baze</a:t>
+            </a:r>
+            <a:r>
+              <a:rPr lang="en-US" sz="2400" dirty="0" smtClean="0"/>
+              <a:t> </a:t>
+            </a:r>
+            <a:r>
+              <a:rPr lang="en-US" sz="2400" dirty="0" err="1" smtClean="0"/>
+              <a:t>sa</a:t>
+            </a:r>
+            <a:r>
+              <a:rPr lang="en-US" sz="2400" dirty="0" smtClean="0"/>
+              <a:t> </a:t>
+            </a:r>
+            <a:r>
+              <a:rPr lang="en-US" sz="2400" dirty="0" err="1" smtClean="0"/>
+              <a:t>podacima</a:t>
+            </a:r>
+            <a:r>
+              <a:rPr lang="en-US" sz="2400" dirty="0" smtClean="0"/>
+              <a:t> o </a:t>
+            </a:r>
+            <a:r>
+              <a:rPr lang="en-US" sz="2400" dirty="0" err="1" smtClean="0"/>
+              <a:t>potezima</a:t>
+            </a:r>
+            <a:r>
+              <a:rPr lang="en-US" sz="2400" dirty="0"/>
+              <a:t> </a:t>
+            </a:r>
+            <a:r>
+              <a:rPr lang="en-US" sz="2400" dirty="0" err="1" smtClean="0"/>
+              <a:t>i</a:t>
+            </a:r>
+            <a:r>
+              <a:rPr lang="en-US" sz="2400" dirty="0" smtClean="0"/>
+              <a:t> </a:t>
+            </a:r>
+            <a:r>
+              <a:rPr lang="en-US" sz="2400" dirty="0" err="1" smtClean="0"/>
+              <a:t>stanjima</a:t>
+            </a:r>
+            <a:r>
+              <a:rPr lang="en-US" sz="2400" dirty="0" smtClean="0"/>
+              <a:t> table. </a:t>
+            </a:r>
+            <a:endParaRPr lang="en-US" sz="2400" dirty="0"/>
           </a:p>
           <a:p>
             <a:endParaRPr lang="sr-Latn-RS" sz="2400" dirty="0" smtClean="0"/>
           </a:p>
           <a:p>
-            <a:endParaRPr lang="sr-Latn-RS" sz="2400" dirty="0" smtClean="0"/>
-          </a:p>
-          <a:p>
-            <a:r>
-              <a:rPr lang="sr-Latn-RS" sz="2400" b="1" dirty="0" smtClean="0">
+            <a:r>
+              <a:rPr lang="en-US" sz="2400" b="1" dirty="0" smtClean="0">
                 <a:solidFill>
                   <a:schemeClr val="accent2"/>
                 </a:solidFill>
@@ -6214,98 +6360,20 @@
                   </a:outerShdw>
                 </a:effectLst>
               </a:rPr>
-              <a:t>SharpCheckers</a:t>
-            </a:r>
-            <a:r>
-              <a:rPr lang="sr-Latn-RS" sz="2400" dirty="0" smtClean="0">
-                <a:solidFill>
-                  <a:schemeClr val="accent2"/>
-                </a:solidFill>
-                <a:effectLst>
-                  <a:outerShdw blurRad="38100" dist="38100" dir="2700000" algn="tl">
-                    <a:srgbClr val="000000">
-                      <a:alpha val="43137"/>
-                    </a:srgbClr>
-                  </a:outerShdw>
-                </a:effectLst>
-              </a:rPr>
-              <a:t> </a:t>
+              <a:t>Blondie24</a:t>
             </a:r>
             <a:r>
               <a:rPr lang="sr-Latn-RS" sz="2400" dirty="0" smtClean="0"/>
-              <a:t>– igra pisana koristeći </a:t>
-            </a:r>
-          </a:p>
-          <a:p>
-            <a:pPr marL="109728" indent="0">
-              <a:buNone/>
-            </a:pPr>
-            <a:r>
-              <a:rPr lang="sr-Latn-RS" sz="2400" dirty="0" smtClean="0"/>
-              <a:t>MVP (Model View Presenter) šablon,</a:t>
-            </a:r>
-          </a:p>
-          <a:p>
-            <a:pPr marL="109728" indent="0">
-              <a:buNone/>
-            </a:pPr>
-            <a:r>
-              <a:rPr lang="sr-Latn-RS" sz="2400" dirty="0" smtClean="0"/>
-              <a:t> nastao kao test-verzija igre. </a:t>
-            </a:r>
-          </a:p>
-          <a:p>
-            <a:pPr marL="109728" indent="0">
-              <a:buNone/>
-            </a:pPr>
-            <a:r>
-              <a:rPr lang="sr-Latn-RS" sz="2400" dirty="0" smtClean="0"/>
-              <a:t>(link možete pogledati </a:t>
-            </a:r>
-            <a:r>
-              <a:rPr lang="sr-Latn-RS" sz="2400" dirty="0" smtClean="0">
-                <a:hlinkClick r:id="rId3"/>
-              </a:rPr>
-              <a:t>ovde</a:t>
-            </a:r>
-            <a:r>
-              <a:rPr lang="sr-Latn-RS" sz="2400" dirty="0" smtClean="0"/>
-              <a:t>)</a:t>
+              <a:t>– Razvijen od strane tima koji je prodvodio David B. Fogel. Svrha projekta je bila da se pokaže uspješnost igranja checkersa primjenom vještačke inteligencije. Implementacija je bazirana na minimax algoritmu ali se za odabir </a:t>
+            </a:r>
+            <a:r>
+              <a:rPr lang="sr-Latn-RS" sz="2400" smtClean="0"/>
+              <a:t>poteza koristi neuronsku mrežu.</a:t>
             </a:r>
             <a:endParaRPr lang="en-US" sz="2400" dirty="0"/>
           </a:p>
         </p:txBody>
       </p:sp>
-      <p:pic>
-        <p:nvPicPr>
-          <p:cNvPr id="4" name="Picture 3"/>
-          <p:cNvPicPr>
-            <a:picLocks noChangeAspect="1"/>
-          </p:cNvPicPr>
-          <p:nvPr/>
-        </p:nvPicPr>
-        <p:blipFill>
-          <a:blip r:embed="rId4">
-            <a:extLst>
-              <a:ext uri="{28A0092B-C50C-407E-A947-70E740481C1C}">
-                <a14:useLocalDpi xmlns:a14="http://schemas.microsoft.com/office/drawing/2010/main" val="0"/>
-              </a:ext>
-            </a:extLst>
-          </a:blip>
-          <a:stretch>
-            <a:fillRect/>
-          </a:stretch>
-        </p:blipFill>
-        <p:spPr>
-          <a:xfrm>
-            <a:off x="5580112" y="3044193"/>
-            <a:ext cx="3206874" cy="3574541"/>
-          </a:xfrm>
-          <a:prstGeom prst="rect">
-            <a:avLst/>
-          </a:prstGeom>
-        </p:spPr>
-      </p:pic>
     </p:spTree>
     <p:extLst>
       <p:ext uri="{BB962C8B-B14F-4D97-AF65-F5344CB8AC3E}">

--- a/Projekat-Checkers.pptx
+++ b/Projekat-Checkers.pptx
@@ -11,11 +11,13 @@
     <p:sldId id="261" r:id="rId5"/>
     <p:sldId id="262" r:id="rId6"/>
     <p:sldId id="263" r:id="rId7"/>
-    <p:sldId id="264" r:id="rId8"/>
-    <p:sldId id="265" r:id="rId9"/>
-    <p:sldId id="266" r:id="rId10"/>
-    <p:sldId id="267" r:id="rId11"/>
-    <p:sldId id="268" r:id="rId12"/>
+    <p:sldId id="269" r:id="rId8"/>
+    <p:sldId id="264" r:id="rId9"/>
+    <p:sldId id="265" r:id="rId10"/>
+    <p:sldId id="266" r:id="rId11"/>
+    <p:sldId id="267" r:id="rId12"/>
+    <p:sldId id="271" r:id="rId13"/>
+    <p:sldId id="268" r:id="rId14"/>
   </p:sldIdLst>
   <p:sldSz cx="9144000" cy="6858000" type="screen4x3"/>
   <p:notesSz cx="6858000" cy="9144000"/>
@@ -114,6 +116,22 @@
       </a:defRPr>
     </a:lvl9pPr>
   </p:defaultTextStyle>
+  <p:extLst>
+    <p:ext uri="{EFAFB233-063F-42B5-8137-9DF3F51BA10A}">
+      <p15:sldGuideLst xmlns:p15="http://schemas.microsoft.com/office/powerpoint/2012/main">
+        <p15:guide id="1" orient="horz" pos="2160">
+          <p15:clr>
+            <a:srgbClr val="A4A3A4"/>
+          </p15:clr>
+        </p15:guide>
+        <p15:guide id="2" pos="2880">
+          <p15:clr>
+            <a:srgbClr val="A4A3A4"/>
+          </p15:clr>
+        </p15:guide>
+      </p15:sldGuideLst>
+    </p:ext>
+  </p:extLst>
 </p:presentation>
 </file>
 
@@ -742,7 +760,7 @@
           <a:p>
             <a:fld id="{57BD7AE1-4D32-48EF-B113-2CCE932E502E}" type="datetimeFigureOut">
               <a:rPr lang="en-US" smtClean="0"/>
-              <a:t>12/17/2015</a:t>
+              <a:t>2/5/2016</a:t>
             </a:fld>
             <a:endParaRPr lang="en-US"/>
           </a:p>
@@ -938,7 +956,7 @@
           <a:p>
             <a:fld id="{57BD7AE1-4D32-48EF-B113-2CCE932E502E}" type="datetimeFigureOut">
               <a:rPr lang="en-US" smtClean="0"/>
-              <a:t>12/17/2015</a:t>
+              <a:t>2/5/2016</a:t>
             </a:fld>
             <a:endParaRPr lang="en-US"/>
           </a:p>
@@ -1123,7 +1141,7 @@
           <a:p>
             <a:fld id="{57BD7AE1-4D32-48EF-B113-2CCE932E502E}" type="datetimeFigureOut">
               <a:rPr lang="en-US" smtClean="0"/>
-              <a:t>12/17/2015</a:t>
+              <a:t>2/5/2016</a:t>
             </a:fld>
             <a:endParaRPr lang="en-US"/>
           </a:p>
@@ -1273,7 +1291,7 @@
           <a:p>
             <a:fld id="{57BD7AE1-4D32-48EF-B113-2CCE932E502E}" type="datetimeFigureOut">
               <a:rPr lang="en-US" smtClean="0"/>
-              <a:t>12/17/2015</a:t>
+              <a:t>2/5/2016</a:t>
             </a:fld>
             <a:endParaRPr lang="en-US"/>
           </a:p>
@@ -1528,7 +1546,7 @@
           <a:p>
             <a:fld id="{57BD7AE1-4D32-48EF-B113-2CCE932E502E}" type="datetimeFigureOut">
               <a:rPr lang="en-US" smtClean="0"/>
-              <a:t>12/17/2015</a:t>
+              <a:t>2/5/2016</a:t>
             </a:fld>
             <a:endParaRPr lang="en-US"/>
           </a:p>
@@ -1937,7 +1955,7 @@
           <a:p>
             <a:fld id="{57BD7AE1-4D32-48EF-B113-2CCE932E502E}" type="datetimeFigureOut">
               <a:rPr lang="en-US" smtClean="0"/>
-              <a:t>12/17/2015</a:t>
+              <a:t>2/5/2016</a:t>
             </a:fld>
             <a:endParaRPr lang="en-US"/>
           </a:p>
@@ -2383,7 +2401,7 @@
           <a:p>
             <a:fld id="{57BD7AE1-4D32-48EF-B113-2CCE932E502E}" type="datetimeFigureOut">
               <a:rPr lang="en-US" smtClean="0"/>
-              <a:t>12/17/2015</a:t>
+              <a:t>2/5/2016</a:t>
             </a:fld>
             <a:endParaRPr lang="en-US"/>
           </a:p>
@@ -2484,7 +2502,7 @@
           <a:p>
             <a:fld id="{57BD7AE1-4D32-48EF-B113-2CCE932E502E}" type="datetimeFigureOut">
               <a:rPr lang="en-US" smtClean="0"/>
-              <a:t>12/17/2015</a:t>
+              <a:t>2/5/2016</a:t>
             </a:fld>
             <a:endParaRPr lang="en-US"/>
           </a:p>
@@ -2605,7 +2623,7 @@
           <a:p>
             <a:fld id="{57BD7AE1-4D32-48EF-B113-2CCE932E502E}" type="datetimeFigureOut">
               <a:rPr lang="en-US" smtClean="0"/>
-              <a:t>12/17/2015</a:t>
+              <a:t>2/5/2016</a:t>
             </a:fld>
             <a:endParaRPr lang="en-US"/>
           </a:p>
@@ -2879,7 +2897,7 @@
           <a:p>
             <a:fld id="{57BD7AE1-4D32-48EF-B113-2CCE932E502E}" type="datetimeFigureOut">
               <a:rPr lang="en-US" smtClean="0"/>
-              <a:t>12/17/2015</a:t>
+              <a:t>2/5/2016</a:t>
             </a:fld>
             <a:endParaRPr lang="en-US"/>
           </a:p>
@@ -3084,7 +3102,7 @@
           <a:p>
             <a:fld id="{57BD7AE1-4D32-48EF-B113-2CCE932E502E}" type="datetimeFigureOut">
               <a:rPr lang="en-US" smtClean="0"/>
-              <a:t>12/17/2015</a:t>
+              <a:t>2/5/2016</a:t>
             </a:fld>
             <a:endParaRPr lang="en-US"/>
           </a:p>
@@ -4193,7 +4211,7 @@
           <a:p>
             <a:fld id="{57BD7AE1-4D32-48EF-B113-2CCE932E502E}" type="datetimeFigureOut">
               <a:rPr lang="en-US" smtClean="0"/>
-              <a:t>12/17/2015</a:t>
+              <a:t>2/5/2016</a:t>
             </a:fld>
             <a:endParaRPr lang="en-US"/>
           </a:p>
@@ -4842,8 +4860,8 @@
         </p:nvSpPr>
         <p:spPr>
           <a:xfrm>
-            <a:off x="251520" y="1052736"/>
-            <a:ext cx="8568952" cy="4525963"/>
+            <a:off x="0" y="1268760"/>
+            <a:ext cx="9233971" cy="4824537"/>
           </a:xfrm>
         </p:spPr>
         <p:txBody>
@@ -4851,24 +4869,162 @@
           <a:lstStyle/>
           <a:p>
             <a:r>
-              <a:rPr lang="sr-Latn-RS" sz="2800" dirty="0" smtClean="0"/>
+              <a:rPr lang="sr-Latn-RS" dirty="0" smtClean="0"/>
+              <a:t>MiniMax algoritam</a:t>
+            </a:r>
+          </a:p>
+          <a:p>
+            <a:r>
+              <a:rPr lang="sr-Latn-RS" dirty="0" smtClean="0"/>
+              <a:t>Definisanje dubine pretrage</a:t>
+            </a:r>
+          </a:p>
+          <a:p>
+            <a:r>
+              <a:rPr lang="sr-Latn-RS" dirty="0"/>
+              <a:t>Čuvanje liste svih mogućih poteza i </a:t>
+            </a:r>
+            <a:r>
+              <a:rPr lang="sr-Latn-RS" dirty="0" smtClean="0"/>
+              <a:t>pozicija</a:t>
+            </a:r>
+          </a:p>
+          <a:p>
+            <a:r>
+              <a:rPr lang="sr-Latn-RS" dirty="0" smtClean="0"/>
+              <a:t>Formiranje stabla za početnih 7 mogućih poteza za određenu dubinu. Kreiranje kopije table i izvršavanje virtuelnih poteza</a:t>
+            </a:r>
+          </a:p>
+          <a:p>
+            <a:r>
+              <a:rPr lang="sr-Latn-RS" dirty="0" smtClean="0"/>
+              <a:t>Ocenjivanje stabla – odabir naizmenične min/max vrednosti unazad sve dok se ne dobije najbolja vrednost tj. najbolji mogući potez</a:t>
+            </a:r>
+          </a:p>
+          <a:p>
+            <a:endParaRPr lang="en-US" dirty="0"/>
+          </a:p>
+        </p:txBody>
+      </p:sp>
+      <p:sp>
+        <p:nvSpPr>
+          <p:cNvPr id="3" name="Title 2"/>
+          <p:cNvSpPr>
+            <a:spLocks noGrp="1"/>
+          </p:cNvSpPr>
+          <p:nvPr>
+            <p:ph type="title"/>
+          </p:nvPr>
+        </p:nvSpPr>
+        <p:spPr>
+          <a:xfrm>
+            <a:off x="0" y="16737"/>
+            <a:ext cx="8928992" cy="1012974"/>
+          </a:xfrm>
+        </p:spPr>
+        <p:txBody>
+          <a:bodyPr>
+            <a:normAutofit/>
+          </a:bodyPr>
+          <a:lstStyle/>
+          <a:p>
+            <a:r>
+              <a:rPr lang="sr-Latn-RS" sz="4400" dirty="0" smtClean="0"/>
+              <a:t>Implementacija algoritma pretrage</a:t>
+            </a:r>
+            <a:endParaRPr lang="en-US" sz="4400" dirty="0"/>
+          </a:p>
+        </p:txBody>
+      </p:sp>
+    </p:spTree>
+    <p:extLst>
+      <p:ext uri="{BB962C8B-B14F-4D97-AF65-F5344CB8AC3E}">
+        <p14:creationId xmlns:p14="http://schemas.microsoft.com/office/powerpoint/2010/main" val="962678354"/>
+      </p:ext>
+    </p:extLst>
+  </p:cSld>
+  <p:clrMapOvr>
+    <a:masterClrMapping/>
+  </p:clrMapOvr>
+  <p:timing>
+    <p:tnLst>
+      <p:par>
+        <p:cTn id="1" dur="indefinite" restart="never" nodeType="tmRoot"/>
+      </p:par>
+    </p:tnLst>
+  </p:timing>
+</p:sld>
+</file>
+
+<file path=ppt/slides/slide11.xml><?xml version="1.0" encoding="utf-8"?>
+<p:sld xmlns:a="http://schemas.openxmlformats.org/drawingml/2006/main" xmlns:r="http://schemas.openxmlformats.org/officeDocument/2006/relationships" xmlns:p="http://schemas.openxmlformats.org/presentationml/2006/main">
+  <p:cSld>
+    <p:spTree>
+      <p:nvGrpSpPr>
+        <p:cNvPr id="1" name=""/>
+        <p:cNvGrpSpPr/>
+        <p:nvPr/>
+      </p:nvGrpSpPr>
+      <p:grpSpPr>
+        <a:xfrm>
+          <a:off x="0" y="0"/>
+          <a:ext cx="0" cy="0"/>
+          <a:chOff x="0" y="0"/>
+          <a:chExt cx="0" cy="0"/>
+        </a:xfrm>
+      </p:grpSpPr>
+      <p:sp>
+        <p:nvSpPr>
+          <p:cNvPr id="2" name="Content Placeholder 1"/>
+          <p:cNvSpPr>
+            <a:spLocks noGrp="1"/>
+          </p:cNvSpPr>
+          <p:nvPr>
+            <p:ph idx="1"/>
+          </p:nvPr>
+        </p:nvSpPr>
+        <p:spPr>
+          <a:xfrm>
+            <a:off x="215516" y="1279470"/>
+            <a:ext cx="4320480" cy="4875123"/>
+          </a:xfrm>
+        </p:spPr>
+        <p:txBody>
+          <a:bodyPr>
+            <a:normAutofit/>
+          </a:bodyPr>
+          <a:lstStyle/>
+          <a:p>
+            <a:r>
+              <a:rPr lang="sr-Latn-RS" sz="2000" dirty="0" smtClean="0"/>
               <a:t>Prihvatanje </a:t>
             </a:r>
             <a:r>
-              <a:rPr lang="sr-Latn-RS" sz="2800" dirty="0"/>
+              <a:rPr lang="sr-Latn-RS" sz="2000" dirty="0"/>
               <a:t>trenutnog stanja od strane </a:t>
             </a:r>
             <a:r>
-              <a:rPr lang="sr-Latn-RS" sz="2800" dirty="0" smtClean="0"/>
+              <a:rPr lang="sr-Latn-RS" sz="2000" dirty="0" smtClean="0"/>
               <a:t>odgovarajuće funkcije, </a:t>
             </a:r>
             <a:r>
-              <a:rPr lang="sr-Latn-RS" sz="2800" dirty="0"/>
-              <a:t>pretvaranje u sopstveno stanje reprezentacije, pokretanje algoritma za pretragu da bi se pronašao sledeći potez i predstavljanje njega u željenom formatu </a:t>
-            </a:r>
-          </a:p>
-          <a:p>
-            <a:endParaRPr lang="en-US" dirty="0"/>
+              <a:rPr lang="sr-Latn-RS" sz="2000" dirty="0"/>
+              <a:t>pretvaranje u sopstveno stanje reprezentacije, pokretanje algoritma za pretragu da bi se pronašao sledeći potez i predstavljanje njega u željenom </a:t>
+            </a:r>
+            <a:r>
+              <a:rPr lang="sr-Latn-RS" sz="2000" dirty="0" smtClean="0"/>
+              <a:t>formatu</a:t>
+            </a:r>
+          </a:p>
+          <a:p>
+            <a:r>
+              <a:rPr lang="sr-Latn-RS" sz="2000" dirty="0" smtClean="0"/>
+              <a:t>Prihvatanje najboljeg mogućeg poteza od strane Minimax algoritma i predstavljanje njega u željenom formatu – pomeranje figure </a:t>
+            </a:r>
+            <a:endParaRPr lang="sr-Latn-RS" sz="2000" dirty="0"/>
+          </a:p>
+          <a:p>
+            <a:endParaRPr lang="en-US" sz="2000" dirty="0"/>
           </a:p>
         </p:txBody>
       </p:sp>
@@ -4897,15 +5053,211 @@
             <a:pPr algn="ctr"/>
             <a:r>
               <a:rPr lang="sr-Latn-RS" sz="4400" dirty="0" smtClean="0"/>
-              <a:t>4. Integracija</a:t>
+              <a:t>Integracija</a:t>
             </a:r>
             <a:endParaRPr lang="en-US" sz="4400" dirty="0"/>
+          </a:p>
+        </p:txBody>
+      </p:sp>
+      <p:sp>
+        <p:nvSpPr>
+          <p:cNvPr id="5" name="Content Placeholder 1"/>
+          <p:cNvSpPr txBox="1">
+            <a:spLocks/>
+          </p:cNvSpPr>
+          <p:nvPr/>
+        </p:nvSpPr>
+        <p:spPr>
+          <a:xfrm>
+            <a:off x="251520" y="3717032"/>
+            <a:ext cx="8568952" cy="2448272"/>
+          </a:xfrm>
+          <a:prstGeom prst="rect">
+            <a:avLst/>
+          </a:prstGeom>
+        </p:spPr>
+        <p:txBody>
+          <a:bodyPr vert="horz">
+            <a:normAutofit/>
+          </a:bodyPr>
+          <a:lstStyle>
+            <a:lvl1pPr marL="365760" indent="-256032" algn="l" rtl="0" eaLnBrk="1" latinLnBrk="0" hangingPunct="1">
+              <a:spcBef>
+                <a:spcPts val="400"/>
+              </a:spcBef>
+              <a:spcAft>
+                <a:spcPts val="0"/>
+              </a:spcAft>
+              <a:buClr>
+                <a:schemeClr val="accent1"/>
+              </a:buClr>
+              <a:buSzPct val="68000"/>
+              <a:buFont typeface="Wingdings 3"/>
+              <a:buChar char=""/>
+              <a:defRPr kumimoji="0" sz="2700" kern="1200">
+                <a:solidFill>
+                  <a:schemeClr val="tx1"/>
+                </a:solidFill>
+                <a:latin typeface="+mn-lt"/>
+                <a:ea typeface="+mn-ea"/>
+                <a:cs typeface="+mn-cs"/>
+              </a:defRPr>
+            </a:lvl1pPr>
+            <a:lvl2pPr marL="621792" indent="-228600" algn="l" rtl="0" eaLnBrk="1" latinLnBrk="0" hangingPunct="1">
+              <a:spcBef>
+                <a:spcPts val="324"/>
+              </a:spcBef>
+              <a:buClr>
+                <a:schemeClr val="accent1"/>
+              </a:buClr>
+              <a:buFont typeface="Verdana"/>
+              <a:buChar char="◦"/>
+              <a:defRPr kumimoji="0" sz="2300" kern="1200">
+                <a:solidFill>
+                  <a:schemeClr val="tx1"/>
+                </a:solidFill>
+                <a:latin typeface="+mn-lt"/>
+                <a:ea typeface="+mn-ea"/>
+                <a:cs typeface="+mn-cs"/>
+              </a:defRPr>
+            </a:lvl2pPr>
+            <a:lvl3pPr marL="859536" indent="-228600" algn="l" rtl="0" eaLnBrk="1" latinLnBrk="0" hangingPunct="1">
+              <a:spcBef>
+                <a:spcPts val="350"/>
+              </a:spcBef>
+              <a:buClr>
+                <a:schemeClr val="accent2"/>
+              </a:buClr>
+              <a:buSzPct val="100000"/>
+              <a:buFont typeface="Wingdings 2"/>
+              <a:buChar char=""/>
+              <a:defRPr kumimoji="0" sz="2100" kern="1200">
+                <a:solidFill>
+                  <a:schemeClr val="tx1"/>
+                </a:solidFill>
+                <a:latin typeface="+mn-lt"/>
+                <a:ea typeface="+mn-ea"/>
+                <a:cs typeface="+mn-cs"/>
+              </a:defRPr>
+            </a:lvl3pPr>
+            <a:lvl4pPr marL="1143000" indent="-228600" algn="l" rtl="0" eaLnBrk="1" latinLnBrk="0" hangingPunct="1">
+              <a:spcBef>
+                <a:spcPts val="350"/>
+              </a:spcBef>
+              <a:buClr>
+                <a:schemeClr val="accent2"/>
+              </a:buClr>
+              <a:buFont typeface="Wingdings 2"/>
+              <a:buChar char=""/>
+              <a:defRPr kumimoji="0" sz="1900" kern="1200">
+                <a:solidFill>
+                  <a:schemeClr val="tx1"/>
+                </a:solidFill>
+                <a:latin typeface="+mn-lt"/>
+                <a:ea typeface="+mn-ea"/>
+                <a:cs typeface="+mn-cs"/>
+              </a:defRPr>
+            </a:lvl4pPr>
+            <a:lvl5pPr marL="1371600" indent="-228600" algn="l" rtl="0" eaLnBrk="1" latinLnBrk="0" hangingPunct="1">
+              <a:spcBef>
+                <a:spcPts val="350"/>
+              </a:spcBef>
+              <a:buClr>
+                <a:schemeClr val="accent2"/>
+              </a:buClr>
+              <a:buFont typeface="Wingdings 2"/>
+              <a:buChar char=""/>
+              <a:defRPr kumimoji="0" sz="1800" kern="1200">
+                <a:solidFill>
+                  <a:schemeClr val="tx1"/>
+                </a:solidFill>
+                <a:latin typeface="+mn-lt"/>
+                <a:ea typeface="+mn-ea"/>
+                <a:cs typeface="+mn-cs"/>
+              </a:defRPr>
+            </a:lvl5pPr>
+            <a:lvl6pPr marL="1600200" indent="-228600" algn="l" rtl="0" eaLnBrk="1" latinLnBrk="0" hangingPunct="1">
+              <a:spcBef>
+                <a:spcPts val="350"/>
+              </a:spcBef>
+              <a:buClr>
+                <a:schemeClr val="accent3"/>
+              </a:buClr>
+              <a:buFont typeface="Wingdings 2"/>
+              <a:buChar char=""/>
+              <a:defRPr kumimoji="0" sz="1800" kern="1200">
+                <a:solidFill>
+                  <a:schemeClr val="tx1"/>
+                </a:solidFill>
+                <a:latin typeface="+mn-lt"/>
+                <a:ea typeface="+mn-ea"/>
+                <a:cs typeface="+mn-cs"/>
+              </a:defRPr>
+            </a:lvl6pPr>
+            <a:lvl7pPr marL="1828800" indent="-228600" algn="l" rtl="0" eaLnBrk="1" latinLnBrk="0" hangingPunct="1">
+              <a:spcBef>
+                <a:spcPts val="350"/>
+              </a:spcBef>
+              <a:buClr>
+                <a:schemeClr val="accent3"/>
+              </a:buClr>
+              <a:buFont typeface="Wingdings 2"/>
+              <a:buChar char=""/>
+              <a:defRPr kumimoji="0" sz="1600" kern="1200">
+                <a:solidFill>
+                  <a:schemeClr val="tx1"/>
+                </a:solidFill>
+                <a:latin typeface="+mn-lt"/>
+                <a:ea typeface="+mn-ea"/>
+                <a:cs typeface="+mn-cs"/>
+              </a:defRPr>
+            </a:lvl7pPr>
+            <a:lvl8pPr marL="2057400" indent="-228600" algn="l" rtl="0" eaLnBrk="1" latinLnBrk="0" hangingPunct="1">
+              <a:spcBef>
+                <a:spcPts val="350"/>
+              </a:spcBef>
+              <a:buClr>
+                <a:schemeClr val="accent3"/>
+              </a:buClr>
+              <a:buFont typeface="Wingdings 2"/>
+              <a:buChar char=""/>
+              <a:defRPr kumimoji="0" sz="1600" kern="1200">
+                <a:solidFill>
+                  <a:schemeClr val="tx1"/>
+                </a:solidFill>
+                <a:latin typeface="+mn-lt"/>
+                <a:ea typeface="+mn-ea"/>
+                <a:cs typeface="+mn-cs"/>
+              </a:defRPr>
+            </a:lvl8pPr>
+            <a:lvl9pPr marL="2286000" indent="-228600" algn="l" rtl="0" eaLnBrk="1" latinLnBrk="0" hangingPunct="1">
+              <a:spcBef>
+                <a:spcPts val="350"/>
+              </a:spcBef>
+              <a:buClr>
+                <a:schemeClr val="accent3"/>
+              </a:buClr>
+              <a:buFont typeface="Wingdings 2"/>
+              <a:buChar char=""/>
+              <a:defRPr kumimoji="0" sz="1600" kern="1200" baseline="0">
+                <a:solidFill>
+                  <a:schemeClr val="tx1"/>
+                </a:solidFill>
+                <a:latin typeface="+mn-lt"/>
+                <a:ea typeface="+mn-ea"/>
+                <a:cs typeface="+mn-cs"/>
+              </a:defRPr>
+            </a:lvl9pPr>
+            <a:extLst/>
+          </a:lstStyle>
+          <a:p>
+            <a:endParaRPr lang="sr-Latn-RS" sz="2800" dirty="0"/>
           </a:p>
         </p:txBody>
       </p:sp>
       <p:pic>
         <p:nvPicPr>
-          <p:cNvPr id="4" name="Picture 3"/>
+          <p:cNvPr id="7" name="Picture 6"/>
           <p:cNvPicPr>
             <a:picLocks noChangeAspect="1"/>
           </p:cNvPicPr>
@@ -4925,12 +5277,22 @@
         </p:blipFill>
         <p:spPr>
           <a:xfrm>
-            <a:off x="2915816" y="3212976"/>
-            <a:ext cx="4535335" cy="2768724"/>
+            <a:off x="4627298" y="1287175"/>
+            <a:ext cx="4164108" cy="4859714"/>
           </a:xfrm>
           <a:prstGeom prst="rect">
             <a:avLst/>
           </a:prstGeom>
+          <a:ln>
+            <a:noFill/>
+          </a:ln>
+          <a:effectLst>
+            <a:outerShdw blurRad="292100" dist="139700" dir="2700000" algn="tl" rotWithShape="0">
+              <a:srgbClr val="333333">
+                <a:alpha val="65000"/>
+              </a:srgbClr>
+            </a:outerShdw>
+          </a:effectLst>
         </p:spPr>
       </p:pic>
     </p:spTree>
@@ -4953,7 +5315,117 @@
 </p:sld>
 </file>
 
-<file path=ppt/slides/slide11.xml><?xml version="1.0" encoding="utf-8"?>
+<file path=ppt/slides/slide12.xml><?xml version="1.0" encoding="utf-8"?>
+<p:sld xmlns:a="http://schemas.openxmlformats.org/drawingml/2006/main" xmlns:r="http://schemas.openxmlformats.org/officeDocument/2006/relationships" xmlns:p="http://schemas.openxmlformats.org/presentationml/2006/main">
+  <p:cSld>
+    <p:spTree>
+      <p:nvGrpSpPr>
+        <p:cNvPr id="1" name=""/>
+        <p:cNvGrpSpPr/>
+        <p:nvPr/>
+      </p:nvGrpSpPr>
+      <p:grpSpPr>
+        <a:xfrm>
+          <a:off x="0" y="0"/>
+          <a:ext cx="0" cy="0"/>
+          <a:chOff x="0" y="0"/>
+          <a:chExt cx="0" cy="0"/>
+        </a:xfrm>
+      </p:grpSpPr>
+      <p:pic>
+        <p:nvPicPr>
+          <p:cNvPr id="4" name="Content Placeholder 3"/>
+          <p:cNvPicPr>
+            <a:picLocks noGrp="1" noChangeAspect="1"/>
+          </p:cNvPicPr>
+          <p:nvPr>
+            <p:ph idx="1"/>
+          </p:nvPr>
+        </p:nvPicPr>
+        <p:blipFill>
+          <a:blip r:embed="rId2">
+            <a:extLst>
+              <a:ext uri="{28A0092B-C50C-407E-A947-70E740481C1C}">
+                <a14:useLocalDpi xmlns:a14="http://schemas.microsoft.com/office/drawing/2010/main" val="0"/>
+              </a:ext>
+            </a:extLst>
+          </a:blip>
+          <a:stretch>
+            <a:fillRect/>
+          </a:stretch>
+        </p:blipFill>
+        <p:spPr>
+          <a:xfrm>
+            <a:off x="2555776" y="1124744"/>
+            <a:ext cx="4608512" cy="5069364"/>
+          </a:xfrm>
+          <a:prstGeom prst="rect">
+            <a:avLst/>
+          </a:prstGeom>
+          <a:ln>
+            <a:noFill/>
+          </a:ln>
+          <a:effectLst>
+            <a:outerShdw blurRad="292100" dist="139700" dir="2700000" algn="tl" rotWithShape="0">
+              <a:srgbClr val="333333">
+                <a:alpha val="65000"/>
+              </a:srgbClr>
+            </a:outerShdw>
+          </a:effectLst>
+        </p:spPr>
+      </p:pic>
+      <p:sp>
+        <p:nvSpPr>
+          <p:cNvPr id="3" name="Title 2"/>
+          <p:cNvSpPr>
+            <a:spLocks noGrp="1"/>
+          </p:cNvSpPr>
+          <p:nvPr>
+            <p:ph type="title"/>
+          </p:nvPr>
+        </p:nvSpPr>
+        <p:spPr>
+          <a:xfrm>
+            <a:off x="467544" y="0"/>
+            <a:ext cx="8219256" cy="994122"/>
+          </a:xfrm>
+        </p:spPr>
+        <p:txBody>
+          <a:bodyPr>
+            <a:normAutofit/>
+          </a:bodyPr>
+          <a:lstStyle/>
+          <a:p>
+            <a:pPr algn="ctr"/>
+            <a:r>
+              <a:rPr lang="sr-Latn-RS" sz="4400" dirty="0" smtClean="0"/>
+              <a:t>Zapažanja</a:t>
+            </a:r>
+            <a:endParaRPr lang="en-US" sz="4400" dirty="0"/>
+          </a:p>
+        </p:txBody>
+      </p:sp>
+    </p:spTree>
+    <p:extLst>
+      <p:ext uri="{BB962C8B-B14F-4D97-AF65-F5344CB8AC3E}">
+        <p14:creationId xmlns:p14="http://schemas.microsoft.com/office/powerpoint/2010/main" val="586609541"/>
+      </p:ext>
+    </p:extLst>
+  </p:cSld>
+  <p:clrMapOvr>
+    <a:masterClrMapping/>
+  </p:clrMapOvr>
+  <p:timing>
+    <p:tnLst>
+      <p:par>
+        <p:cTn id="1" dur="indefinite" restart="never" nodeType="tmRoot"/>
+      </p:par>
+    </p:tnLst>
+  </p:timing>
+</p:sld>
+</file>
+
+<file path=ppt/slides/slide13.xml><?xml version="1.0" encoding="utf-8"?>
 <p:sld xmlns:a="http://schemas.openxmlformats.org/drawingml/2006/main" xmlns:r="http://schemas.openxmlformats.org/officeDocument/2006/relationships" xmlns:p="http://schemas.openxmlformats.org/presentationml/2006/main">
   <p:cSld>
     <p:spTree>
@@ -6120,7 +6592,7 @@
           </a:lstStyle>
           <a:p>
             <a:r>
-              <a:rPr lang="en-US" sz="2400" b="1" dirty="0" smtClean="0">
+              <a:rPr lang="sr-Latn-RS" sz="2400" b="1" dirty="0" smtClean="0">
                 <a:solidFill>
                   <a:schemeClr val="accent2"/>
                 </a:solidFill>
@@ -6132,7 +6604,7 @@
                   </a:outerShdw>
                 </a:effectLst>
               </a:rPr>
-              <a:t>Chinook</a:t>
+              <a:t>DamePlus</a:t>
             </a:r>
             <a:r>
               <a:rPr lang="sr-Latn-RS" sz="2400" dirty="0" smtClean="0">
@@ -6151,204 +6623,54 @@
             </a:r>
             <a:r>
               <a:rPr lang="sr-Latn-RS" sz="2400" dirty="0" smtClean="0"/>
-              <a:t>–</a:t>
-            </a:r>
-            <a:r>
-              <a:rPr lang="en-US" sz="2400" dirty="0" smtClean="0"/>
+              <a:t>– A checkers game (link možete pogledati </a:t>
+            </a:r>
+            <a:r>
+              <a:rPr lang="sr-Latn-RS" sz="2400" dirty="0" smtClean="0">
+                <a:solidFill>
+                  <a:schemeClr val="accent3">
+                    <a:lumMod val="50000"/>
+                  </a:schemeClr>
+                </a:solidFill>
+                <a:hlinkClick r:id="rId2"/>
+              </a:rPr>
+              <a:t>ovde</a:t>
+            </a:r>
+            <a:r>
+              <a:rPr lang="sr-Latn-RS" sz="2400" dirty="0" smtClean="0"/>
+              <a:t>). </a:t>
+            </a:r>
+            <a:r>
+              <a:rPr lang="sr-Latn-RS" sz="2400" dirty="0"/>
               <a:t> </a:t>
             </a:r>
             <a:r>
-              <a:rPr lang="en-US" sz="2400" dirty="0" err="1" smtClean="0"/>
-              <a:t>Kompjuterski</a:t>
-            </a:r>
-            <a:r>
-              <a:rPr lang="en-US" sz="2400" dirty="0" smtClean="0"/>
-              <a:t> program </a:t>
-            </a:r>
-            <a:r>
-              <a:rPr lang="en-US" sz="2400" dirty="0" err="1" smtClean="0"/>
-              <a:t>koji</a:t>
-            </a:r>
-            <a:r>
-              <a:rPr lang="en-US" sz="2400" dirty="0" smtClean="0"/>
-              <a:t> </a:t>
-            </a:r>
-            <a:r>
-              <a:rPr lang="en-US" sz="2400" dirty="0" err="1" smtClean="0"/>
-              <a:t>igra</a:t>
-            </a:r>
-            <a:r>
-              <a:rPr lang="en-US" sz="2400" dirty="0" smtClean="0"/>
-              <a:t> </a:t>
-            </a:r>
-            <a:r>
-              <a:rPr lang="en-US" sz="2400" dirty="0" err="1" smtClean="0"/>
-              <a:t>checkeres</a:t>
-            </a:r>
-            <a:r>
-              <a:rPr lang="en-US" sz="2400" dirty="0" smtClean="0"/>
-              <a:t>, </a:t>
-            </a:r>
-            <a:r>
-              <a:rPr lang="en-US" sz="2400" dirty="0" err="1" smtClean="0"/>
-              <a:t>razvijen</a:t>
-            </a:r>
-            <a:r>
-              <a:rPr lang="en-US" sz="2400" dirty="0" smtClean="0"/>
-              <a:t> od </a:t>
-            </a:r>
-            <a:r>
-              <a:rPr lang="en-US" sz="2400" dirty="0" err="1" smtClean="0"/>
-              <a:t>strane</a:t>
-            </a:r>
-            <a:r>
-              <a:rPr lang="en-US" sz="2400" dirty="0" smtClean="0"/>
-              <a:t> </a:t>
-            </a:r>
-            <a:r>
-              <a:rPr lang="en-US" sz="2400" dirty="0" err="1" smtClean="0"/>
-              <a:t>Univerziteta</a:t>
-            </a:r>
-            <a:r>
-              <a:rPr lang="en-US" sz="2400" dirty="0" smtClean="0"/>
-              <a:t> u </a:t>
-            </a:r>
-            <a:r>
-              <a:rPr lang="en-US" sz="2400" dirty="0" err="1" smtClean="0"/>
-              <a:t>Alberti</a:t>
-            </a:r>
-            <a:r>
-              <a:rPr lang="en-US" sz="2400" dirty="0" smtClean="0"/>
-              <a:t>. </a:t>
-            </a:r>
-            <a:r>
-              <a:rPr lang="en-US" sz="2400" dirty="0" err="1" smtClean="0"/>
-              <a:t>Koristi</a:t>
-            </a:r>
-            <a:r>
-              <a:rPr lang="en-US" sz="2400" dirty="0" smtClean="0"/>
-              <a:t> deep search </a:t>
-            </a:r>
-            <a:r>
-              <a:rPr lang="en-US" sz="2400" dirty="0" err="1" smtClean="0"/>
-              <a:t>algoritam</a:t>
-            </a:r>
-            <a:r>
-              <a:rPr lang="en-US" sz="2400" dirty="0" smtClean="0"/>
-              <a:t> </a:t>
-            </a:r>
-            <a:r>
-              <a:rPr lang="en-US" sz="2400" dirty="0" err="1" smtClean="0"/>
-              <a:t>i</a:t>
-            </a:r>
-            <a:r>
-              <a:rPr lang="en-US" sz="2400" dirty="0" smtClean="0"/>
-              <a:t> </a:t>
-            </a:r>
-            <a:r>
-              <a:rPr lang="en-US" sz="2400" dirty="0" err="1" smtClean="0"/>
-              <a:t>funkciju</a:t>
-            </a:r>
-            <a:r>
-              <a:rPr lang="en-US" sz="2400" dirty="0" smtClean="0"/>
-              <a:t> </a:t>
-            </a:r>
-            <a:r>
-              <a:rPr lang="en-US" sz="2400" dirty="0" err="1" smtClean="0"/>
-              <a:t>evaluacije</a:t>
-            </a:r>
-            <a:r>
-              <a:rPr lang="en-US" sz="2400" dirty="0" smtClean="0"/>
-              <a:t> </a:t>
-            </a:r>
-            <a:r>
-              <a:rPr lang="en-US" sz="2400" dirty="0" err="1" smtClean="0"/>
-              <a:t>za</a:t>
-            </a:r>
-            <a:r>
-              <a:rPr lang="en-US" sz="2400" dirty="0" smtClean="0"/>
-              <a:t> </a:t>
-            </a:r>
-            <a:r>
-              <a:rPr lang="en-US" sz="2400" dirty="0" err="1" smtClean="0"/>
-              <a:t>odabir</a:t>
-            </a:r>
-            <a:r>
-              <a:rPr lang="en-US" sz="2400" dirty="0" smtClean="0"/>
-              <a:t> </a:t>
-            </a:r>
-            <a:r>
-              <a:rPr lang="en-US" sz="2400" dirty="0" err="1" smtClean="0"/>
-              <a:t>poteza</a:t>
-            </a:r>
-            <a:r>
-              <a:rPr lang="en-US" sz="2400" dirty="0" smtClean="0"/>
-              <a:t> </a:t>
-            </a:r>
-            <a:r>
-              <a:rPr lang="en-US" sz="2400" dirty="0" err="1" smtClean="0"/>
-              <a:t>i</a:t>
-            </a:r>
-            <a:r>
-              <a:rPr lang="en-US" sz="2400" dirty="0" smtClean="0"/>
-              <a:t> </a:t>
-            </a:r>
-            <a:r>
-              <a:rPr lang="en-US" sz="2400" dirty="0" err="1" smtClean="0"/>
-              <a:t>baze</a:t>
-            </a:r>
-            <a:r>
-              <a:rPr lang="en-US" sz="2400" dirty="0" smtClean="0"/>
-              <a:t> </a:t>
-            </a:r>
-            <a:r>
-              <a:rPr lang="en-US" sz="2400" dirty="0" err="1" smtClean="0"/>
-              <a:t>sa</a:t>
-            </a:r>
-            <a:r>
-              <a:rPr lang="en-US" sz="2400" dirty="0" smtClean="0"/>
-              <a:t> </a:t>
-            </a:r>
-            <a:r>
-              <a:rPr lang="en-US" sz="2400" dirty="0" err="1" smtClean="0"/>
-              <a:t>podacima</a:t>
-            </a:r>
-            <a:r>
-              <a:rPr lang="en-US" sz="2400" dirty="0" smtClean="0"/>
-              <a:t> o </a:t>
-            </a:r>
-            <a:r>
-              <a:rPr lang="en-US" sz="2400" dirty="0" err="1" smtClean="0"/>
-              <a:t>potezima</a:t>
-            </a:r>
-            <a:r>
-              <a:rPr lang="en-US" sz="2400" dirty="0"/>
-              <a:t> </a:t>
-            </a:r>
-            <a:r>
-              <a:rPr lang="en-US" sz="2400" dirty="0" err="1" smtClean="0"/>
-              <a:t>i</a:t>
-            </a:r>
-            <a:r>
-              <a:rPr lang="en-US" sz="2400" dirty="0" smtClean="0"/>
-              <a:t> </a:t>
-            </a:r>
-            <a:r>
-              <a:rPr lang="en-US" sz="2400" dirty="0" err="1" smtClean="0"/>
-              <a:t>stanjima</a:t>
-            </a:r>
-            <a:r>
-              <a:rPr lang="en-US" sz="2400" dirty="0" smtClean="0"/>
-              <a:t> table. </a:t>
-            </a:r>
-            <a:endParaRPr lang="en-US" sz="2400" dirty="0"/>
+              <a:rPr lang="sr-Latn-RS" sz="2400" dirty="0" smtClean="0"/>
+              <a:t>Igra bazirana na OpenGL-u. Sadrži nekoliko vrsta igre (</a:t>
+            </a:r>
+            <a:r>
+              <a:rPr lang="de-DE" sz="2400" dirty="0"/>
+              <a:t>"Dame", "Dame International", "Wolf und </a:t>
+            </a:r>
+            <a:r>
+              <a:rPr lang="de-DE" sz="2400" dirty="0" smtClean="0"/>
+              <a:t>Schaf"</a:t>
+            </a:r>
+            <a:r>
+              <a:rPr lang="sr-Latn-RS" sz="2400" dirty="0" smtClean="0"/>
+              <a:t> ) </a:t>
+            </a:r>
+            <a:endParaRPr lang="sr-Latn-RS" sz="2400" dirty="0"/>
           </a:p>
           <a:p>
             <a:endParaRPr lang="sr-Latn-RS" sz="2400" dirty="0" smtClean="0"/>
           </a:p>
           <a:p>
-            <a:r>
-              <a:rPr lang="en-US" sz="2400" b="1" dirty="0" smtClean="0">
+            <a:endParaRPr lang="sr-Latn-RS" sz="2400" dirty="0" smtClean="0"/>
+          </a:p>
+          <a:p>
+            <a:r>
+              <a:rPr lang="sr-Latn-RS" sz="2400" b="1" dirty="0" smtClean="0">
                 <a:solidFill>
                   <a:schemeClr val="accent2"/>
                 </a:solidFill>
@@ -6360,20 +6682,98 @@
                   </a:outerShdw>
                 </a:effectLst>
               </a:rPr>
-              <a:t>Blondie24</a:t>
+              <a:t>SharpCheckers</a:t>
+            </a:r>
+            <a:r>
+              <a:rPr lang="sr-Latn-RS" sz="2400" dirty="0" smtClean="0">
+                <a:solidFill>
+                  <a:schemeClr val="accent2"/>
+                </a:solidFill>
+                <a:effectLst>
+                  <a:outerShdw blurRad="38100" dist="38100" dir="2700000" algn="tl">
+                    <a:srgbClr val="000000">
+                      <a:alpha val="43137"/>
+                    </a:srgbClr>
+                  </a:outerShdw>
+                </a:effectLst>
+              </a:rPr>
+              <a:t> </a:t>
             </a:r>
             <a:r>
               <a:rPr lang="sr-Latn-RS" sz="2400" dirty="0" smtClean="0"/>
-              <a:t>– Razvijen od strane tima koji je prodvodio David B. Fogel. Svrha projekta je bila da se pokaže uspješnost igranja checkersa primjenom vještačke inteligencije. Implementacija je bazirana na minimax algoritmu ali se za odabir </a:t>
-            </a:r>
-            <a:r>
-              <a:rPr lang="sr-Latn-RS" sz="2400" smtClean="0"/>
-              <a:t>poteza koristi neuronsku mrežu.</a:t>
+              <a:t>– igra pisana koristeći </a:t>
+            </a:r>
+          </a:p>
+          <a:p>
+            <a:pPr marL="109728" indent="0">
+              <a:buNone/>
+            </a:pPr>
+            <a:r>
+              <a:rPr lang="sr-Latn-RS" sz="2400" dirty="0" smtClean="0"/>
+              <a:t>MVP (Model View Presenter) šablon,</a:t>
+            </a:r>
+          </a:p>
+          <a:p>
+            <a:pPr marL="109728" indent="0">
+              <a:buNone/>
+            </a:pPr>
+            <a:r>
+              <a:rPr lang="sr-Latn-RS" sz="2400" dirty="0" smtClean="0"/>
+              <a:t> nastao kao test-verzija igre. </a:t>
+            </a:r>
+          </a:p>
+          <a:p>
+            <a:pPr marL="109728" indent="0">
+              <a:buNone/>
+            </a:pPr>
+            <a:r>
+              <a:rPr lang="sr-Latn-RS" sz="2400" dirty="0" smtClean="0"/>
+              <a:t>(link možete pogledati </a:t>
+            </a:r>
+            <a:r>
+              <a:rPr lang="sr-Latn-RS" sz="2400" dirty="0" smtClean="0">
+                <a:hlinkClick r:id="rId3"/>
+              </a:rPr>
+              <a:t>ovde</a:t>
+            </a:r>
+            <a:r>
+              <a:rPr lang="sr-Latn-RS" sz="2400" dirty="0" smtClean="0"/>
+              <a:t>)</a:t>
             </a:r>
             <a:endParaRPr lang="en-US" sz="2400" dirty="0"/>
           </a:p>
         </p:txBody>
       </p:sp>
+      <p:pic>
+        <p:nvPicPr>
+          <p:cNvPr id="4" name="Picture 3"/>
+          <p:cNvPicPr>
+            <a:picLocks noChangeAspect="1"/>
+          </p:cNvPicPr>
+          <p:nvPr/>
+        </p:nvPicPr>
+        <p:blipFill>
+          <a:blip r:embed="rId4">
+            <a:extLst>
+              <a:ext uri="{28A0092B-C50C-407E-A947-70E740481C1C}">
+                <a14:useLocalDpi xmlns:a14="http://schemas.microsoft.com/office/drawing/2010/main" val="0"/>
+              </a:ext>
+            </a:extLst>
+          </a:blip>
+          <a:stretch>
+            <a:fillRect/>
+          </a:stretch>
+        </p:blipFill>
+        <p:spPr>
+          <a:xfrm>
+            <a:off x="5580112" y="3044193"/>
+            <a:ext cx="3206874" cy="3574541"/>
+          </a:xfrm>
+          <a:prstGeom prst="rect">
+            <a:avLst/>
+          </a:prstGeom>
+        </p:spPr>
+      </p:pic>
     </p:spTree>
     <p:extLst>
       <p:ext uri="{BB962C8B-B14F-4D97-AF65-F5344CB8AC3E}">
@@ -6647,8 +7047,13 @@
                   <a:schemeClr val="tx2"/>
                 </a:solidFill>
               </a:rPr>
-              <a:t>algoritma (Alpha Beta game tree search)</a:t>
-            </a:r>
+              <a:t>algoritma</a:t>
+            </a:r>
+            <a:endParaRPr lang="en-US" sz="2800" dirty="0" smtClean="0">
+              <a:solidFill>
+                <a:schemeClr val="tx2"/>
+              </a:solidFill>
+            </a:endParaRPr>
           </a:p>
           <a:p>
             <a:endParaRPr lang="sr-Latn-RS" sz="2400" dirty="0" smtClean="0"/>
@@ -6861,35 +7266,81 @@
           <a:chExt cx="0" cy="0"/>
         </a:xfrm>
       </p:grpSpPr>
-      <p:pic>
-        <p:nvPicPr>
-          <p:cNvPr id="4" name="Content Placeholder 3"/>
-          <p:cNvPicPr>
-            <a:picLocks noGrp="1" noChangeAspect="1"/>
-          </p:cNvPicPr>
-          <p:nvPr>
-            <p:ph idx="1"/>
-          </p:nvPr>
-        </p:nvPicPr>
-        <p:blipFill>
-          <a:blip r:embed="rId2">
-            <a:extLst>
-              <a:ext uri="{28A0092B-C50C-407E-A947-70E740481C1C}">
-                <a14:useLocalDpi xmlns:a14="http://schemas.microsoft.com/office/drawing/2010/main" val="0"/>
-              </a:ext>
-            </a:extLst>
-          </a:blip>
-          <a:stretch>
-            <a:fillRect/>
-          </a:stretch>
-        </p:blipFill>
+      <p:sp>
+        <p:nvSpPr>
+          <p:cNvPr id="2" name="Title 1"/>
+          <p:cNvSpPr>
+            <a:spLocks noGrp="1"/>
+          </p:cNvSpPr>
+          <p:nvPr>
+            <p:ph type="title"/>
+          </p:nvPr>
+        </p:nvSpPr>
         <p:spPr>
           <a:xfrm>
-            <a:off x="4520886" y="1124744"/>
-            <a:ext cx="4622758" cy="5079861"/>
+            <a:off x="467544" y="2060848"/>
+            <a:ext cx="8229600" cy="1143000"/>
           </a:xfrm>
         </p:spPr>
-      </p:pic>
+        <p:txBody>
+          <a:bodyPr>
+            <a:normAutofit/>
+          </a:bodyPr>
+          <a:lstStyle/>
+          <a:p>
+            <a:r>
+              <a:rPr lang="en-US" sz="6000" dirty="0" err="1" smtClean="0"/>
+              <a:t>Implementacija</a:t>
+            </a:r>
+            <a:r>
+              <a:rPr lang="en-US" sz="6000" dirty="0" smtClean="0"/>
+              <a:t> re</a:t>
+            </a:r>
+            <a:r>
+              <a:rPr lang="sr-Latn-RS" sz="6000" dirty="0" smtClean="0"/>
+              <a:t>šenja</a:t>
+            </a:r>
+            <a:endParaRPr lang="en-US" sz="6000" dirty="0"/>
+          </a:p>
+        </p:txBody>
+      </p:sp>
+    </p:spTree>
+    <p:extLst>
+      <p:ext uri="{BB962C8B-B14F-4D97-AF65-F5344CB8AC3E}">
+        <p14:creationId xmlns:p14="http://schemas.microsoft.com/office/powerpoint/2010/main" val="2872422575"/>
+      </p:ext>
+    </p:extLst>
+  </p:cSld>
+  <p:clrMapOvr>
+    <a:masterClrMapping/>
+  </p:clrMapOvr>
+  <p:timing>
+    <p:tnLst>
+      <p:par>
+        <p:cTn id="1" dur="indefinite" restart="never" nodeType="tmRoot"/>
+      </p:par>
+    </p:tnLst>
+  </p:timing>
+</p:sld>
+</file>
+
+<file path=ppt/slides/slide8.xml><?xml version="1.0" encoding="utf-8"?>
+<p:sld xmlns:a="http://schemas.openxmlformats.org/drawingml/2006/main" xmlns:r="http://schemas.openxmlformats.org/officeDocument/2006/relationships" xmlns:p="http://schemas.openxmlformats.org/presentationml/2006/main">
+  <p:cSld>
+    <p:spTree>
+      <p:nvGrpSpPr>
+        <p:cNvPr id="1" name=""/>
+        <p:cNvGrpSpPr/>
+        <p:nvPr/>
+      </p:nvGrpSpPr>
+      <p:grpSpPr>
+        <a:xfrm>
+          <a:off x="0" y="0"/>
+          <a:ext cx="0" cy="0"/>
+          <a:chOff x="0" y="0"/>
+          <a:chExt cx="0" cy="0"/>
+        </a:xfrm>
+      </p:grpSpPr>
       <p:sp>
         <p:nvSpPr>
           <p:cNvPr id="3" name="Title 2"/>
@@ -6912,7 +7363,7 @@
           <a:p>
             <a:r>
               <a:rPr lang="sr-Latn-RS" sz="4400" dirty="0" smtClean="0"/>
-              <a:t>1. Kreiranje </a:t>
+              <a:t>Kreiranje </a:t>
             </a:r>
             <a:r>
               <a:rPr lang="sr-Latn-RS" sz="4400" dirty="0"/>
@@ -6932,8 +7383,8 @@
         </p:nvSpPr>
         <p:spPr>
           <a:xfrm>
-            <a:off x="107504" y="1196752"/>
-            <a:ext cx="4248472" cy="5184575"/>
+            <a:off x="86600" y="764704"/>
+            <a:ext cx="8856984" cy="3240360"/>
           </a:xfrm>
           <a:prstGeom prst="rect">
             <a:avLst/>
@@ -7115,163 +7566,105 @@
           </a:lstStyle>
           <a:p>
             <a:r>
-              <a:rPr lang="sr-Latn-RS" sz="2400" dirty="0" smtClean="0"/>
-              <a:t>Deklarisanje globalnih varijabli za maksimalno vrijeme, dubinu, korisnost i igrača za koga je bot pozvan.</a:t>
-            </a:r>
+              <a:rPr lang="sr-Latn-RS" sz="2000" dirty="0" smtClean="0"/>
+              <a:t>GUI (kreiranje table, podela u kvadrate, definisanje i učitavanje figura, pozicioniranje)  - Square i BoardPanel</a:t>
+            </a:r>
+          </a:p>
+          <a:p>
+            <a:r>
+              <a:rPr lang="sr-Latn-RS" sz="2000" dirty="0" smtClean="0"/>
+              <a:t>Definisanje mogućeg pravca kretanja za figure (u zavisnosti od boje, pomoću x i y osa), način čuvanja pojedenih figura i kraljeva  - Move i Utils</a:t>
+            </a:r>
+          </a:p>
+          <a:p>
+            <a:r>
+              <a:rPr lang="sr-Latn-RS" sz="2000" dirty="0" smtClean="0"/>
+              <a:t>Definisanje listenera za odigran potez,</a:t>
+            </a:r>
+          </a:p>
+          <a:p>
+            <a:pPr marL="109728" indent="0">
+              <a:buNone/>
+            </a:pPr>
+            <a:r>
+              <a:rPr lang="sr-Latn-RS" sz="2000" dirty="0" smtClean="0"/>
+              <a:t> kao i za pomeranje figure </a:t>
+            </a:r>
+          </a:p>
+          <a:p>
+            <a:pPr marL="109728" indent="0">
+              <a:buNone/>
+            </a:pPr>
+            <a:r>
+              <a:rPr lang="sr-Latn-RS" sz="2000" dirty="0" smtClean="0"/>
+              <a:t>(</a:t>
+            </a:r>
+            <a:r>
+              <a:rPr lang="sr-Latn-RS" sz="2000" dirty="0"/>
+              <a:t>obična ili kralj</a:t>
+            </a:r>
+            <a:r>
+              <a:rPr lang="sr-Latn-RS" sz="2000" dirty="0" smtClean="0"/>
+              <a:t>) – BoardPanel</a:t>
+            </a:r>
+          </a:p>
+          <a:p>
+            <a:endParaRPr lang="sr-Latn-RS" sz="2000" dirty="0" smtClean="0"/>
+          </a:p>
+          <a:p>
+            <a:endParaRPr lang="sr-Latn-RS" sz="2000" dirty="0" smtClean="0"/>
           </a:p>
           <a:p>
             <a:endParaRPr lang="sr-Latn-RS" sz="2400" dirty="0" smtClean="0"/>
           </a:p>
-          <a:p>
-            <a:endParaRPr lang="sr-Latn-RS" sz="2400" dirty="0" smtClean="0"/>
-          </a:p>
-          <a:p>
-            <a:r>
-              <a:rPr lang="sr-Latn-RS" sz="2400" dirty="0" smtClean="0"/>
-              <a:t>Kreiranje klasa </a:t>
-            </a:r>
-            <a:r>
-              <a:rPr lang="en-US" sz="2400" dirty="0" err="1" smtClean="0"/>
-              <a:t>CheckersState</a:t>
-            </a:r>
-            <a:r>
-              <a:rPr lang="en-US" sz="2400" dirty="0"/>
-              <a:t>, </a:t>
-            </a:r>
-            <a:r>
-              <a:rPr lang="sr-Latn-RS" sz="2400" dirty="0" smtClean="0"/>
-              <a:t>koja ima metode </a:t>
-            </a:r>
-            <a:r>
-              <a:rPr lang="en-US" sz="2400" dirty="0" err="1" smtClean="0"/>
-              <a:t>isTerminalState</a:t>
-            </a:r>
-            <a:r>
-              <a:rPr lang="en-US" sz="2400" dirty="0"/>
-              <a:t>(), </a:t>
-            </a:r>
-            <a:r>
-              <a:rPr lang="en-US" sz="2400" dirty="0" err="1"/>
-              <a:t>getTerminalUtility</a:t>
-            </a:r>
-            <a:r>
-              <a:rPr lang="en-US" sz="2400" dirty="0"/>
-              <a:t>() and </a:t>
-            </a:r>
-            <a:r>
-              <a:rPr lang="en-US" sz="2400" dirty="0" err="1"/>
-              <a:t>getSuccessors</a:t>
-            </a:r>
-            <a:r>
-              <a:rPr lang="en-US" sz="2400" dirty="0"/>
-              <a:t>().</a:t>
-            </a:r>
-          </a:p>
-        </p:txBody>
-      </p:sp>
+        </p:txBody>
+      </p:sp>
+      <p:pic>
+        <p:nvPicPr>
+          <p:cNvPr id="8" name="Content Placeholder 7"/>
+          <p:cNvPicPr>
+            <a:picLocks noGrp="1" noChangeAspect="1"/>
+          </p:cNvPicPr>
+          <p:nvPr>
+            <p:ph idx="1"/>
+          </p:nvPr>
+        </p:nvPicPr>
+        <p:blipFill>
+          <a:blip r:embed="rId2">
+            <a:extLst>
+              <a:ext uri="{28A0092B-C50C-407E-A947-70E740481C1C}">
+                <a14:useLocalDpi xmlns:a14="http://schemas.microsoft.com/office/drawing/2010/main" val="0"/>
+              </a:ext>
+            </a:extLst>
+          </a:blip>
+          <a:stretch>
+            <a:fillRect/>
+          </a:stretch>
+        </p:blipFill>
+        <p:spPr>
+          <a:xfrm>
+            <a:off x="5085092" y="2204864"/>
+            <a:ext cx="3879396" cy="4525962"/>
+          </a:xfrm>
+          <a:prstGeom prst="rect">
+            <a:avLst/>
+          </a:prstGeom>
+          <a:ln>
+            <a:noFill/>
+          </a:ln>
+          <a:effectLst>
+            <a:outerShdw blurRad="292100" dist="139700" dir="2700000" algn="tl" rotWithShape="0">
+              <a:srgbClr val="333333">
+                <a:alpha val="65000"/>
+              </a:srgbClr>
+            </a:outerShdw>
+          </a:effectLst>
+        </p:spPr>
+      </p:pic>
     </p:spTree>
     <p:extLst>
       <p:ext uri="{BB962C8B-B14F-4D97-AF65-F5344CB8AC3E}">
         <p14:creationId xmlns:p14="http://schemas.microsoft.com/office/powerpoint/2010/main" val="4205634808"/>
-      </p:ext>
-    </p:extLst>
-  </p:cSld>
-  <p:clrMapOvr>
-    <a:masterClrMapping/>
-  </p:clrMapOvr>
-  <p:timing>
-    <p:tnLst>
-      <p:par>
-        <p:cTn id="1" dur="indefinite" restart="never" nodeType="tmRoot"/>
-      </p:par>
-    </p:tnLst>
-  </p:timing>
-</p:sld>
-</file>
-
-<file path=ppt/slides/slide8.xml><?xml version="1.0" encoding="utf-8"?>
-<p:sld xmlns:a="http://schemas.openxmlformats.org/drawingml/2006/main" xmlns:r="http://schemas.openxmlformats.org/officeDocument/2006/relationships" xmlns:p="http://schemas.openxmlformats.org/presentationml/2006/main">
-  <p:cSld>
-    <p:spTree>
-      <p:nvGrpSpPr>
-        <p:cNvPr id="1" name=""/>
-        <p:cNvGrpSpPr/>
-        <p:nvPr/>
-      </p:nvGrpSpPr>
-      <p:grpSpPr>
-        <a:xfrm>
-          <a:off x="0" y="0"/>
-          <a:ext cx="0" cy="0"/>
-          <a:chOff x="0" y="0"/>
-          <a:chExt cx="0" cy="0"/>
-        </a:xfrm>
-      </p:grpSpPr>
-      <p:sp>
-        <p:nvSpPr>
-          <p:cNvPr id="2" name="Content Placeholder 1"/>
-          <p:cNvSpPr>
-            <a:spLocks noGrp="1"/>
-          </p:cNvSpPr>
-          <p:nvPr>
-            <p:ph idx="1"/>
-          </p:nvPr>
-        </p:nvSpPr>
-        <p:spPr/>
-        <p:txBody>
-          <a:bodyPr/>
-          <a:lstStyle/>
-          <a:p>
-            <a:r>
-              <a:rPr lang="sr-Latn-RS" dirty="0" smtClean="0"/>
-              <a:t>Pravimo je kako želimo i na osnovu parametara koji su nama bitni za sledeći korak</a:t>
-            </a:r>
-          </a:p>
-          <a:p>
-            <a:endParaRPr lang="sr-Latn-RS" dirty="0"/>
-          </a:p>
-          <a:p>
-            <a:r>
-              <a:rPr lang="sr-Latn-RS" dirty="0" smtClean="0"/>
-              <a:t>Obična figura/kralj,  mogući potezi, udaljenost figura, broj figura na ploči</a:t>
-            </a:r>
-            <a:endParaRPr lang="en-US" dirty="0"/>
-          </a:p>
-        </p:txBody>
-      </p:sp>
-      <p:sp>
-        <p:nvSpPr>
-          <p:cNvPr id="3" name="Title 2"/>
-          <p:cNvSpPr>
-            <a:spLocks noGrp="1"/>
-          </p:cNvSpPr>
-          <p:nvPr>
-            <p:ph type="title"/>
-          </p:nvPr>
-        </p:nvSpPr>
-        <p:spPr>
-          <a:xfrm>
-            <a:off x="467544" y="0"/>
-            <a:ext cx="8229600" cy="1052736"/>
-          </a:xfrm>
-        </p:spPr>
-        <p:txBody>
-          <a:bodyPr>
-            <a:normAutofit/>
-          </a:bodyPr>
-          <a:lstStyle/>
-          <a:p>
-            <a:r>
-              <a:rPr lang="sr-Latn-RS" sz="4400" dirty="0" smtClean="0"/>
-              <a:t>2. Kreiranje evaluacijske funkcije</a:t>
-            </a:r>
-            <a:endParaRPr lang="en-US" sz="4400" dirty="0"/>
-          </a:p>
-        </p:txBody>
-      </p:sp>
-    </p:spTree>
-    <p:extLst>
-      <p:ext uri="{BB962C8B-B14F-4D97-AF65-F5344CB8AC3E}">
-        <p14:creationId xmlns:p14="http://schemas.microsoft.com/office/powerpoint/2010/main" val="2133630128"/>
       </p:ext>
     </p:extLst>
   </p:cSld>
@@ -7317,56 +7710,8 @@
         </p:nvSpPr>
         <p:spPr>
           <a:xfrm>
-            <a:off x="18549" y="1628799"/>
-            <a:ext cx="3555211" cy="4803459"/>
-          </a:xfrm>
-        </p:spPr>
-        <p:txBody>
-          <a:bodyPr/>
-          <a:lstStyle/>
-          <a:p>
-            <a:r>
-              <a:rPr lang="sr-Latn-RS" dirty="0" smtClean="0">
-                <a:solidFill>
-                  <a:schemeClr val="accent1"/>
-                </a:solidFill>
-                <a:effectLst>
-                  <a:outerShdw blurRad="38100" dist="38100" dir="2700000" algn="tl">
-                    <a:srgbClr val="000000">
-                      <a:alpha val="43137"/>
-                    </a:srgbClr>
-                  </a:outerShdw>
-                </a:effectLst>
-              </a:rPr>
-              <a:t>Alfa Beta pretraga</a:t>
-            </a:r>
-          </a:p>
-          <a:p>
-            <a:pPr marL="109728" indent="0">
-              <a:buNone/>
-            </a:pPr>
-            <a:r>
-              <a:rPr lang="sr-Latn-RS" dirty="0" smtClean="0"/>
-              <a:t>(ne koristimo je direktno za sledeći potez)</a:t>
-            </a:r>
-            <a:endParaRPr lang="en-US" dirty="0"/>
-          </a:p>
-        </p:txBody>
-      </p:sp>
-      <p:sp>
-        <p:nvSpPr>
-          <p:cNvPr id="3" name="Title 2"/>
-          <p:cNvSpPr>
-            <a:spLocks noGrp="1"/>
-          </p:cNvSpPr>
-          <p:nvPr>
-            <p:ph type="title"/>
-          </p:nvPr>
-        </p:nvSpPr>
-        <p:spPr>
-          <a:xfrm>
-            <a:off x="0" y="16737"/>
-            <a:ext cx="8928992" cy="1012974"/>
+            <a:off x="251520" y="1196752"/>
+            <a:ext cx="8892480" cy="3946443"/>
           </a:xfrm>
         </p:spPr>
         <p:txBody>
@@ -7376,8 +7721,44 @@
           <a:lstStyle/>
           <a:p>
             <a:r>
+              <a:rPr lang="sr-Latn-RS" sz="2000" dirty="0" smtClean="0"/>
+              <a:t>Funkcija koja uzima u obzir važne parametre prilikom odlučivanja koji je potez najbolji </a:t>
+            </a:r>
+          </a:p>
+          <a:p>
+            <a:r>
+              <a:rPr lang="sr-Latn-RS" sz="2000" dirty="0" smtClean="0"/>
+              <a:t>Broj figura na ploči, broj kraljeva na ploči, udaljenost između figura (mogućnost da figura bude pojedena), ocenjivanje table</a:t>
+            </a:r>
+            <a:endParaRPr lang="en-US" sz="2000" dirty="0"/>
+          </a:p>
+        </p:txBody>
+      </p:sp>
+      <p:sp>
+        <p:nvSpPr>
+          <p:cNvPr id="3" name="Title 2"/>
+          <p:cNvSpPr>
+            <a:spLocks noGrp="1"/>
+          </p:cNvSpPr>
+          <p:nvPr>
+            <p:ph type="title"/>
+          </p:nvPr>
+        </p:nvSpPr>
+        <p:spPr>
+          <a:xfrm>
+            <a:off x="467544" y="0"/>
+            <a:ext cx="8229600" cy="1052736"/>
+          </a:xfrm>
+        </p:spPr>
+        <p:txBody>
+          <a:bodyPr>
+            <a:normAutofit/>
+          </a:bodyPr>
+          <a:lstStyle/>
+          <a:p>
+            <a:r>
               <a:rPr lang="sr-Latn-RS" sz="4400" dirty="0" smtClean="0"/>
-              <a:t>3. Implementacija algoritma pretrage</a:t>
+              <a:t>Kreiranje evaluacijske funkcije</a:t>
             </a:r>
             <a:endParaRPr lang="en-US" sz="4400" dirty="0"/>
           </a:p>
@@ -7385,7 +7766,7 @@
       </p:sp>
       <p:pic>
         <p:nvPicPr>
-          <p:cNvPr id="4" name="Picture 3"/>
+          <p:cNvPr id="5" name="Picture 4"/>
           <p:cNvPicPr>
             <a:picLocks noChangeAspect="1"/>
           </p:cNvPicPr>
@@ -7405,18 +7786,28 @@
         </p:blipFill>
         <p:spPr>
           <a:xfrm>
-            <a:off x="3573761" y="1161759"/>
-            <a:ext cx="5270500" cy="5270500"/>
+            <a:off x="3059832" y="2708920"/>
+            <a:ext cx="2880320" cy="3855747"/>
           </a:xfrm>
           <a:prstGeom prst="rect">
             <a:avLst/>
           </a:prstGeom>
+          <a:ln>
+            <a:noFill/>
+          </a:ln>
+          <a:effectLst>
+            <a:outerShdw blurRad="292100" dist="139700" dir="2700000" algn="tl" rotWithShape="0">
+              <a:srgbClr val="333333">
+                <a:alpha val="65000"/>
+              </a:srgbClr>
+            </a:outerShdw>
+          </a:effectLst>
         </p:spPr>
       </p:pic>
     </p:spTree>
     <p:extLst>
       <p:ext uri="{BB962C8B-B14F-4D97-AF65-F5344CB8AC3E}">
-        <p14:creationId xmlns:p14="http://schemas.microsoft.com/office/powerpoint/2010/main" val="962678354"/>
+        <p14:creationId xmlns:p14="http://schemas.microsoft.com/office/powerpoint/2010/main" val="2133630128"/>
       </p:ext>
     </p:extLst>
   </p:cSld>

--- a/Projekat-Checkers.pptx
+++ b/Projekat-Checkers.pptx
@@ -9,15 +9,24 @@
     <p:sldId id="257" r:id="rId3"/>
     <p:sldId id="258" r:id="rId4"/>
     <p:sldId id="261" r:id="rId5"/>
-    <p:sldId id="262" r:id="rId6"/>
+    <p:sldId id="269" r:id="rId6"/>
     <p:sldId id="263" r:id="rId7"/>
-    <p:sldId id="269" r:id="rId8"/>
-    <p:sldId id="264" r:id="rId9"/>
-    <p:sldId id="265" r:id="rId10"/>
+    <p:sldId id="264" r:id="rId8"/>
+    <p:sldId id="262" r:id="rId9"/>
+    <p:sldId id="274" r:id="rId10"/>
     <p:sldId id="266" r:id="rId11"/>
-    <p:sldId id="267" r:id="rId12"/>
-    <p:sldId id="271" r:id="rId13"/>
-    <p:sldId id="268" r:id="rId14"/>
+    <p:sldId id="273" r:id="rId12"/>
+    <p:sldId id="275" r:id="rId13"/>
+    <p:sldId id="276" r:id="rId14"/>
+    <p:sldId id="265" r:id="rId15"/>
+    <p:sldId id="277" r:id="rId16"/>
+    <p:sldId id="279" r:id="rId17"/>
+    <p:sldId id="278" r:id="rId18"/>
+    <p:sldId id="267" r:id="rId19"/>
+    <p:sldId id="271" r:id="rId20"/>
+    <p:sldId id="280" r:id="rId21"/>
+    <p:sldId id="281" r:id="rId22"/>
+    <p:sldId id="268" r:id="rId23"/>
   </p:sldIdLst>
   <p:sldSz cx="9144000" cy="6858000" type="screen4x3"/>
   <p:notesSz cx="6858000" cy="9144000"/>
@@ -118,7 +127,7 @@
   </p:defaultTextStyle>
   <p:extLst>
     <p:ext uri="{EFAFB233-063F-42B5-8137-9DF3F51BA10A}">
-      <p15:sldGuideLst xmlns:p15="http://schemas.microsoft.com/office/powerpoint/2012/main">
+      <p15:sldGuideLst xmlns="" xmlns:p15="http://schemas.microsoft.com/office/powerpoint/2012/main">
         <p15:guide id="1" orient="horz" pos="2160">
           <p15:clr>
             <a:srgbClr val="A4A3A4"/>
@@ -760,7 +769,7 @@
           <a:p>
             <a:fld id="{57BD7AE1-4D32-48EF-B113-2CCE932E502E}" type="datetimeFigureOut">
               <a:rPr lang="en-US" smtClean="0"/>
-              <a:t>2/5/2016</a:t>
+              <a:t>2/8/2016</a:t>
             </a:fld>
             <a:endParaRPr lang="en-US"/>
           </a:p>
@@ -956,7 +965,7 @@
           <a:p>
             <a:fld id="{57BD7AE1-4D32-48EF-B113-2CCE932E502E}" type="datetimeFigureOut">
               <a:rPr lang="en-US" smtClean="0"/>
-              <a:t>2/5/2016</a:t>
+              <a:t>2/8/2016</a:t>
             </a:fld>
             <a:endParaRPr lang="en-US"/>
           </a:p>
@@ -1141,7 +1150,7 @@
           <a:p>
             <a:fld id="{57BD7AE1-4D32-48EF-B113-2CCE932E502E}" type="datetimeFigureOut">
               <a:rPr lang="en-US" smtClean="0"/>
-              <a:t>2/5/2016</a:t>
+              <a:t>2/8/2016</a:t>
             </a:fld>
             <a:endParaRPr lang="en-US"/>
           </a:p>
@@ -1291,7 +1300,7 @@
           <a:p>
             <a:fld id="{57BD7AE1-4D32-48EF-B113-2CCE932E502E}" type="datetimeFigureOut">
               <a:rPr lang="en-US" smtClean="0"/>
-              <a:t>2/5/2016</a:t>
+              <a:t>2/8/2016</a:t>
             </a:fld>
             <a:endParaRPr lang="en-US"/>
           </a:p>
@@ -1546,7 +1555,7 @@
           <a:p>
             <a:fld id="{57BD7AE1-4D32-48EF-B113-2CCE932E502E}" type="datetimeFigureOut">
               <a:rPr lang="en-US" smtClean="0"/>
-              <a:t>2/5/2016</a:t>
+              <a:t>2/8/2016</a:t>
             </a:fld>
             <a:endParaRPr lang="en-US"/>
           </a:p>
@@ -1955,7 +1964,7 @@
           <a:p>
             <a:fld id="{57BD7AE1-4D32-48EF-B113-2CCE932E502E}" type="datetimeFigureOut">
               <a:rPr lang="en-US" smtClean="0"/>
-              <a:t>2/5/2016</a:t>
+              <a:t>2/8/2016</a:t>
             </a:fld>
             <a:endParaRPr lang="en-US"/>
           </a:p>
@@ -2401,7 +2410,7 @@
           <a:p>
             <a:fld id="{57BD7AE1-4D32-48EF-B113-2CCE932E502E}" type="datetimeFigureOut">
               <a:rPr lang="en-US" smtClean="0"/>
-              <a:t>2/5/2016</a:t>
+              <a:t>2/8/2016</a:t>
             </a:fld>
             <a:endParaRPr lang="en-US"/>
           </a:p>
@@ -2502,7 +2511,7 @@
           <a:p>
             <a:fld id="{57BD7AE1-4D32-48EF-B113-2CCE932E502E}" type="datetimeFigureOut">
               <a:rPr lang="en-US" smtClean="0"/>
-              <a:t>2/5/2016</a:t>
+              <a:t>2/8/2016</a:t>
             </a:fld>
             <a:endParaRPr lang="en-US"/>
           </a:p>
@@ -2623,7 +2632,7 @@
           <a:p>
             <a:fld id="{57BD7AE1-4D32-48EF-B113-2CCE932E502E}" type="datetimeFigureOut">
               <a:rPr lang="en-US" smtClean="0"/>
-              <a:t>2/5/2016</a:t>
+              <a:t>2/8/2016</a:t>
             </a:fld>
             <a:endParaRPr lang="en-US"/>
           </a:p>
@@ -2897,7 +2906,7 @@
           <a:p>
             <a:fld id="{57BD7AE1-4D32-48EF-B113-2CCE932E502E}" type="datetimeFigureOut">
               <a:rPr lang="en-US" smtClean="0"/>
-              <a:t>2/5/2016</a:t>
+              <a:t>2/8/2016</a:t>
             </a:fld>
             <a:endParaRPr lang="en-US"/>
           </a:p>
@@ -3102,7 +3111,7 @@
           <a:p>
             <a:fld id="{57BD7AE1-4D32-48EF-B113-2CCE932E502E}" type="datetimeFigureOut">
               <a:rPr lang="en-US" smtClean="0"/>
-              <a:t>2/5/2016</a:t>
+              <a:t>2/8/2016</a:t>
             </a:fld>
             <a:endParaRPr lang="en-US"/>
           </a:p>
@@ -4211,7 +4220,7 @@
           <a:p>
             <a:fld id="{57BD7AE1-4D32-48EF-B113-2CCE932E502E}" type="datetimeFigureOut">
               <a:rPr lang="en-US" smtClean="0"/>
-              <a:t>2/5/2016</a:t>
+              <a:t>2/8/2016</a:t>
             </a:fld>
             <a:endParaRPr lang="en-US"/>
           </a:p>
@@ -4642,17 +4651,21 @@
           <a:p>
             <a:pPr algn="ctr"/>
             <a:r>
+              <a:rPr lang="en-US" sz="6600" dirty="0" smtClean="0"/>
+              <a:t>Projekat “Checkers” </a:t>
+            </a:r>
+            <a:r>
               <a:rPr lang="en-US" sz="6000" dirty="0" smtClean="0"/>
-              <a:t>Projekat “Checkers” </a:t>
+              <a:t/>
             </a:r>
             <a:br>
               <a:rPr lang="en-US" sz="6000" dirty="0" smtClean="0"/>
             </a:br>
             <a:r>
-              <a:rPr lang="en-US" sz="4400" dirty="0" smtClean="0"/>
+              <a:rPr lang="en-US" sz="3600" dirty="0" smtClean="0"/>
               <a:t>Predmet: Soft Computing</a:t>
             </a:r>
-            <a:endParaRPr lang="en-US" sz="4400" dirty="0"/>
+            <a:endParaRPr lang="en-US" sz="3600" dirty="0"/>
           </a:p>
         </p:txBody>
       </p:sp>
@@ -4928,6 +4941,7 @@
           </a:bodyPr>
           <a:lstStyle/>
           <a:p>
+            <a:pPr algn="ctr"/>
             <a:r>
               <a:rPr lang="sr-Latn-RS" sz="4400" dirty="0" smtClean="0"/>
               <a:t>Implementacija algoritma pretrage</a:t>
@@ -4985,6 +4999,1999 @@
         </p:nvSpPr>
         <p:spPr>
           <a:xfrm>
+            <a:off x="179512" y="1385059"/>
+            <a:ext cx="3888432" cy="4525963"/>
+          </a:xfrm>
+        </p:spPr>
+        <p:txBody>
+          <a:bodyPr>
+            <a:normAutofit/>
+          </a:bodyPr>
+          <a:lstStyle/>
+          <a:p>
+            <a:r>
+              <a:rPr lang="en-US" sz="2000" dirty="0" err="1" smtClean="0"/>
+              <a:t>Koristi</a:t>
+            </a:r>
+            <a:r>
+              <a:rPr lang="en-US" sz="2000" dirty="0" smtClean="0"/>
+              <a:t> </a:t>
+            </a:r>
+            <a:r>
+              <a:rPr lang="en-US" sz="2000" dirty="0" err="1" smtClean="0"/>
+              <a:t>pretragu</a:t>
+            </a:r>
+            <a:r>
+              <a:rPr lang="en-US" sz="2000" dirty="0" smtClean="0"/>
+              <a:t> </a:t>
+            </a:r>
+            <a:r>
+              <a:rPr lang="en-US" sz="2000" dirty="0" err="1" smtClean="0"/>
+              <a:t>prvi</a:t>
+            </a:r>
+            <a:r>
+              <a:rPr lang="en-US" sz="2000" dirty="0" smtClean="0"/>
+              <a:t> </a:t>
+            </a:r>
+          </a:p>
+          <a:p>
+            <a:pPr marL="109728" indent="0">
+              <a:buNone/>
+            </a:pPr>
+            <a:r>
+              <a:rPr lang="en-US" sz="2000" dirty="0" smtClean="0"/>
+              <a:t>u </a:t>
+            </a:r>
+            <a:r>
+              <a:rPr lang="en-US" sz="2000" dirty="0" err="1" smtClean="0"/>
+              <a:t>dubinu</a:t>
+            </a:r>
+            <a:endParaRPr lang="sr-Latn-RS" sz="2000" dirty="0" smtClean="0"/>
+          </a:p>
+          <a:p>
+            <a:pPr marL="109728" indent="0">
+              <a:buNone/>
+            </a:pPr>
+            <a:endParaRPr lang="en-US" sz="2000" dirty="0" smtClean="0"/>
+          </a:p>
+          <a:p>
+            <a:r>
+              <a:rPr lang="en-US" sz="2000" dirty="0" err="1" smtClean="0"/>
+              <a:t>Generi</a:t>
+            </a:r>
+            <a:r>
+              <a:rPr lang="sr-Latn-RS" sz="2000" dirty="0" smtClean="0"/>
+              <a:t>š</a:t>
+            </a:r>
+            <a:r>
+              <a:rPr lang="en-US" sz="2000" dirty="0" smtClean="0"/>
+              <a:t>e </a:t>
+            </a:r>
+            <a:r>
+              <a:rPr lang="en-US" sz="2000" dirty="0" err="1" smtClean="0"/>
+              <a:t>naizmeni</a:t>
+            </a:r>
+            <a:r>
+              <a:rPr lang="sr-Latn-RS" sz="2000" dirty="0" smtClean="0"/>
+              <a:t>č</a:t>
+            </a:r>
+            <a:r>
+              <a:rPr lang="en-US" sz="2000" dirty="0" smtClean="0"/>
+              <a:t>no</a:t>
+            </a:r>
+          </a:p>
+          <a:p>
+            <a:pPr marL="109728" indent="0">
+              <a:buNone/>
+            </a:pPr>
+            <a:r>
+              <a:rPr lang="en-US" sz="2000" dirty="0" smtClean="0"/>
+              <a:t> </a:t>
+            </a:r>
+            <a:r>
+              <a:rPr lang="en-US" sz="2000" dirty="0" err="1" smtClean="0"/>
+              <a:t>svoje</a:t>
+            </a:r>
+            <a:r>
+              <a:rPr lang="en-US" sz="2000" dirty="0" smtClean="0"/>
+              <a:t> </a:t>
+            </a:r>
+            <a:r>
+              <a:rPr lang="en-US" sz="2000" dirty="0" err="1" smtClean="0"/>
+              <a:t>i</a:t>
+            </a:r>
+            <a:r>
+              <a:rPr lang="en-US" sz="2000" dirty="0" smtClean="0"/>
+              <a:t> </a:t>
+            </a:r>
+            <a:r>
+              <a:rPr lang="en-US" sz="2000" dirty="0" err="1" smtClean="0"/>
+              <a:t>protivni</a:t>
+            </a:r>
+            <a:r>
+              <a:rPr lang="sr-Latn-RS" sz="2000" dirty="0" smtClean="0"/>
+              <a:t>č</a:t>
+            </a:r>
+            <a:r>
+              <a:rPr lang="en-US" sz="2000" dirty="0" err="1" smtClean="0"/>
+              <a:t>ke</a:t>
+            </a:r>
+            <a:r>
+              <a:rPr lang="en-US" sz="2000" dirty="0" smtClean="0"/>
+              <a:t> </a:t>
+            </a:r>
+            <a:r>
+              <a:rPr lang="en-US" sz="2000" dirty="0" err="1" smtClean="0"/>
+              <a:t>poteze</a:t>
+            </a:r>
+            <a:endParaRPr lang="en-US" sz="2000" dirty="0" smtClean="0"/>
+          </a:p>
+          <a:p>
+            <a:pPr marL="109728" indent="0">
+              <a:buNone/>
+            </a:pPr>
+            <a:endParaRPr lang="sr-Latn-RS" sz="2000" dirty="0" smtClean="0"/>
+          </a:p>
+          <a:p>
+            <a:pPr marL="109728" indent="0">
+              <a:buNone/>
+            </a:pPr>
+            <a:endParaRPr lang="en-US" sz="2000" dirty="0" smtClean="0"/>
+          </a:p>
+          <a:p>
+            <a:r>
+              <a:rPr lang="en-US" sz="2000" dirty="0" err="1" smtClean="0"/>
+              <a:t>Za</a:t>
+            </a:r>
+            <a:r>
+              <a:rPr lang="en-US" sz="2000" dirty="0" smtClean="0"/>
+              <a:t> </a:t>
+            </a:r>
+            <a:r>
+              <a:rPr lang="en-US" sz="2000" dirty="0" err="1" smtClean="0"/>
+              <a:t>svaki</a:t>
+            </a:r>
+            <a:r>
+              <a:rPr lang="en-US" sz="2000" dirty="0" smtClean="0"/>
+              <a:t> </a:t>
+            </a:r>
+            <a:r>
+              <a:rPr lang="en-US" sz="2000" dirty="0" err="1" smtClean="0"/>
+              <a:t>svoj</a:t>
+            </a:r>
+            <a:r>
+              <a:rPr lang="en-US" sz="2000" dirty="0" smtClean="0"/>
+              <a:t> </a:t>
+            </a:r>
+            <a:r>
+              <a:rPr lang="en-US" sz="2000" dirty="0" err="1" smtClean="0"/>
+              <a:t>potez</a:t>
+            </a:r>
+            <a:r>
+              <a:rPr lang="en-US" sz="2000" dirty="0" smtClean="0"/>
+              <a:t> </a:t>
+            </a:r>
+            <a:r>
+              <a:rPr lang="en-US" sz="2000" dirty="0" err="1" smtClean="0"/>
+              <a:t>generi</a:t>
+            </a:r>
+            <a:r>
+              <a:rPr lang="sr-Latn-RS" sz="2000" dirty="0" smtClean="0"/>
+              <a:t>š</a:t>
+            </a:r>
+            <a:r>
+              <a:rPr lang="en-US" sz="2000" dirty="0" smtClean="0"/>
+              <a:t>e</a:t>
+            </a:r>
+          </a:p>
+          <a:p>
+            <a:pPr marL="109728" indent="0">
+              <a:buNone/>
+            </a:pPr>
+            <a:r>
+              <a:rPr lang="en-US" sz="2000" dirty="0" err="1" smtClean="0"/>
+              <a:t>sve</a:t>
+            </a:r>
+            <a:r>
+              <a:rPr lang="en-US" sz="2000" dirty="0" smtClean="0"/>
+              <a:t> </a:t>
+            </a:r>
+            <a:r>
+              <a:rPr lang="en-US" sz="2000" dirty="0" err="1" smtClean="0"/>
+              <a:t>protivni</a:t>
+            </a:r>
+            <a:r>
+              <a:rPr lang="sr-Latn-RS" sz="2000" dirty="0" smtClean="0"/>
+              <a:t>č</a:t>
+            </a:r>
+            <a:r>
+              <a:rPr lang="en-US" sz="2000" dirty="0" err="1" smtClean="0"/>
+              <a:t>ke</a:t>
+            </a:r>
+            <a:r>
+              <a:rPr lang="en-US" sz="2000" dirty="0" smtClean="0"/>
+              <a:t> </a:t>
+            </a:r>
+            <a:r>
+              <a:rPr lang="en-US" sz="2000" dirty="0" err="1" smtClean="0"/>
+              <a:t>poteze</a:t>
+            </a:r>
+            <a:r>
+              <a:rPr lang="en-US" sz="2000" dirty="0" smtClean="0"/>
+              <a:t> </a:t>
+            </a:r>
+          </a:p>
+          <a:p>
+            <a:pPr marL="109728" indent="0">
+              <a:buNone/>
+            </a:pPr>
+            <a:r>
+              <a:rPr lang="en-US" sz="2000" dirty="0" err="1" smtClean="0"/>
+              <a:t>pozivanjem</a:t>
+            </a:r>
+            <a:r>
+              <a:rPr lang="en-US" sz="2000" dirty="0" smtClean="0"/>
+              <a:t> </a:t>
+            </a:r>
+            <a:r>
+              <a:rPr lang="en-US" sz="2000" dirty="0" err="1" smtClean="0"/>
+              <a:t>funkcije</a:t>
+            </a:r>
+            <a:r>
+              <a:rPr lang="en-US" sz="2000" dirty="0" smtClean="0"/>
+              <a:t> </a:t>
+            </a:r>
+            <a:r>
+              <a:rPr lang="en-US" sz="2000" dirty="0" err="1" smtClean="0"/>
+              <a:t>MinMove</a:t>
+            </a:r>
+            <a:endParaRPr lang="en-US" sz="2000" dirty="0" smtClean="0"/>
+          </a:p>
+        </p:txBody>
+      </p:sp>
+      <p:sp>
+        <p:nvSpPr>
+          <p:cNvPr id="3" name="Title 2"/>
+          <p:cNvSpPr>
+            <a:spLocks noGrp="1"/>
+          </p:cNvSpPr>
+          <p:nvPr>
+            <p:ph type="title"/>
+          </p:nvPr>
+        </p:nvSpPr>
+        <p:spPr>
+          <a:xfrm>
+            <a:off x="97160" y="-37578"/>
+            <a:ext cx="8229600" cy="1052736"/>
+          </a:xfrm>
+        </p:spPr>
+        <p:txBody>
+          <a:bodyPr>
+            <a:normAutofit/>
+          </a:bodyPr>
+          <a:lstStyle/>
+          <a:p>
+            <a:pPr algn="ctr"/>
+            <a:r>
+              <a:rPr lang="en-US" dirty="0" smtClean="0"/>
+              <a:t>Minimax </a:t>
+            </a:r>
+            <a:r>
+              <a:rPr lang="en-US" dirty="0" err="1" smtClean="0"/>
+              <a:t>algoritam</a:t>
+            </a:r>
+            <a:endParaRPr lang="sr-Latn-RS" dirty="0"/>
+          </a:p>
+        </p:txBody>
+      </p:sp>
+      <p:pic>
+        <p:nvPicPr>
+          <p:cNvPr id="1026" name="Picture 2"/>
+          <p:cNvPicPr>
+            <a:picLocks noChangeAspect="1" noChangeArrowheads="1"/>
+          </p:cNvPicPr>
+          <p:nvPr/>
+        </p:nvPicPr>
+        <p:blipFill>
+          <a:blip r:embed="rId2">
+            <a:extLst>
+              <a:ext uri="{28A0092B-C50C-407E-A947-70E740481C1C}">
+                <a14:useLocalDpi xmlns:a14="http://schemas.microsoft.com/office/drawing/2010/main" val="0"/>
+              </a:ext>
+            </a:extLst>
+          </a:blip>
+          <a:srcRect/>
+          <a:stretch>
+            <a:fillRect/>
+          </a:stretch>
+        </p:blipFill>
+        <p:spPr bwMode="auto">
+          <a:xfrm>
+            <a:off x="4211960" y="1124744"/>
+            <a:ext cx="4897344" cy="4896544"/>
+          </a:xfrm>
+          <a:prstGeom prst="rect">
+            <a:avLst/>
+          </a:prstGeom>
+          <a:noFill/>
+          <a:ln>
+            <a:noFill/>
+          </a:ln>
+          <a:extLst>
+            <a:ext uri="{909E8E84-426E-40DD-AFC4-6F175D3DCCD1}">
+              <a14:hiddenFill xmlns:a14="http://schemas.microsoft.com/office/drawing/2010/main">
+                <a:solidFill>
+                  <a:schemeClr val="accent1"/>
+                </a:solidFill>
+              </a14:hiddenFill>
+            </a:ext>
+            <a:ext uri="{91240B29-F687-4F45-9708-019B960494DF}">
+              <a14:hiddenLine xmlns:a14="http://schemas.microsoft.com/office/drawing/2010/main" w="9525">
+                <a:solidFill>
+                  <a:schemeClr val="tx1"/>
+                </a:solidFill>
+                <a:miter lim="800000"/>
+                <a:headEnd/>
+                <a:tailEnd/>
+              </a14:hiddenLine>
+            </a:ext>
+          </a:extLst>
+        </p:spPr>
+      </p:pic>
+    </p:spTree>
+    <p:extLst>
+      <p:ext uri="{BB962C8B-B14F-4D97-AF65-F5344CB8AC3E}">
+        <p14:creationId xmlns:p14="http://schemas.microsoft.com/office/powerpoint/2010/main" val="782107899"/>
+      </p:ext>
+    </p:extLst>
+  </p:cSld>
+  <p:clrMapOvr>
+    <a:masterClrMapping/>
+  </p:clrMapOvr>
+  <p:timing>
+    <p:tnLst>
+      <p:par>
+        <p:cTn id="1" dur="indefinite" restart="never" nodeType="tmRoot"/>
+      </p:par>
+    </p:tnLst>
+  </p:timing>
+</p:sld>
+</file>
+
+<file path=ppt/slides/slide12.xml><?xml version="1.0" encoding="utf-8"?>
+<p:sld xmlns:a="http://schemas.openxmlformats.org/drawingml/2006/main" xmlns:r="http://schemas.openxmlformats.org/officeDocument/2006/relationships" xmlns:p="http://schemas.openxmlformats.org/presentationml/2006/main">
+  <p:cSld>
+    <p:spTree>
+      <p:nvGrpSpPr>
+        <p:cNvPr id="1" name=""/>
+        <p:cNvGrpSpPr/>
+        <p:nvPr/>
+      </p:nvGrpSpPr>
+      <p:grpSpPr>
+        <a:xfrm>
+          <a:off x="0" y="0"/>
+          <a:ext cx="0" cy="0"/>
+          <a:chOff x="0" y="0"/>
+          <a:chExt cx="0" cy="0"/>
+        </a:xfrm>
+      </p:grpSpPr>
+      <p:sp>
+        <p:nvSpPr>
+          <p:cNvPr id="2" name="Content Placeholder 1"/>
+          <p:cNvSpPr>
+            <a:spLocks noGrp="1"/>
+          </p:cNvSpPr>
+          <p:nvPr>
+            <p:ph idx="1"/>
+          </p:nvPr>
+        </p:nvSpPr>
+        <p:spPr>
+          <a:xfrm>
+            <a:off x="179512" y="1196753"/>
+            <a:ext cx="8784976" cy="1800200"/>
+          </a:xfrm>
+        </p:spPr>
+        <p:txBody>
+          <a:bodyPr>
+            <a:normAutofit/>
+          </a:bodyPr>
+          <a:lstStyle/>
+          <a:p>
+            <a:r>
+              <a:rPr lang="en-US" sz="2400" dirty="0" err="1" smtClean="0"/>
+              <a:t>Idu</a:t>
+            </a:r>
+            <a:r>
+              <a:rPr lang="sr-Latn-RS" sz="2400" dirty="0" smtClean="0"/>
+              <a:t>ć</a:t>
+            </a:r>
+            <a:r>
+              <a:rPr lang="en-US" sz="2400" dirty="0" err="1" smtClean="0"/>
+              <a:t>i</a:t>
+            </a:r>
+            <a:r>
+              <a:rPr lang="en-US" sz="2400" dirty="0" smtClean="0"/>
+              <a:t> u </a:t>
+            </a:r>
+            <a:r>
+              <a:rPr lang="en-US" sz="2400" dirty="0" err="1" smtClean="0"/>
+              <a:t>dubinu</a:t>
+            </a:r>
+            <a:r>
+              <a:rPr lang="en-US" sz="2400" dirty="0" smtClean="0"/>
+              <a:t> </a:t>
+            </a:r>
+            <a:r>
+              <a:rPr lang="en-US" sz="2400" dirty="0" err="1" smtClean="0"/>
+              <a:t>za</a:t>
+            </a:r>
+            <a:r>
+              <a:rPr lang="en-US" sz="2400" dirty="0" smtClean="0"/>
+              <a:t> </a:t>
+            </a:r>
+            <a:r>
+              <a:rPr lang="en-US" sz="2400" dirty="0" err="1" smtClean="0"/>
+              <a:t>svaki</a:t>
+            </a:r>
+            <a:r>
+              <a:rPr lang="sr-Latn-RS" sz="2400" dirty="0" smtClean="0"/>
+              <a:t> </a:t>
+            </a:r>
+            <a:r>
+              <a:rPr lang="en-US" sz="2400" dirty="0" err="1" smtClean="0"/>
+              <a:t>protivni</a:t>
+            </a:r>
+            <a:r>
+              <a:rPr lang="sr-Latn-RS" sz="2400" dirty="0" smtClean="0"/>
+              <a:t>č</a:t>
+            </a:r>
+            <a:r>
+              <a:rPr lang="en-US" sz="2400" dirty="0" err="1" smtClean="0"/>
+              <a:t>ki</a:t>
+            </a:r>
+            <a:r>
+              <a:rPr lang="en-US" sz="2400" dirty="0" smtClean="0"/>
+              <a:t> </a:t>
+            </a:r>
+            <a:r>
+              <a:rPr lang="en-US" sz="2400" dirty="0" err="1" smtClean="0"/>
+              <a:t>potez</a:t>
+            </a:r>
+            <a:r>
+              <a:rPr lang="en-US" sz="2400" dirty="0" smtClean="0"/>
+              <a:t> </a:t>
+            </a:r>
+            <a:r>
+              <a:rPr lang="en-US" sz="2400" dirty="0" err="1" smtClean="0"/>
+              <a:t>generi</a:t>
+            </a:r>
+            <a:r>
+              <a:rPr lang="sr-Latn-RS" sz="2400" dirty="0" smtClean="0"/>
+              <a:t>š</a:t>
+            </a:r>
+            <a:r>
+              <a:rPr lang="en-US" sz="2400" dirty="0" smtClean="0"/>
+              <a:t>e</a:t>
+            </a:r>
+            <a:r>
+              <a:rPr lang="sr-Latn-RS" sz="2400" dirty="0" smtClean="0"/>
+              <a:t> </a:t>
+            </a:r>
+            <a:r>
+              <a:rPr lang="en-US" sz="2400" dirty="0" err="1" smtClean="0"/>
+              <a:t>svoje</a:t>
+            </a:r>
+            <a:r>
+              <a:rPr lang="en-US" sz="2400" dirty="0" smtClean="0"/>
+              <a:t> </a:t>
+            </a:r>
+            <a:r>
+              <a:rPr lang="en-US" sz="2400" dirty="0" err="1" smtClean="0"/>
+              <a:t>mogu</a:t>
+            </a:r>
+            <a:r>
+              <a:rPr lang="sr-Latn-RS" sz="2400" dirty="0" smtClean="0"/>
+              <a:t>ć</a:t>
+            </a:r>
+            <a:r>
+              <a:rPr lang="en-US" sz="2400" dirty="0" smtClean="0"/>
+              <a:t>e</a:t>
+            </a:r>
+          </a:p>
+          <a:p>
+            <a:pPr marL="109728" indent="0">
+              <a:buNone/>
+            </a:pPr>
+            <a:endParaRPr lang="sr-Latn-RS" sz="2400" dirty="0"/>
+          </a:p>
+        </p:txBody>
+      </p:sp>
+      <p:sp>
+        <p:nvSpPr>
+          <p:cNvPr id="3" name="Title 2"/>
+          <p:cNvSpPr>
+            <a:spLocks noGrp="1"/>
+          </p:cNvSpPr>
+          <p:nvPr>
+            <p:ph type="title"/>
+          </p:nvPr>
+        </p:nvSpPr>
+        <p:spPr>
+          <a:xfrm>
+            <a:off x="12859" y="0"/>
+            <a:ext cx="8229600" cy="908720"/>
+          </a:xfrm>
+        </p:spPr>
+        <p:txBody>
+          <a:bodyPr/>
+          <a:lstStyle/>
+          <a:p>
+            <a:pPr algn="ctr"/>
+            <a:r>
+              <a:rPr lang="en-US" dirty="0" smtClean="0"/>
+              <a:t>Minimax </a:t>
+            </a:r>
+            <a:r>
+              <a:rPr lang="en-US" dirty="0" err="1" smtClean="0"/>
+              <a:t>algoritam</a:t>
+            </a:r>
+            <a:endParaRPr lang="sr-Latn-RS" dirty="0"/>
+          </a:p>
+        </p:txBody>
+      </p:sp>
+      <p:pic>
+        <p:nvPicPr>
+          <p:cNvPr id="2051" name="Picture 3"/>
+          <p:cNvPicPr>
+            <a:picLocks noChangeAspect="1" noChangeArrowheads="1"/>
+          </p:cNvPicPr>
+          <p:nvPr/>
+        </p:nvPicPr>
+        <p:blipFill>
+          <a:blip r:embed="rId2">
+            <a:extLst>
+              <a:ext uri="{28A0092B-C50C-407E-A947-70E740481C1C}">
+                <a14:useLocalDpi xmlns:a14="http://schemas.microsoft.com/office/drawing/2010/main" val="0"/>
+              </a:ext>
+            </a:extLst>
+          </a:blip>
+          <a:srcRect/>
+          <a:stretch>
+            <a:fillRect/>
+          </a:stretch>
+        </p:blipFill>
+        <p:spPr bwMode="auto">
+          <a:xfrm>
+            <a:off x="3779912" y="1966670"/>
+            <a:ext cx="4734505" cy="4608512"/>
+          </a:xfrm>
+          <a:prstGeom prst="rect">
+            <a:avLst/>
+          </a:prstGeom>
+          <a:noFill/>
+          <a:ln>
+            <a:noFill/>
+          </a:ln>
+          <a:extLst>
+            <a:ext uri="{909E8E84-426E-40DD-AFC4-6F175D3DCCD1}">
+              <a14:hiddenFill xmlns:a14="http://schemas.microsoft.com/office/drawing/2010/main">
+                <a:solidFill>
+                  <a:schemeClr val="accent1"/>
+                </a:solidFill>
+              </a14:hiddenFill>
+            </a:ext>
+            <a:ext uri="{91240B29-F687-4F45-9708-019B960494DF}">
+              <a14:hiddenLine xmlns:a14="http://schemas.microsoft.com/office/drawing/2010/main" w="9525">
+                <a:solidFill>
+                  <a:schemeClr val="tx1"/>
+                </a:solidFill>
+                <a:miter lim="800000"/>
+                <a:headEnd/>
+                <a:tailEnd/>
+              </a14:hiddenLine>
+            </a:ext>
+          </a:extLst>
+        </p:spPr>
+      </p:pic>
+    </p:spTree>
+    <p:extLst>
+      <p:ext uri="{BB962C8B-B14F-4D97-AF65-F5344CB8AC3E}">
+        <p14:creationId xmlns:p14="http://schemas.microsoft.com/office/powerpoint/2010/main" val="3839277617"/>
+      </p:ext>
+    </p:extLst>
+  </p:cSld>
+  <p:clrMapOvr>
+    <a:masterClrMapping/>
+  </p:clrMapOvr>
+  <p:timing>
+    <p:tnLst>
+      <p:par>
+        <p:cTn id="1" dur="indefinite" restart="never" nodeType="tmRoot"/>
+      </p:par>
+    </p:tnLst>
+  </p:timing>
+</p:sld>
+</file>
+
+<file path=ppt/slides/slide13.xml><?xml version="1.0" encoding="utf-8"?>
+<p:sld xmlns:a="http://schemas.openxmlformats.org/drawingml/2006/main" xmlns:r="http://schemas.openxmlformats.org/officeDocument/2006/relationships" xmlns:p="http://schemas.openxmlformats.org/presentationml/2006/main">
+  <p:cSld>
+    <p:spTree>
+      <p:nvGrpSpPr>
+        <p:cNvPr id="1" name=""/>
+        <p:cNvGrpSpPr/>
+        <p:nvPr/>
+      </p:nvGrpSpPr>
+      <p:grpSpPr>
+        <a:xfrm>
+          <a:off x="0" y="0"/>
+          <a:ext cx="0" cy="0"/>
+          <a:chOff x="0" y="0"/>
+          <a:chExt cx="0" cy="0"/>
+        </a:xfrm>
+      </p:grpSpPr>
+      <p:sp>
+        <p:nvSpPr>
+          <p:cNvPr id="2" name="Content Placeholder 1"/>
+          <p:cNvSpPr>
+            <a:spLocks noGrp="1"/>
+          </p:cNvSpPr>
+          <p:nvPr>
+            <p:ph idx="1"/>
+          </p:nvPr>
+        </p:nvSpPr>
+        <p:spPr>
+          <a:xfrm>
+            <a:off x="179513" y="1052736"/>
+            <a:ext cx="8856984" cy="4954555"/>
+          </a:xfrm>
+        </p:spPr>
+        <p:txBody>
+          <a:bodyPr>
+            <a:normAutofit/>
+          </a:bodyPr>
+          <a:lstStyle/>
+          <a:p>
+            <a:r>
+              <a:rPr lang="en-US" sz="2400" dirty="0" err="1" smtClean="0"/>
+              <a:t>Kad</a:t>
+            </a:r>
+            <a:r>
+              <a:rPr lang="sr-Latn-RS" sz="2400" dirty="0" smtClean="0"/>
+              <a:t>a algoritam</a:t>
+            </a:r>
+            <a:r>
+              <a:rPr lang="en-US" sz="2400" dirty="0" smtClean="0"/>
+              <a:t> do</a:t>
+            </a:r>
+            <a:r>
+              <a:rPr lang="sr-Latn-RS" sz="2400" dirty="0" smtClean="0"/>
+              <a:t>đ</a:t>
+            </a:r>
+            <a:r>
+              <a:rPr lang="en-US" sz="2400" dirty="0" smtClean="0"/>
+              <a:t>e do </a:t>
+            </a:r>
+            <a:r>
+              <a:rPr lang="en-US" sz="2400" dirty="0" err="1" smtClean="0"/>
+              <a:t>poslednje</a:t>
+            </a:r>
+            <a:r>
+              <a:rPr lang="en-US" sz="2400" dirty="0" smtClean="0"/>
+              <a:t> </a:t>
+            </a:r>
+            <a:r>
+              <a:rPr lang="en-US" sz="2400" dirty="0" err="1" smtClean="0"/>
+              <a:t>dubine</a:t>
+            </a:r>
+            <a:r>
+              <a:rPr lang="en-US" sz="2400" dirty="0" smtClean="0"/>
+              <a:t> </a:t>
+            </a:r>
+            <a:r>
+              <a:rPr lang="en-US" sz="2400" dirty="0" err="1" smtClean="0"/>
+              <a:t>ocenjuje</a:t>
+            </a:r>
+            <a:r>
+              <a:rPr lang="en-US" sz="2400" dirty="0" smtClean="0"/>
+              <a:t> se </a:t>
+            </a:r>
+            <a:r>
+              <a:rPr lang="en-US" sz="2400" dirty="0" err="1" smtClean="0"/>
+              <a:t>trenutna</a:t>
+            </a:r>
+            <a:r>
+              <a:rPr lang="en-US" sz="2400" dirty="0" smtClean="0"/>
+              <a:t> </a:t>
+            </a:r>
+            <a:r>
+              <a:rPr lang="en-US" sz="2400" dirty="0" err="1" smtClean="0"/>
+              <a:t>tabla</a:t>
+            </a:r>
+            <a:endParaRPr lang="en-US" sz="2400" dirty="0"/>
+          </a:p>
+          <a:p>
+            <a:r>
+              <a:rPr lang="en-US" sz="2400" dirty="0" err="1" smtClean="0"/>
+              <a:t>Vrijednost</a:t>
+            </a:r>
+            <a:r>
+              <a:rPr lang="en-US" sz="2400" dirty="0" smtClean="0"/>
+              <a:t> se </a:t>
+            </a:r>
+            <a:r>
+              <a:rPr lang="en-US" sz="2400" dirty="0" err="1" smtClean="0"/>
+              <a:t>propagira</a:t>
+            </a:r>
+            <a:r>
+              <a:rPr lang="en-US" sz="2400" dirty="0" smtClean="0"/>
+              <a:t> </a:t>
+            </a:r>
+            <a:r>
+              <a:rPr lang="en-US" sz="2400" dirty="0" err="1" smtClean="0"/>
+              <a:t>unazad</a:t>
+            </a:r>
+            <a:r>
+              <a:rPr lang="en-US" sz="2400" dirty="0" smtClean="0"/>
+              <a:t> </a:t>
+            </a:r>
+            <a:r>
+              <a:rPr lang="sr-Latn-RS" sz="2400" dirty="0" smtClean="0"/>
+              <a:t>i </a:t>
+            </a:r>
+            <a:r>
+              <a:rPr lang="en-US" sz="2400" dirty="0" smtClean="0"/>
+              <a:t>u </a:t>
+            </a:r>
+            <a:r>
+              <a:rPr lang="en-US" sz="2400" dirty="0" err="1" smtClean="0"/>
+              <a:t>zavisnosti</a:t>
+            </a:r>
+            <a:r>
+              <a:rPr lang="en-US" sz="2400" dirty="0" smtClean="0"/>
+              <a:t> od </a:t>
+            </a:r>
+            <a:r>
+              <a:rPr lang="en-US" sz="2400" dirty="0" err="1" smtClean="0"/>
+              <a:t>igra</a:t>
+            </a:r>
+            <a:r>
+              <a:rPr lang="sr-Latn-RS" sz="2400" dirty="0" smtClean="0"/>
+              <a:t>č</a:t>
+            </a:r>
+            <a:r>
+              <a:rPr lang="en-US" sz="2400" dirty="0" smtClean="0"/>
+              <a:t>a </a:t>
+            </a:r>
+            <a:r>
+              <a:rPr lang="en-US" sz="2400" dirty="0" err="1" smtClean="0"/>
+              <a:t>koji</a:t>
+            </a:r>
+            <a:r>
+              <a:rPr lang="en-US" sz="2400" dirty="0" smtClean="0"/>
+              <a:t> je </a:t>
+            </a:r>
+            <a:r>
+              <a:rPr lang="en-US" sz="2400" dirty="0" err="1" smtClean="0"/>
+              <a:t>na</a:t>
+            </a:r>
+            <a:r>
+              <a:rPr lang="en-US" sz="2400" dirty="0" smtClean="0"/>
+              <a:t> </a:t>
+            </a:r>
+            <a:r>
+              <a:rPr lang="en-US" sz="2400" dirty="0" err="1" smtClean="0"/>
+              <a:t>potezu</a:t>
+            </a:r>
+            <a:r>
+              <a:rPr lang="en-US" sz="2400" dirty="0" smtClean="0"/>
+              <a:t> </a:t>
+            </a:r>
+            <a:r>
+              <a:rPr lang="en-US" sz="2400" dirty="0" err="1" smtClean="0"/>
+              <a:t>i</a:t>
+            </a:r>
+            <a:r>
+              <a:rPr lang="en-US" sz="2400" dirty="0" smtClean="0"/>
+              <a:t> </a:t>
+            </a:r>
+            <a:r>
+              <a:rPr lang="en-US" sz="2400" dirty="0" err="1" smtClean="0"/>
+              <a:t>bira</a:t>
+            </a:r>
+            <a:r>
+              <a:rPr lang="en-US" sz="2400" dirty="0" smtClean="0"/>
+              <a:t> se</a:t>
+            </a:r>
+            <a:r>
+              <a:rPr lang="sr-Latn-RS" sz="2400" dirty="0" smtClean="0"/>
+              <a:t> ona</a:t>
+            </a:r>
+            <a:r>
+              <a:rPr lang="en-US" sz="2400" dirty="0" smtClean="0"/>
+              <a:t> </a:t>
+            </a:r>
+            <a:r>
+              <a:rPr lang="en-US" sz="2400" dirty="0" err="1" smtClean="0"/>
+              <a:t>tabla</a:t>
+            </a:r>
+            <a:r>
+              <a:rPr lang="en-US" sz="2400" dirty="0" smtClean="0"/>
+              <a:t> </a:t>
+            </a:r>
+            <a:r>
+              <a:rPr lang="en-US" sz="2400" dirty="0" err="1" smtClean="0"/>
+              <a:t>sa</a:t>
+            </a:r>
+            <a:r>
+              <a:rPr lang="en-US" sz="2400" dirty="0" smtClean="0"/>
+              <a:t> </a:t>
+            </a:r>
+            <a:r>
+              <a:rPr lang="en-US" sz="2400" dirty="0" err="1" smtClean="0"/>
+              <a:t>najve</a:t>
+            </a:r>
+            <a:r>
+              <a:rPr lang="sr-Latn-RS" sz="2400" dirty="0" smtClean="0"/>
+              <a:t>ć</a:t>
+            </a:r>
+            <a:r>
+              <a:rPr lang="en-US" sz="2400" dirty="0" err="1" smtClean="0"/>
+              <a:t>om</a:t>
+            </a:r>
+            <a:r>
+              <a:rPr lang="en-US" sz="2400" dirty="0" smtClean="0"/>
+              <a:t>/</a:t>
+            </a:r>
+            <a:r>
+              <a:rPr lang="en-US" sz="2400" dirty="0" err="1" smtClean="0"/>
+              <a:t>najmanjom</a:t>
+            </a:r>
+            <a:r>
+              <a:rPr lang="en-US" sz="2400" dirty="0" smtClean="0"/>
+              <a:t> </a:t>
+            </a:r>
+            <a:r>
+              <a:rPr lang="en-US" sz="2400" dirty="0" err="1" smtClean="0"/>
+              <a:t>vredno</a:t>
+            </a:r>
+            <a:r>
+              <a:rPr lang="sr-Latn-RS" sz="2400" dirty="0" smtClean="0"/>
+              <a:t>šć</a:t>
+            </a:r>
+            <a:r>
+              <a:rPr lang="en-US" sz="2400" dirty="0" smtClean="0"/>
+              <a:t>u</a:t>
+            </a:r>
+            <a:endParaRPr lang="sr-Latn-RS" sz="2400" dirty="0"/>
+          </a:p>
+        </p:txBody>
+      </p:sp>
+      <p:sp>
+        <p:nvSpPr>
+          <p:cNvPr id="3" name="Title 2"/>
+          <p:cNvSpPr>
+            <a:spLocks noGrp="1"/>
+          </p:cNvSpPr>
+          <p:nvPr>
+            <p:ph type="title"/>
+          </p:nvPr>
+        </p:nvSpPr>
+        <p:spPr>
+          <a:xfrm>
+            <a:off x="493205" y="0"/>
+            <a:ext cx="8229600" cy="850106"/>
+          </a:xfrm>
+        </p:spPr>
+        <p:txBody>
+          <a:bodyPr/>
+          <a:lstStyle/>
+          <a:p>
+            <a:pPr algn="ctr"/>
+            <a:r>
+              <a:rPr lang="en-US" dirty="0" smtClean="0"/>
+              <a:t>Minimax </a:t>
+            </a:r>
+            <a:r>
+              <a:rPr lang="en-US" dirty="0" err="1" smtClean="0"/>
+              <a:t>algoritam</a:t>
+            </a:r>
+            <a:endParaRPr lang="sr-Latn-RS" dirty="0"/>
+          </a:p>
+        </p:txBody>
+      </p:sp>
+      <p:pic>
+        <p:nvPicPr>
+          <p:cNvPr id="3074" name="Picture 2"/>
+          <p:cNvPicPr>
+            <a:picLocks noChangeAspect="1" noChangeArrowheads="1"/>
+          </p:cNvPicPr>
+          <p:nvPr/>
+        </p:nvPicPr>
+        <p:blipFill>
+          <a:blip r:embed="rId2">
+            <a:extLst>
+              <a:ext uri="{28A0092B-C50C-407E-A947-70E740481C1C}">
+                <a14:useLocalDpi xmlns:a14="http://schemas.microsoft.com/office/drawing/2010/main" val="0"/>
+              </a:ext>
+            </a:extLst>
+          </a:blip>
+          <a:srcRect/>
+          <a:stretch>
+            <a:fillRect/>
+          </a:stretch>
+        </p:blipFill>
+        <p:spPr bwMode="auto">
+          <a:xfrm>
+            <a:off x="179513" y="3876405"/>
+            <a:ext cx="8856984" cy="856575"/>
+          </a:xfrm>
+          <a:prstGeom prst="rect">
+            <a:avLst/>
+          </a:prstGeom>
+          <a:noFill/>
+          <a:ln>
+            <a:noFill/>
+          </a:ln>
+          <a:extLst>
+            <a:ext uri="{909E8E84-426E-40DD-AFC4-6F175D3DCCD1}">
+              <a14:hiddenFill xmlns:a14="http://schemas.microsoft.com/office/drawing/2010/main">
+                <a:solidFill>
+                  <a:schemeClr val="accent1"/>
+                </a:solidFill>
+              </a14:hiddenFill>
+            </a:ext>
+            <a:ext uri="{91240B29-F687-4F45-9708-019B960494DF}">
+              <a14:hiddenLine xmlns:a14="http://schemas.microsoft.com/office/drawing/2010/main" w="9525">
+                <a:solidFill>
+                  <a:schemeClr val="tx1"/>
+                </a:solidFill>
+                <a:miter lim="800000"/>
+                <a:headEnd/>
+                <a:tailEnd/>
+              </a14:hiddenLine>
+            </a:ext>
+          </a:extLst>
+        </p:spPr>
+      </p:pic>
+      <p:pic>
+        <p:nvPicPr>
+          <p:cNvPr id="3075" name="Picture 3"/>
+          <p:cNvPicPr>
+            <a:picLocks noChangeAspect="1" noChangeArrowheads="1"/>
+          </p:cNvPicPr>
+          <p:nvPr/>
+        </p:nvPicPr>
+        <p:blipFill>
+          <a:blip r:embed="rId3">
+            <a:extLst>
+              <a:ext uri="{28A0092B-C50C-407E-A947-70E740481C1C}">
+                <a14:useLocalDpi xmlns:a14="http://schemas.microsoft.com/office/drawing/2010/main" val="0"/>
+              </a:ext>
+            </a:extLst>
+          </a:blip>
+          <a:srcRect/>
+          <a:stretch>
+            <a:fillRect/>
+          </a:stretch>
+        </p:blipFill>
+        <p:spPr bwMode="auto">
+          <a:xfrm>
+            <a:off x="2339751" y="4732980"/>
+            <a:ext cx="6758227" cy="1648348"/>
+          </a:xfrm>
+          <a:prstGeom prst="rect">
+            <a:avLst/>
+          </a:prstGeom>
+          <a:noFill/>
+          <a:ln>
+            <a:noFill/>
+          </a:ln>
+          <a:extLst>
+            <a:ext uri="{909E8E84-426E-40DD-AFC4-6F175D3DCCD1}">
+              <a14:hiddenFill xmlns:a14="http://schemas.microsoft.com/office/drawing/2010/main">
+                <a:solidFill>
+                  <a:schemeClr val="accent1"/>
+                </a:solidFill>
+              </a14:hiddenFill>
+            </a:ext>
+            <a:ext uri="{91240B29-F687-4F45-9708-019B960494DF}">
+              <a14:hiddenLine xmlns:a14="http://schemas.microsoft.com/office/drawing/2010/main" w="9525">
+                <a:solidFill>
+                  <a:schemeClr val="tx1"/>
+                </a:solidFill>
+                <a:miter lim="800000"/>
+                <a:headEnd/>
+                <a:tailEnd/>
+              </a14:hiddenLine>
+            </a:ext>
+          </a:extLst>
+        </p:spPr>
+      </p:pic>
+    </p:spTree>
+    <p:extLst>
+      <p:ext uri="{BB962C8B-B14F-4D97-AF65-F5344CB8AC3E}">
+        <p14:creationId xmlns:p14="http://schemas.microsoft.com/office/powerpoint/2010/main" val="1627591830"/>
+      </p:ext>
+    </p:extLst>
+  </p:cSld>
+  <p:clrMapOvr>
+    <a:masterClrMapping/>
+  </p:clrMapOvr>
+  <p:timing>
+    <p:tnLst>
+      <p:par>
+        <p:cTn id="1" dur="indefinite" restart="never" nodeType="tmRoot"/>
+      </p:par>
+    </p:tnLst>
+  </p:timing>
+</p:sld>
+</file>
+
+<file path=ppt/slides/slide14.xml><?xml version="1.0" encoding="utf-8"?>
+<p:sld xmlns:a="http://schemas.openxmlformats.org/drawingml/2006/main" xmlns:r="http://schemas.openxmlformats.org/officeDocument/2006/relationships" xmlns:p="http://schemas.openxmlformats.org/presentationml/2006/main">
+  <p:cSld>
+    <p:spTree>
+      <p:nvGrpSpPr>
+        <p:cNvPr id="1" name=""/>
+        <p:cNvGrpSpPr/>
+        <p:nvPr/>
+      </p:nvGrpSpPr>
+      <p:grpSpPr>
+        <a:xfrm>
+          <a:off x="0" y="0"/>
+          <a:ext cx="0" cy="0"/>
+          <a:chOff x="0" y="0"/>
+          <a:chExt cx="0" cy="0"/>
+        </a:xfrm>
+      </p:grpSpPr>
+      <p:sp>
+        <p:nvSpPr>
+          <p:cNvPr id="2" name="Content Placeholder 1"/>
+          <p:cNvSpPr>
+            <a:spLocks noGrp="1"/>
+          </p:cNvSpPr>
+          <p:nvPr>
+            <p:ph idx="1"/>
+          </p:nvPr>
+        </p:nvSpPr>
+        <p:spPr>
+          <a:xfrm>
+            <a:off x="251520" y="1556792"/>
+            <a:ext cx="8892480" cy="4392488"/>
+          </a:xfrm>
+        </p:spPr>
+        <p:txBody>
+          <a:bodyPr>
+            <a:normAutofit/>
+          </a:bodyPr>
+          <a:lstStyle/>
+          <a:p>
+            <a:r>
+              <a:rPr lang="en-US" sz="2400" dirty="0" err="1" smtClean="0"/>
+              <a:t>Predstavlja</a:t>
+            </a:r>
+            <a:r>
+              <a:rPr lang="en-US" sz="2400" dirty="0" smtClean="0"/>
+              <a:t> f</a:t>
+            </a:r>
+            <a:r>
+              <a:rPr lang="sr-Latn-RS" sz="2400" dirty="0" smtClean="0"/>
+              <a:t>unkcij</a:t>
+            </a:r>
+            <a:r>
+              <a:rPr lang="en-US" sz="2400" dirty="0" smtClean="0"/>
+              <a:t>u </a:t>
+            </a:r>
+            <a:r>
+              <a:rPr lang="sr-Latn-RS" sz="2400" dirty="0" smtClean="0"/>
+              <a:t>koja uzima u obzir važne parametre prilikom odlučivanja koji je potez najbolji </a:t>
+            </a:r>
+            <a:endParaRPr lang="en-US" sz="2400" dirty="0" smtClean="0"/>
+          </a:p>
+          <a:p>
+            <a:r>
+              <a:rPr lang="en-US" sz="2400" dirty="0" smtClean="0"/>
+              <a:t>Obi</a:t>
+            </a:r>
+            <a:r>
+              <a:rPr lang="sr-Latn-RS" sz="2400" dirty="0" smtClean="0"/>
+              <a:t>čno se formira tako da je važnija brzina od tačnosti</a:t>
+            </a:r>
+          </a:p>
+          <a:p>
+            <a:endParaRPr lang="sr-Latn-RS" sz="2400" dirty="0" smtClean="0"/>
+          </a:p>
+          <a:p>
+            <a:endParaRPr lang="sr-Latn-RS" sz="2400" dirty="0"/>
+          </a:p>
+          <a:p>
+            <a:r>
+              <a:rPr lang="sr-Latn-RS" sz="2400" dirty="0"/>
+              <a:t>Funkcija je statička – ocenjuje samo trenutni potez i ne gleda </a:t>
+            </a:r>
+            <a:r>
+              <a:rPr lang="sr-Latn-RS" sz="2400" dirty="0" smtClean="0"/>
+              <a:t>unapred. U kombinaciji sa MiniMax algoritmom daje ocenu svih mogućih poteza</a:t>
+            </a:r>
+            <a:endParaRPr lang="sr-Latn-RS" sz="2400" dirty="0"/>
+          </a:p>
+          <a:p>
+            <a:endParaRPr lang="en-US" sz="2400" dirty="0"/>
+          </a:p>
+        </p:txBody>
+      </p:sp>
+      <p:sp>
+        <p:nvSpPr>
+          <p:cNvPr id="3" name="Title 2"/>
+          <p:cNvSpPr>
+            <a:spLocks noGrp="1"/>
+          </p:cNvSpPr>
+          <p:nvPr>
+            <p:ph type="title"/>
+          </p:nvPr>
+        </p:nvSpPr>
+        <p:spPr>
+          <a:xfrm>
+            <a:off x="0" y="-1"/>
+            <a:ext cx="9144000" cy="1171721"/>
+          </a:xfrm>
+        </p:spPr>
+        <p:txBody>
+          <a:bodyPr>
+            <a:normAutofit/>
+          </a:bodyPr>
+          <a:lstStyle/>
+          <a:p>
+            <a:pPr algn="ctr"/>
+            <a:r>
+              <a:rPr lang="sr-Latn-RS" sz="4800" dirty="0" smtClean="0"/>
+              <a:t>Kreiranje evaluacijske funkcije</a:t>
+            </a:r>
+            <a:endParaRPr lang="en-US" sz="4800" dirty="0"/>
+          </a:p>
+        </p:txBody>
+      </p:sp>
+    </p:spTree>
+    <p:extLst>
+      <p:ext uri="{BB962C8B-B14F-4D97-AF65-F5344CB8AC3E}">
+        <p14:creationId xmlns:p14="http://schemas.microsoft.com/office/powerpoint/2010/main" val="2133630128"/>
+      </p:ext>
+    </p:extLst>
+  </p:cSld>
+  <p:clrMapOvr>
+    <a:masterClrMapping/>
+  </p:clrMapOvr>
+  <p:timing>
+    <p:tnLst>
+      <p:par>
+        <p:cTn id="1" dur="indefinite" restart="never" nodeType="tmRoot"/>
+      </p:par>
+    </p:tnLst>
+  </p:timing>
+</p:sld>
+</file>
+
+<file path=ppt/slides/slide15.xml><?xml version="1.0" encoding="utf-8"?>
+<p:sld xmlns:a="http://schemas.openxmlformats.org/drawingml/2006/main" xmlns:r="http://schemas.openxmlformats.org/officeDocument/2006/relationships" xmlns:p="http://schemas.openxmlformats.org/presentationml/2006/main">
+  <p:cSld>
+    <p:spTree>
+      <p:nvGrpSpPr>
+        <p:cNvPr id="1" name=""/>
+        <p:cNvGrpSpPr/>
+        <p:nvPr/>
+      </p:nvGrpSpPr>
+      <p:grpSpPr>
+        <a:xfrm>
+          <a:off x="0" y="0"/>
+          <a:ext cx="0" cy="0"/>
+          <a:chOff x="0" y="0"/>
+          <a:chExt cx="0" cy="0"/>
+        </a:xfrm>
+      </p:grpSpPr>
+      <p:sp>
+        <p:nvSpPr>
+          <p:cNvPr id="2" name="Content Placeholder 1"/>
+          <p:cNvSpPr>
+            <a:spLocks noGrp="1"/>
+          </p:cNvSpPr>
+          <p:nvPr>
+            <p:ph idx="1"/>
+          </p:nvPr>
+        </p:nvSpPr>
+        <p:spPr>
+          <a:xfrm>
+            <a:off x="251520" y="1052736"/>
+            <a:ext cx="8579296" cy="5098571"/>
+          </a:xfrm>
+        </p:spPr>
+        <p:txBody>
+          <a:bodyPr>
+            <a:normAutofit/>
+          </a:bodyPr>
+          <a:lstStyle/>
+          <a:p>
+            <a:r>
+              <a:rPr lang="en-US" sz="2400" dirty="0" err="1" smtClean="0"/>
+              <a:t>Funkcija</a:t>
+            </a:r>
+            <a:r>
+              <a:rPr lang="en-US" sz="2400" dirty="0" smtClean="0"/>
+              <a:t> </a:t>
+            </a:r>
+            <a:r>
+              <a:rPr lang="en-US" sz="2400" dirty="0" err="1" smtClean="0"/>
+              <a:t>evaluacije</a:t>
+            </a:r>
+            <a:r>
+              <a:rPr lang="en-US" sz="2400" dirty="0" smtClean="0"/>
+              <a:t> </a:t>
+            </a:r>
+            <a:r>
+              <a:rPr lang="en-US" sz="2400" dirty="0" err="1" smtClean="0"/>
+              <a:t>odre</a:t>
+            </a:r>
+            <a:r>
+              <a:rPr lang="sr-Latn-RS" sz="2400" dirty="0" smtClean="0"/>
+              <a:t>đ</a:t>
+            </a:r>
+            <a:r>
+              <a:rPr lang="en-US" sz="2400" dirty="0" err="1" smtClean="0"/>
+              <a:t>uje</a:t>
+            </a:r>
+            <a:r>
+              <a:rPr lang="en-US" sz="2400" dirty="0" smtClean="0"/>
+              <a:t> </a:t>
+            </a:r>
+            <a:r>
+              <a:rPr lang="en-US" sz="2400" dirty="0" err="1" smtClean="0"/>
+              <a:t>ocenu</a:t>
+            </a:r>
+            <a:r>
+              <a:rPr lang="en-US" sz="2400" dirty="0" smtClean="0"/>
+              <a:t> </a:t>
+            </a:r>
+            <a:r>
+              <a:rPr lang="en-US" sz="2400" dirty="0" err="1" smtClean="0"/>
+              <a:t>trenutne</a:t>
+            </a:r>
+            <a:r>
+              <a:rPr lang="en-US" sz="2400" dirty="0" smtClean="0"/>
+              <a:t> table, </a:t>
+            </a:r>
+            <a:r>
+              <a:rPr lang="en-US" sz="2400" dirty="0" err="1" smtClean="0"/>
+              <a:t>tj.koliko</a:t>
+            </a:r>
+            <a:r>
+              <a:rPr lang="en-US" sz="2400" dirty="0" smtClean="0"/>
+              <a:t> je </a:t>
+            </a:r>
+            <a:r>
+              <a:rPr lang="en-US" sz="2400" dirty="0" err="1" smtClean="0"/>
+              <a:t>ona</a:t>
+            </a:r>
+            <a:r>
+              <a:rPr lang="en-US" sz="2400" dirty="0" smtClean="0"/>
+              <a:t> dobra </a:t>
+            </a:r>
+            <a:r>
+              <a:rPr lang="en-US" sz="2400" dirty="0" err="1" smtClean="0"/>
+              <a:t>za</a:t>
+            </a:r>
+            <a:r>
+              <a:rPr lang="en-US" sz="2400" dirty="0" smtClean="0"/>
+              <a:t> </a:t>
+            </a:r>
+            <a:r>
+              <a:rPr lang="en-US" sz="2400" dirty="0" err="1" smtClean="0"/>
+              <a:t>igra</a:t>
+            </a:r>
+            <a:r>
+              <a:rPr lang="sr-Latn-RS" sz="2400" dirty="0" smtClean="0"/>
+              <a:t>č</a:t>
+            </a:r>
+            <a:r>
+              <a:rPr lang="en-US" sz="2400" dirty="0" smtClean="0"/>
+              <a:t>a </a:t>
+            </a:r>
+            <a:r>
+              <a:rPr lang="en-US" sz="2400" dirty="0" err="1" smtClean="0"/>
+              <a:t>ili</a:t>
+            </a:r>
+            <a:r>
+              <a:rPr lang="en-US" sz="2400" dirty="0" smtClean="0"/>
+              <a:t> ne</a:t>
+            </a:r>
+          </a:p>
+          <a:p>
+            <a:r>
+              <a:rPr lang="en-US" sz="2400" dirty="0" smtClean="0"/>
+              <a:t>Ona </a:t>
+            </a:r>
+            <a:r>
+              <a:rPr lang="en-US" sz="2400" dirty="0" err="1" smtClean="0"/>
+              <a:t>predstavlja</a:t>
+            </a:r>
+            <a:r>
+              <a:rPr lang="en-US" sz="2400" dirty="0" smtClean="0"/>
+              <a:t> </a:t>
+            </a:r>
+            <a:r>
+              <a:rPr lang="en-US" sz="2400" dirty="0" err="1" smtClean="0"/>
+              <a:t>znanje</a:t>
+            </a:r>
+            <a:r>
+              <a:rPr lang="en-US" sz="2400" dirty="0" smtClean="0"/>
+              <a:t> u </a:t>
+            </a:r>
+            <a:r>
+              <a:rPr lang="en-US" sz="2400" dirty="0" err="1" smtClean="0"/>
+              <a:t>na</a:t>
+            </a:r>
+            <a:r>
+              <a:rPr lang="sr-Latn-RS" sz="2400" dirty="0" smtClean="0"/>
+              <a:t>š</a:t>
+            </a:r>
+            <a:r>
+              <a:rPr lang="en-US" sz="2400" dirty="0" err="1" smtClean="0"/>
+              <a:t>em</a:t>
+            </a:r>
+            <a:r>
+              <a:rPr lang="en-US" sz="2400" dirty="0" smtClean="0"/>
+              <a:t> </a:t>
+            </a:r>
+            <a:r>
+              <a:rPr lang="en-US" sz="2400" dirty="0" err="1" smtClean="0"/>
+              <a:t>sistemu</a:t>
+            </a:r>
+            <a:endParaRPr lang="en-US" sz="2400" dirty="0" smtClean="0"/>
+          </a:p>
+          <a:p>
+            <a:r>
+              <a:rPr lang="en-US" sz="2400" dirty="0" smtClean="0"/>
+              <a:t>Na </a:t>
+            </a:r>
+            <a:r>
+              <a:rPr lang="en-US" sz="2400" dirty="0" err="1" smtClean="0"/>
+              <a:t>osnovu</a:t>
+            </a:r>
+            <a:r>
+              <a:rPr lang="en-US" sz="2400" dirty="0" smtClean="0"/>
+              <a:t> </a:t>
+            </a:r>
+            <a:r>
+              <a:rPr lang="en-US" sz="2400" dirty="0" err="1" smtClean="0"/>
+              <a:t>ocene</a:t>
+            </a:r>
+            <a:r>
+              <a:rPr lang="en-US" sz="2400" dirty="0" smtClean="0"/>
+              <a:t> </a:t>
+            </a:r>
+            <a:r>
+              <a:rPr lang="en-US" sz="2400" dirty="0" err="1" smtClean="0"/>
+              <a:t>koju</a:t>
+            </a:r>
+            <a:r>
+              <a:rPr lang="en-US" sz="2400" dirty="0" smtClean="0"/>
+              <a:t> </a:t>
+            </a:r>
+            <a:r>
+              <a:rPr lang="sr-Latn-RS" sz="2400" dirty="0" smtClean="0"/>
+              <a:t>ona </a:t>
+            </a:r>
+            <a:r>
+              <a:rPr lang="en-US" sz="2400" dirty="0" err="1" smtClean="0"/>
+              <a:t>vra</a:t>
+            </a:r>
+            <a:r>
+              <a:rPr lang="sr-Latn-RS" sz="2400" dirty="0"/>
+              <a:t>ć</a:t>
+            </a:r>
+            <a:r>
+              <a:rPr lang="en-US" sz="2400" dirty="0" smtClean="0"/>
+              <a:t>a AI </a:t>
+            </a:r>
+            <a:r>
+              <a:rPr lang="en-US" sz="2400" dirty="0" err="1" smtClean="0"/>
+              <a:t>odre</a:t>
+            </a:r>
+            <a:r>
+              <a:rPr lang="sr-Latn-RS" sz="2400" dirty="0" smtClean="0"/>
+              <a:t>đ</a:t>
+            </a:r>
+            <a:r>
+              <a:rPr lang="en-US" sz="2400" dirty="0" err="1" smtClean="0"/>
+              <a:t>uje</a:t>
+            </a:r>
+            <a:r>
+              <a:rPr lang="en-US" sz="2400" dirty="0" smtClean="0"/>
+              <a:t> </a:t>
+            </a:r>
+            <a:r>
+              <a:rPr lang="en-US" sz="2400" dirty="0" err="1" smtClean="0"/>
+              <a:t>koji</a:t>
+            </a:r>
+            <a:r>
+              <a:rPr lang="en-US" sz="2400" dirty="0" smtClean="0"/>
+              <a:t> je </a:t>
+            </a:r>
+            <a:r>
+              <a:rPr lang="en-US" sz="2400" dirty="0" err="1" smtClean="0"/>
+              <a:t>potez</a:t>
+            </a:r>
+            <a:r>
+              <a:rPr lang="en-US" sz="2400" dirty="0" smtClean="0"/>
+              <a:t> </a:t>
+            </a:r>
+            <a:r>
+              <a:rPr lang="en-US" sz="2400" dirty="0" err="1" smtClean="0"/>
+              <a:t>najbolji</a:t>
+            </a:r>
+            <a:r>
+              <a:rPr lang="en-US" sz="2400" dirty="0" smtClean="0"/>
+              <a:t> </a:t>
+            </a:r>
+            <a:r>
+              <a:rPr lang="en-US" sz="2400" dirty="0" err="1" smtClean="0"/>
+              <a:t>za</a:t>
+            </a:r>
+            <a:r>
+              <a:rPr lang="en-US" sz="2400" dirty="0" smtClean="0"/>
+              <a:t> </a:t>
+            </a:r>
+            <a:r>
+              <a:rPr lang="en-US" sz="2400" dirty="0" err="1" smtClean="0"/>
+              <a:t>njega</a:t>
+            </a:r>
+            <a:endParaRPr lang="en-US" sz="2400" dirty="0" smtClean="0"/>
+          </a:p>
+          <a:p>
+            <a:r>
+              <a:rPr lang="en-US" sz="2400" dirty="0" err="1" smtClean="0"/>
+              <a:t>Funkcija</a:t>
+            </a:r>
+            <a:r>
+              <a:rPr lang="en-US" sz="2400" dirty="0" smtClean="0"/>
+              <a:t> </a:t>
+            </a:r>
+            <a:r>
+              <a:rPr lang="sr-Latn-RS" sz="2400" dirty="0" smtClean="0"/>
+              <a:t>ć</a:t>
+            </a:r>
+            <a:r>
+              <a:rPr lang="en-US" sz="2400" dirty="0" smtClean="0"/>
+              <a:t>e </a:t>
+            </a:r>
+            <a:r>
+              <a:rPr lang="en-US" sz="2400" dirty="0" err="1" smtClean="0"/>
+              <a:t>vra</a:t>
+            </a:r>
+            <a:r>
+              <a:rPr lang="sr-Latn-RS" sz="2400" dirty="0" smtClean="0"/>
+              <a:t>ć</a:t>
+            </a:r>
+            <a:r>
+              <a:rPr lang="en-US" sz="2400" dirty="0" err="1" smtClean="0"/>
+              <a:t>ati</a:t>
+            </a:r>
+            <a:r>
+              <a:rPr lang="en-US" sz="2400" dirty="0" smtClean="0"/>
+              <a:t> </a:t>
+            </a:r>
+            <a:r>
+              <a:rPr lang="en-US" sz="2400" dirty="0" err="1" smtClean="0"/>
+              <a:t>bolji</a:t>
+            </a:r>
+            <a:r>
+              <a:rPr lang="en-US" sz="2400" dirty="0" smtClean="0"/>
+              <a:t> </a:t>
+            </a:r>
+            <a:r>
+              <a:rPr lang="en-US" sz="2400" dirty="0" err="1" smtClean="0"/>
+              <a:t>rezultat</a:t>
+            </a:r>
+            <a:r>
+              <a:rPr lang="en-US" sz="2400" dirty="0" smtClean="0"/>
+              <a:t> </a:t>
+            </a:r>
+            <a:r>
+              <a:rPr lang="sr-Latn-RS" sz="2400" dirty="0" err="1"/>
+              <a:t>š</a:t>
+            </a:r>
+            <a:r>
+              <a:rPr lang="en-US" sz="2400" dirty="0" smtClean="0"/>
+              <a:t>to je </a:t>
+            </a:r>
+            <a:r>
+              <a:rPr lang="en-US" sz="2400" dirty="0" err="1" smtClean="0"/>
+              <a:t>ve</a:t>
+            </a:r>
+            <a:r>
+              <a:rPr lang="sr-Latn-RS" sz="2400" dirty="0" smtClean="0"/>
+              <a:t>ć</a:t>
+            </a:r>
+            <a:r>
+              <a:rPr lang="en-US" sz="2400" dirty="0" err="1" smtClean="0"/>
+              <a:t>i</a:t>
+            </a:r>
+            <a:r>
+              <a:rPr lang="en-US" sz="2400" dirty="0" smtClean="0"/>
+              <a:t> </a:t>
+            </a:r>
+            <a:r>
+              <a:rPr lang="en-US" sz="2400" dirty="0" err="1" smtClean="0"/>
+              <a:t>broj</a:t>
+            </a:r>
+            <a:r>
+              <a:rPr lang="en-US" sz="2400" dirty="0" smtClean="0"/>
+              <a:t> </a:t>
+            </a:r>
+            <a:r>
+              <a:rPr lang="en-US" sz="2400" dirty="0" err="1" smtClean="0"/>
+              <a:t>faktora</a:t>
+            </a:r>
+            <a:r>
+              <a:rPr lang="en-US" sz="2400" dirty="0" smtClean="0"/>
+              <a:t> </a:t>
+            </a:r>
+            <a:r>
+              <a:rPr lang="en-US" sz="2400" dirty="0" err="1" smtClean="0"/>
+              <a:t>uzet</a:t>
+            </a:r>
+            <a:r>
+              <a:rPr lang="en-US" sz="2400" dirty="0" smtClean="0"/>
+              <a:t> u </a:t>
+            </a:r>
+            <a:r>
+              <a:rPr lang="en-US" sz="2400" dirty="0" err="1" smtClean="0"/>
+              <a:t>obzir</a:t>
+            </a:r>
+            <a:endParaRPr lang="en-US" sz="2400" dirty="0"/>
+          </a:p>
+          <a:p>
+            <a:endParaRPr lang="en-US" sz="2400" dirty="0" smtClean="0"/>
+          </a:p>
+          <a:p>
+            <a:r>
+              <a:rPr lang="sr-Latn-RS" sz="2400" dirty="0"/>
+              <a:t>Važni parametri u checkers-u: Broj figura na ploči, broj kraljeva na ploči, udaljenost između figura (mogućnost da figura bude pojedena), ocenjivanje table</a:t>
+            </a:r>
+          </a:p>
+          <a:p>
+            <a:endParaRPr lang="sr-Latn-RS" sz="2400" dirty="0"/>
+          </a:p>
+        </p:txBody>
+      </p:sp>
+      <p:sp>
+        <p:nvSpPr>
+          <p:cNvPr id="3" name="Title 2"/>
+          <p:cNvSpPr>
+            <a:spLocks noGrp="1"/>
+          </p:cNvSpPr>
+          <p:nvPr>
+            <p:ph type="title"/>
+          </p:nvPr>
+        </p:nvSpPr>
+        <p:spPr>
+          <a:xfrm>
+            <a:off x="-108520" y="0"/>
+            <a:ext cx="9396536" cy="850106"/>
+          </a:xfrm>
+        </p:spPr>
+        <p:txBody>
+          <a:bodyPr/>
+          <a:lstStyle/>
+          <a:p>
+            <a:pPr algn="ctr"/>
+            <a:r>
+              <a:rPr lang="en-US" dirty="0" err="1" smtClean="0"/>
+              <a:t>Funkcija</a:t>
+            </a:r>
+            <a:r>
+              <a:rPr lang="en-US" dirty="0" smtClean="0"/>
+              <a:t> </a:t>
+            </a:r>
+            <a:r>
+              <a:rPr lang="en-US" dirty="0" err="1" smtClean="0"/>
+              <a:t>evaluacije</a:t>
+            </a:r>
+            <a:r>
+              <a:rPr lang="sr-Latn-RS" dirty="0" smtClean="0"/>
+              <a:t> u Pineapple </a:t>
+            </a:r>
+            <a:r>
+              <a:rPr lang="sr-Latn-RS" sz="4000" dirty="0" smtClean="0"/>
+              <a:t>checkers-u</a:t>
+            </a:r>
+            <a:endParaRPr lang="sr-Latn-RS" dirty="0"/>
+          </a:p>
+        </p:txBody>
+      </p:sp>
+    </p:spTree>
+    <p:extLst>
+      <p:ext uri="{BB962C8B-B14F-4D97-AF65-F5344CB8AC3E}">
+        <p14:creationId xmlns:p14="http://schemas.microsoft.com/office/powerpoint/2010/main" val="3542874134"/>
+      </p:ext>
+    </p:extLst>
+  </p:cSld>
+  <p:clrMapOvr>
+    <a:masterClrMapping/>
+  </p:clrMapOvr>
+  <p:timing>
+    <p:tnLst>
+      <p:par>
+        <p:cTn id="1" dur="indefinite" restart="never" nodeType="tmRoot"/>
+      </p:par>
+    </p:tnLst>
+  </p:timing>
+</p:sld>
+</file>
+
+<file path=ppt/slides/slide16.xml><?xml version="1.0" encoding="utf-8"?>
+<p:sld xmlns:a="http://schemas.openxmlformats.org/drawingml/2006/main" xmlns:r="http://schemas.openxmlformats.org/officeDocument/2006/relationships" xmlns:p="http://schemas.openxmlformats.org/presentationml/2006/main">
+  <p:cSld>
+    <p:spTree>
+      <p:nvGrpSpPr>
+        <p:cNvPr id="1" name=""/>
+        <p:cNvGrpSpPr/>
+        <p:nvPr/>
+      </p:nvGrpSpPr>
+      <p:grpSpPr>
+        <a:xfrm>
+          <a:off x="0" y="0"/>
+          <a:ext cx="0" cy="0"/>
+          <a:chOff x="0" y="0"/>
+          <a:chExt cx="0" cy="0"/>
+        </a:xfrm>
+      </p:grpSpPr>
+      <p:pic>
+        <p:nvPicPr>
+          <p:cNvPr id="5122" name="Picture 2"/>
+          <p:cNvPicPr>
+            <a:picLocks noGrp="1" noChangeAspect="1" noChangeArrowheads="1"/>
+          </p:cNvPicPr>
+          <p:nvPr>
+            <p:ph idx="1"/>
+          </p:nvPr>
+        </p:nvPicPr>
+        <p:blipFill>
+          <a:blip r:embed="rId2">
+            <a:extLst>
+              <a:ext uri="{28A0092B-C50C-407E-A947-70E740481C1C}">
+                <a14:useLocalDpi xmlns:a14="http://schemas.microsoft.com/office/drawing/2010/main" val="0"/>
+              </a:ext>
+            </a:extLst>
+          </a:blip>
+          <a:srcRect/>
+          <a:stretch>
+            <a:fillRect/>
+          </a:stretch>
+        </p:blipFill>
+        <p:spPr bwMode="auto">
+          <a:xfrm>
+            <a:off x="2519264" y="35906"/>
+            <a:ext cx="6624736" cy="6305177"/>
+          </a:xfrm>
+          <a:prstGeom prst="rect">
+            <a:avLst/>
+          </a:prstGeom>
+          <a:noFill/>
+          <a:ln>
+            <a:noFill/>
+          </a:ln>
+          <a:extLst>
+            <a:ext uri="{909E8E84-426E-40DD-AFC4-6F175D3DCCD1}">
+              <a14:hiddenFill xmlns:a14="http://schemas.microsoft.com/office/drawing/2010/main">
+                <a:solidFill>
+                  <a:schemeClr val="accent1"/>
+                </a:solidFill>
+              </a14:hiddenFill>
+            </a:ext>
+            <a:ext uri="{91240B29-F687-4F45-9708-019B960494DF}">
+              <a14:hiddenLine xmlns:a14="http://schemas.microsoft.com/office/drawing/2010/main" w="9525">
+                <a:solidFill>
+                  <a:schemeClr val="tx1"/>
+                </a:solidFill>
+                <a:miter lim="800000"/>
+                <a:headEnd/>
+                <a:tailEnd/>
+              </a14:hiddenLine>
+            </a:ext>
+          </a:extLst>
+        </p:spPr>
+      </p:pic>
+      <p:sp>
+        <p:nvSpPr>
+          <p:cNvPr id="2" name="TextBox 1"/>
+          <p:cNvSpPr txBox="1"/>
+          <p:nvPr/>
+        </p:nvSpPr>
+        <p:spPr>
+          <a:xfrm>
+            <a:off x="111273" y="134049"/>
+            <a:ext cx="2172198" cy="646331"/>
+          </a:xfrm>
+          <a:prstGeom prst="rect">
+            <a:avLst/>
+          </a:prstGeom>
+        </p:spPr>
+        <p:style>
+          <a:lnRef idx="2">
+            <a:schemeClr val="accent2"/>
+          </a:lnRef>
+          <a:fillRef idx="1">
+            <a:schemeClr val="lt1"/>
+          </a:fillRef>
+          <a:effectRef idx="0">
+            <a:schemeClr val="accent2"/>
+          </a:effectRef>
+          <a:fontRef idx="minor">
+            <a:schemeClr val="dk1"/>
+          </a:fontRef>
+        </p:style>
+        <p:txBody>
+          <a:bodyPr wrap="none" rtlCol="0">
+            <a:spAutoFit/>
+          </a:bodyPr>
+          <a:lstStyle/>
+          <a:p>
+            <a:r>
+              <a:rPr lang="sr-Latn-RS" dirty="0" smtClean="0"/>
+              <a:t>Funkcija evaluacije u </a:t>
+            </a:r>
+          </a:p>
+          <a:p>
+            <a:r>
+              <a:rPr lang="sr-Latn-RS" dirty="0" smtClean="0"/>
+              <a:t>Pineapple checkers-u</a:t>
+            </a:r>
+            <a:endParaRPr lang="en-US" dirty="0"/>
+          </a:p>
+        </p:txBody>
+      </p:sp>
+    </p:spTree>
+    <p:extLst>
+      <p:ext uri="{BB962C8B-B14F-4D97-AF65-F5344CB8AC3E}">
+        <p14:creationId xmlns:p14="http://schemas.microsoft.com/office/powerpoint/2010/main" val="966740661"/>
+      </p:ext>
+    </p:extLst>
+  </p:cSld>
+  <p:clrMapOvr>
+    <a:masterClrMapping/>
+  </p:clrMapOvr>
+  <p:timing>
+    <p:tnLst>
+      <p:par>
+        <p:cTn id="1" dur="indefinite" restart="never" nodeType="tmRoot"/>
+      </p:par>
+    </p:tnLst>
+  </p:timing>
+</p:sld>
+</file>
+
+<file path=ppt/slides/slide17.xml><?xml version="1.0" encoding="utf-8"?>
+<p:sld xmlns:a="http://schemas.openxmlformats.org/drawingml/2006/main" xmlns:r="http://schemas.openxmlformats.org/officeDocument/2006/relationships" xmlns:p="http://schemas.openxmlformats.org/presentationml/2006/main">
+  <p:cSld>
+    <p:spTree>
+      <p:nvGrpSpPr>
+        <p:cNvPr id="1" name=""/>
+        <p:cNvGrpSpPr/>
+        <p:nvPr/>
+      </p:nvGrpSpPr>
+      <p:grpSpPr>
+        <a:xfrm>
+          <a:off x="0" y="0"/>
+          <a:ext cx="0" cy="0"/>
+          <a:chOff x="0" y="0"/>
+          <a:chExt cx="0" cy="0"/>
+        </a:xfrm>
+      </p:grpSpPr>
+      <p:pic>
+        <p:nvPicPr>
+          <p:cNvPr id="4098" name="Picture 2"/>
+          <p:cNvPicPr>
+            <a:picLocks noGrp="1" noChangeAspect="1" noChangeArrowheads="1"/>
+          </p:cNvPicPr>
+          <p:nvPr>
+            <p:ph idx="1"/>
+          </p:nvPr>
+        </p:nvPicPr>
+        <p:blipFill>
+          <a:blip r:embed="rId2">
+            <a:extLst>
+              <a:ext uri="{28A0092B-C50C-407E-A947-70E740481C1C}">
+                <a14:useLocalDpi xmlns:a14="http://schemas.microsoft.com/office/drawing/2010/main" val="0"/>
+              </a:ext>
+            </a:extLst>
+          </a:blip>
+          <a:srcRect/>
+          <a:stretch>
+            <a:fillRect/>
+          </a:stretch>
+        </p:blipFill>
+        <p:spPr bwMode="auto">
+          <a:xfrm>
+            <a:off x="2915816" y="134049"/>
+            <a:ext cx="6120680" cy="6345759"/>
+          </a:xfrm>
+          <a:prstGeom prst="rect">
+            <a:avLst/>
+          </a:prstGeom>
+          <a:noFill/>
+          <a:ln>
+            <a:noFill/>
+          </a:ln>
+          <a:extLst>
+            <a:ext uri="{909E8E84-426E-40DD-AFC4-6F175D3DCCD1}">
+              <a14:hiddenFill xmlns:a14="http://schemas.microsoft.com/office/drawing/2010/main">
+                <a:solidFill>
+                  <a:schemeClr val="accent1"/>
+                </a:solidFill>
+              </a14:hiddenFill>
+            </a:ext>
+            <a:ext uri="{91240B29-F687-4F45-9708-019B960494DF}">
+              <a14:hiddenLine xmlns:a14="http://schemas.microsoft.com/office/drawing/2010/main" w="9525">
+                <a:solidFill>
+                  <a:schemeClr val="tx1"/>
+                </a:solidFill>
+                <a:miter lim="800000"/>
+                <a:headEnd/>
+                <a:tailEnd/>
+              </a14:hiddenLine>
+            </a:ext>
+          </a:extLst>
+        </p:spPr>
+      </p:pic>
+      <p:sp>
+        <p:nvSpPr>
+          <p:cNvPr id="3" name="TextBox 2"/>
+          <p:cNvSpPr txBox="1"/>
+          <p:nvPr/>
+        </p:nvSpPr>
+        <p:spPr>
+          <a:xfrm>
+            <a:off x="111273" y="134049"/>
+            <a:ext cx="2172198" cy="646331"/>
+          </a:xfrm>
+          <a:prstGeom prst="rect">
+            <a:avLst/>
+          </a:prstGeom>
+        </p:spPr>
+        <p:style>
+          <a:lnRef idx="2">
+            <a:schemeClr val="accent2"/>
+          </a:lnRef>
+          <a:fillRef idx="1">
+            <a:schemeClr val="lt1"/>
+          </a:fillRef>
+          <a:effectRef idx="0">
+            <a:schemeClr val="accent2"/>
+          </a:effectRef>
+          <a:fontRef idx="minor">
+            <a:schemeClr val="dk1"/>
+          </a:fontRef>
+        </p:style>
+        <p:txBody>
+          <a:bodyPr wrap="none" rtlCol="0">
+            <a:spAutoFit/>
+          </a:bodyPr>
+          <a:lstStyle/>
+          <a:p>
+            <a:r>
+              <a:rPr lang="sr-Latn-RS" dirty="0" smtClean="0"/>
+              <a:t>Funkcija evaluacije u </a:t>
+            </a:r>
+          </a:p>
+          <a:p>
+            <a:r>
+              <a:rPr lang="sr-Latn-RS" dirty="0" smtClean="0"/>
+              <a:t>Pineapple checkers-u</a:t>
+            </a:r>
+            <a:endParaRPr lang="en-US" dirty="0"/>
+          </a:p>
+        </p:txBody>
+      </p:sp>
+      <p:sp>
+        <p:nvSpPr>
+          <p:cNvPr id="4" name="TextBox 3"/>
+          <p:cNvSpPr txBox="1"/>
+          <p:nvPr/>
+        </p:nvSpPr>
+        <p:spPr>
+          <a:xfrm>
+            <a:off x="310018" y="4653136"/>
+            <a:ext cx="2402773" cy="1077218"/>
+          </a:xfrm>
+          <a:prstGeom prst="rect">
+            <a:avLst/>
+          </a:prstGeom>
+        </p:spPr>
+        <p:style>
+          <a:lnRef idx="2">
+            <a:schemeClr val="accent1"/>
+          </a:lnRef>
+          <a:fillRef idx="1">
+            <a:schemeClr val="lt1"/>
+          </a:fillRef>
+          <a:effectRef idx="0">
+            <a:schemeClr val="accent1"/>
+          </a:effectRef>
+          <a:fontRef idx="minor">
+            <a:schemeClr val="dk1"/>
+          </a:fontRef>
+        </p:style>
+        <p:txBody>
+          <a:bodyPr wrap="square" rtlCol="0">
+            <a:spAutoFit/>
+          </a:bodyPr>
+          <a:lstStyle/>
+          <a:p>
+            <a:r>
+              <a:rPr lang="en-US" sz="1600" dirty="0" err="1" smtClean="0"/>
+              <a:t>Pode</a:t>
+            </a:r>
+            <a:r>
+              <a:rPr lang="sr-Latn-RS" sz="1600" dirty="0" smtClean="0"/>
+              <a:t>šavanje parametara (1,5 i 2), određuje koliko ceni svoje a koliko protivničke kraljeve        </a:t>
+            </a:r>
+            <a:r>
+              <a:rPr lang="en-US" sz="1600" dirty="0" smtClean="0"/>
+              <a:t>-&gt;</a:t>
+            </a:r>
+            <a:endParaRPr lang="en-US" sz="1600" dirty="0"/>
+          </a:p>
+        </p:txBody>
+      </p:sp>
+    </p:spTree>
+    <p:extLst>
+      <p:ext uri="{BB962C8B-B14F-4D97-AF65-F5344CB8AC3E}">
+        <p14:creationId xmlns:p14="http://schemas.microsoft.com/office/powerpoint/2010/main" val="3888869584"/>
+      </p:ext>
+    </p:extLst>
+  </p:cSld>
+  <p:clrMapOvr>
+    <a:masterClrMapping/>
+  </p:clrMapOvr>
+  <p:timing>
+    <p:tnLst>
+      <p:par>
+        <p:cTn id="1" dur="indefinite" restart="never" nodeType="tmRoot"/>
+      </p:par>
+    </p:tnLst>
+  </p:timing>
+</p:sld>
+</file>
+
+<file path=ppt/slides/slide18.xml><?xml version="1.0" encoding="utf-8"?>
+<p:sld xmlns:a="http://schemas.openxmlformats.org/drawingml/2006/main" xmlns:r="http://schemas.openxmlformats.org/officeDocument/2006/relationships" xmlns:p="http://schemas.openxmlformats.org/presentationml/2006/main">
+  <p:cSld>
+    <p:spTree>
+      <p:nvGrpSpPr>
+        <p:cNvPr id="1" name=""/>
+        <p:cNvGrpSpPr/>
+        <p:nvPr/>
+      </p:nvGrpSpPr>
+      <p:grpSpPr>
+        <a:xfrm>
+          <a:off x="0" y="0"/>
+          <a:ext cx="0" cy="0"/>
+          <a:chOff x="0" y="0"/>
+          <a:chExt cx="0" cy="0"/>
+        </a:xfrm>
+      </p:grpSpPr>
+      <p:sp>
+        <p:nvSpPr>
+          <p:cNvPr id="2" name="Content Placeholder 1"/>
+          <p:cNvSpPr>
+            <a:spLocks noGrp="1"/>
+          </p:cNvSpPr>
+          <p:nvPr>
+            <p:ph idx="1"/>
+          </p:nvPr>
+        </p:nvSpPr>
+        <p:spPr>
+          <a:xfrm>
             <a:off x="215516" y="1279470"/>
             <a:ext cx="4320480" cy="4875123"/>
           </a:xfrm>
@@ -5015,6 +7022,9 @@
               <a:rPr lang="sr-Latn-RS" sz="2000" dirty="0" smtClean="0"/>
               <a:t>formatu</a:t>
             </a:r>
+          </a:p>
+          <a:p>
+            <a:endParaRPr lang="sr-Latn-RS" sz="2000" dirty="0" smtClean="0"/>
           </a:p>
           <a:p>
             <a:r>
@@ -5315,7 +7325,7 @@
 </p:sld>
 </file>
 
-<file path=ppt/slides/slide12.xml><?xml version="1.0" encoding="utf-8"?>
+<file path=ppt/slides/slide19.xml><?xml version="1.0" encoding="utf-8"?>
 <p:sld xmlns:a="http://schemas.openxmlformats.org/drawingml/2006/main" xmlns:r="http://schemas.openxmlformats.org/officeDocument/2006/relationships" xmlns:p="http://schemas.openxmlformats.org/presentationml/2006/main">
   <p:cSld>
     <p:spTree>
@@ -5356,8 +7366,8 @@
         </p:blipFill>
         <p:spPr>
           <a:xfrm>
-            <a:off x="2555776" y="1124744"/>
-            <a:ext cx="4608512" cy="5069364"/>
+            <a:off x="4644008" y="1347968"/>
+            <a:ext cx="4248472" cy="4673320"/>
           </a:xfrm>
           <a:prstGeom prst="rect">
             <a:avLst/>
@@ -5387,7 +7397,7 @@
         <p:spPr>
           <a:xfrm>
             <a:off x="467544" y="0"/>
-            <a:ext cx="8219256" cy="994122"/>
+            <a:ext cx="8219256" cy="836712"/>
           </a:xfrm>
         </p:spPr>
         <p:txBody>
@@ -5402,6 +7412,271 @@
               <a:t>Zapažanja</a:t>
             </a:r>
             <a:endParaRPr lang="en-US" sz="4400" dirty="0"/>
+          </a:p>
+        </p:txBody>
+      </p:sp>
+      <p:sp>
+        <p:nvSpPr>
+          <p:cNvPr id="5" name="Content Placeholder 1"/>
+          <p:cNvSpPr txBox="1">
+            <a:spLocks/>
+          </p:cNvSpPr>
+          <p:nvPr/>
+        </p:nvSpPr>
+        <p:spPr>
+          <a:xfrm>
+            <a:off x="323528" y="980728"/>
+            <a:ext cx="3744416" cy="5472608"/>
+          </a:xfrm>
+          <a:prstGeom prst="rect">
+            <a:avLst/>
+          </a:prstGeom>
+        </p:spPr>
+        <p:txBody>
+          <a:bodyPr vert="horz">
+            <a:normAutofit/>
+          </a:bodyPr>
+          <a:lstStyle>
+            <a:lvl1pPr marL="365760" indent="-256032" algn="l" rtl="0" eaLnBrk="1" latinLnBrk="0" hangingPunct="1">
+              <a:spcBef>
+                <a:spcPts val="400"/>
+              </a:spcBef>
+              <a:spcAft>
+                <a:spcPts val="0"/>
+              </a:spcAft>
+              <a:buClr>
+                <a:schemeClr val="accent1"/>
+              </a:buClr>
+              <a:buSzPct val="68000"/>
+              <a:buFont typeface="Wingdings 3"/>
+              <a:buChar char=""/>
+              <a:defRPr kumimoji="0" sz="2700" kern="1200">
+                <a:solidFill>
+                  <a:schemeClr val="tx1"/>
+                </a:solidFill>
+                <a:latin typeface="+mn-lt"/>
+                <a:ea typeface="+mn-ea"/>
+                <a:cs typeface="+mn-cs"/>
+              </a:defRPr>
+            </a:lvl1pPr>
+            <a:lvl2pPr marL="621792" indent="-228600" algn="l" rtl="0" eaLnBrk="1" latinLnBrk="0" hangingPunct="1">
+              <a:spcBef>
+                <a:spcPts val="324"/>
+              </a:spcBef>
+              <a:buClr>
+                <a:schemeClr val="accent1"/>
+              </a:buClr>
+              <a:buFont typeface="Verdana"/>
+              <a:buChar char="◦"/>
+              <a:defRPr kumimoji="0" sz="2300" kern="1200">
+                <a:solidFill>
+                  <a:schemeClr val="tx1"/>
+                </a:solidFill>
+                <a:latin typeface="+mn-lt"/>
+                <a:ea typeface="+mn-ea"/>
+                <a:cs typeface="+mn-cs"/>
+              </a:defRPr>
+            </a:lvl2pPr>
+            <a:lvl3pPr marL="859536" indent="-228600" algn="l" rtl="0" eaLnBrk="1" latinLnBrk="0" hangingPunct="1">
+              <a:spcBef>
+                <a:spcPts val="350"/>
+              </a:spcBef>
+              <a:buClr>
+                <a:schemeClr val="accent2"/>
+              </a:buClr>
+              <a:buSzPct val="100000"/>
+              <a:buFont typeface="Wingdings 2"/>
+              <a:buChar char=""/>
+              <a:defRPr kumimoji="0" sz="2100" kern="1200">
+                <a:solidFill>
+                  <a:schemeClr val="tx1"/>
+                </a:solidFill>
+                <a:latin typeface="+mn-lt"/>
+                <a:ea typeface="+mn-ea"/>
+                <a:cs typeface="+mn-cs"/>
+              </a:defRPr>
+            </a:lvl3pPr>
+            <a:lvl4pPr marL="1143000" indent="-228600" algn="l" rtl="0" eaLnBrk="1" latinLnBrk="0" hangingPunct="1">
+              <a:spcBef>
+                <a:spcPts val="350"/>
+              </a:spcBef>
+              <a:buClr>
+                <a:schemeClr val="accent2"/>
+              </a:buClr>
+              <a:buFont typeface="Wingdings 2"/>
+              <a:buChar char=""/>
+              <a:defRPr kumimoji="0" sz="1900" kern="1200">
+                <a:solidFill>
+                  <a:schemeClr val="tx1"/>
+                </a:solidFill>
+                <a:latin typeface="+mn-lt"/>
+                <a:ea typeface="+mn-ea"/>
+                <a:cs typeface="+mn-cs"/>
+              </a:defRPr>
+            </a:lvl4pPr>
+            <a:lvl5pPr marL="1371600" indent="-228600" algn="l" rtl="0" eaLnBrk="1" latinLnBrk="0" hangingPunct="1">
+              <a:spcBef>
+                <a:spcPts val="350"/>
+              </a:spcBef>
+              <a:buClr>
+                <a:schemeClr val="accent2"/>
+              </a:buClr>
+              <a:buFont typeface="Wingdings 2"/>
+              <a:buChar char=""/>
+              <a:defRPr kumimoji="0" sz="1800" kern="1200">
+                <a:solidFill>
+                  <a:schemeClr val="tx1"/>
+                </a:solidFill>
+                <a:latin typeface="+mn-lt"/>
+                <a:ea typeface="+mn-ea"/>
+                <a:cs typeface="+mn-cs"/>
+              </a:defRPr>
+            </a:lvl5pPr>
+            <a:lvl6pPr marL="1600200" indent="-228600" algn="l" rtl="0" eaLnBrk="1" latinLnBrk="0" hangingPunct="1">
+              <a:spcBef>
+                <a:spcPts val="350"/>
+              </a:spcBef>
+              <a:buClr>
+                <a:schemeClr val="accent3"/>
+              </a:buClr>
+              <a:buFont typeface="Wingdings 2"/>
+              <a:buChar char=""/>
+              <a:defRPr kumimoji="0" sz="1800" kern="1200">
+                <a:solidFill>
+                  <a:schemeClr val="tx1"/>
+                </a:solidFill>
+                <a:latin typeface="+mn-lt"/>
+                <a:ea typeface="+mn-ea"/>
+                <a:cs typeface="+mn-cs"/>
+              </a:defRPr>
+            </a:lvl6pPr>
+            <a:lvl7pPr marL="1828800" indent="-228600" algn="l" rtl="0" eaLnBrk="1" latinLnBrk="0" hangingPunct="1">
+              <a:spcBef>
+                <a:spcPts val="350"/>
+              </a:spcBef>
+              <a:buClr>
+                <a:schemeClr val="accent3"/>
+              </a:buClr>
+              <a:buFont typeface="Wingdings 2"/>
+              <a:buChar char=""/>
+              <a:defRPr kumimoji="0" sz="1600" kern="1200">
+                <a:solidFill>
+                  <a:schemeClr val="tx1"/>
+                </a:solidFill>
+                <a:latin typeface="+mn-lt"/>
+                <a:ea typeface="+mn-ea"/>
+                <a:cs typeface="+mn-cs"/>
+              </a:defRPr>
+            </a:lvl7pPr>
+            <a:lvl8pPr marL="2057400" indent="-228600" algn="l" rtl="0" eaLnBrk="1" latinLnBrk="0" hangingPunct="1">
+              <a:spcBef>
+                <a:spcPts val="350"/>
+              </a:spcBef>
+              <a:buClr>
+                <a:schemeClr val="accent3"/>
+              </a:buClr>
+              <a:buFont typeface="Wingdings 2"/>
+              <a:buChar char=""/>
+              <a:defRPr kumimoji="0" sz="1600" kern="1200">
+                <a:solidFill>
+                  <a:schemeClr val="tx1"/>
+                </a:solidFill>
+                <a:latin typeface="+mn-lt"/>
+                <a:ea typeface="+mn-ea"/>
+                <a:cs typeface="+mn-cs"/>
+              </a:defRPr>
+            </a:lvl8pPr>
+            <a:lvl9pPr marL="2286000" indent="-228600" algn="l" rtl="0" eaLnBrk="1" latinLnBrk="0" hangingPunct="1">
+              <a:spcBef>
+                <a:spcPts val="350"/>
+              </a:spcBef>
+              <a:buClr>
+                <a:schemeClr val="accent3"/>
+              </a:buClr>
+              <a:buFont typeface="Wingdings 2"/>
+              <a:buChar char=""/>
+              <a:defRPr kumimoji="0" sz="1600" kern="1200" baseline="0">
+                <a:solidFill>
+                  <a:schemeClr val="tx1"/>
+                </a:solidFill>
+                <a:latin typeface="+mn-lt"/>
+                <a:ea typeface="+mn-ea"/>
+                <a:cs typeface="+mn-cs"/>
+              </a:defRPr>
+            </a:lvl9pPr>
+            <a:extLst/>
+          </a:lstStyle>
+          <a:p>
+            <a:r>
+              <a:rPr lang="sr-Latn-RS" sz="2000" dirty="0" smtClean="0"/>
+              <a:t>Problem prilikom kreiranja istih funkcija evaluacije – </a:t>
+            </a:r>
+            <a:r>
+              <a:rPr lang="en-US" sz="2000" dirty="0" smtClean="0"/>
+              <a:t>A</a:t>
+            </a:r>
+            <a:r>
+              <a:rPr lang="sr-Latn-RS" sz="2000" dirty="0" smtClean="0"/>
+              <a:t>I </a:t>
+            </a:r>
+            <a:r>
+              <a:rPr lang="sr-Latn-RS" sz="2000" dirty="0" smtClean="0"/>
+              <a:t>protiv </a:t>
+            </a:r>
+            <a:r>
+              <a:rPr lang="en-US" sz="2000" dirty="0" smtClean="0"/>
+              <a:t>A</a:t>
+            </a:r>
+            <a:r>
+              <a:rPr lang="sr-Latn-RS" sz="2000" dirty="0" smtClean="0"/>
+              <a:t>I </a:t>
+            </a:r>
+            <a:r>
+              <a:rPr lang="sr-Latn-RS" sz="2000" dirty="0" smtClean="0"/>
+              <a:t>– algoritam neće da izgubi</a:t>
+            </a:r>
+          </a:p>
+          <a:p>
+            <a:endParaRPr lang="sr-Latn-RS" sz="2000" dirty="0" smtClean="0"/>
+          </a:p>
+          <a:p>
+            <a:r>
+              <a:rPr lang="sr-Latn-RS" sz="2000" dirty="0" smtClean="0"/>
+              <a:t>Uzmanje različitih faktora kod ocenjivanje poteza u obzir dovodi do različitog ponašanja </a:t>
+            </a:r>
+            <a:r>
+              <a:rPr lang="en-US" sz="2000" dirty="0" smtClean="0"/>
+              <a:t>A</a:t>
+            </a:r>
+            <a:r>
+              <a:rPr lang="sr-Latn-RS" sz="2000" dirty="0" smtClean="0"/>
+              <a:t>I </a:t>
+            </a:r>
+            <a:r>
+              <a:rPr lang="sr-Latn-RS" sz="2000" dirty="0" smtClean="0"/>
+              <a:t>– nemoguće je u potpunosti predvideti ponašanje</a:t>
+            </a:r>
+          </a:p>
+          <a:p>
+            <a:pPr marL="109728" indent="0">
+              <a:buNone/>
+            </a:pPr>
+            <a:r>
+              <a:rPr lang="sr-Latn-RS" sz="2000" dirty="0" smtClean="0"/>
+              <a:t> </a:t>
+            </a:r>
+          </a:p>
+          <a:p>
+            <a:r>
+              <a:rPr lang="sr-Latn-RS" sz="2000" dirty="0" smtClean="0"/>
+              <a:t>Povećanje dubine – povećano vreme odziva aplikacije</a:t>
+            </a:r>
+          </a:p>
+          <a:p>
+            <a:endParaRPr lang="sr-Latn-RS" sz="2000" dirty="0" smtClean="0"/>
+          </a:p>
+          <a:p>
+            <a:endParaRPr lang="sr-Latn-RS" sz="2000" dirty="0"/>
           </a:p>
         </p:txBody>
       </p:sp>
@@ -5425,7 +7700,7 @@
 </p:sld>
 </file>
 
-<file path=ppt/slides/slide13.xml><?xml version="1.0" encoding="utf-8"?>
+<file path=ppt/slides/slide2.xml><?xml version="1.0" encoding="utf-8"?>
 <p:sld xmlns:a="http://schemas.openxmlformats.org/drawingml/2006/main" xmlns:r="http://schemas.openxmlformats.org/officeDocument/2006/relationships" xmlns:p="http://schemas.openxmlformats.org/presentationml/2006/main">
   <p:cSld>
     <p:spTree>
@@ -5444,6 +7719,392 @@
       </p:grpSpPr>
       <p:sp>
         <p:nvSpPr>
+          <p:cNvPr id="3" name="Content Placeholder 2"/>
+          <p:cNvSpPr>
+            <a:spLocks noGrp="1"/>
+          </p:cNvSpPr>
+          <p:nvPr>
+            <p:ph idx="1"/>
+          </p:nvPr>
+        </p:nvSpPr>
+        <p:spPr>
+          <a:xfrm>
+            <a:off x="177374" y="980728"/>
+            <a:ext cx="8507288" cy="3384376"/>
+          </a:xfrm>
+        </p:spPr>
+        <p:txBody>
+          <a:bodyPr>
+            <a:normAutofit/>
+          </a:bodyPr>
+          <a:lstStyle/>
+          <a:p>
+            <a:r>
+              <a:rPr lang="sr-Latn-RS" sz="2400" dirty="0" smtClean="0"/>
+              <a:t>Checkers ili engleska dama predstavlja vrstu misaone igre na ploči koju igraju dva igrača. Ploča se sastoji od </a:t>
+            </a:r>
+            <a:r>
+              <a:rPr lang="en-US" sz="2400" dirty="0"/>
+              <a:t>od 8x8 (64) </a:t>
+            </a:r>
+            <a:r>
+              <a:rPr lang="en-US" sz="2400" dirty="0" err="1"/>
+              <a:t>kvadratnih</a:t>
+            </a:r>
+            <a:r>
+              <a:rPr lang="en-US" sz="2400" dirty="0"/>
+              <a:t> </a:t>
+            </a:r>
+            <a:r>
+              <a:rPr lang="en-US" sz="2400" dirty="0" err="1"/>
+              <a:t>polja</a:t>
+            </a:r>
+            <a:r>
+              <a:rPr lang="en-US" sz="2400" dirty="0"/>
+              <a:t> </a:t>
+            </a:r>
+            <a:r>
+              <a:rPr lang="en-US" sz="2400" dirty="0" err="1"/>
+              <a:t>pri</a:t>
+            </a:r>
+            <a:r>
+              <a:rPr lang="en-US" sz="2400" dirty="0"/>
+              <a:t> </a:t>
+            </a:r>
+            <a:r>
+              <a:rPr lang="en-US" sz="2400" dirty="0" err="1"/>
+              <a:t>čemu</a:t>
+            </a:r>
+            <a:r>
+              <a:rPr lang="en-US" sz="2400" dirty="0"/>
+              <a:t> </a:t>
+            </a:r>
+            <a:r>
+              <a:rPr lang="en-US" sz="2400" dirty="0" err="1"/>
+              <a:t>svaki</a:t>
+            </a:r>
+            <a:r>
+              <a:rPr lang="en-US" sz="2400" dirty="0"/>
+              <a:t> </a:t>
+            </a:r>
+            <a:r>
+              <a:rPr lang="en-US" sz="2400" dirty="0" err="1"/>
+              <a:t>igrač</a:t>
+            </a:r>
+            <a:r>
+              <a:rPr lang="en-US" sz="2400" dirty="0"/>
+              <a:t> </a:t>
+            </a:r>
+            <a:r>
+              <a:rPr lang="en-US" sz="2400" dirty="0" err="1"/>
+              <a:t>ima</a:t>
+            </a:r>
+            <a:r>
+              <a:rPr lang="en-US" sz="2400" dirty="0"/>
+              <a:t> 12 </a:t>
+            </a:r>
+            <a:r>
+              <a:rPr lang="en-US" sz="2400" dirty="0" err="1"/>
+              <a:t>figura</a:t>
+            </a:r>
+            <a:r>
+              <a:rPr lang="en-US" sz="2400" dirty="0"/>
+              <a:t>. One se </a:t>
+            </a:r>
+            <a:r>
+              <a:rPr lang="en-US" sz="2400" dirty="0" err="1"/>
+              <a:t>pokreću</a:t>
+            </a:r>
+            <a:r>
+              <a:rPr lang="en-US" sz="2400" dirty="0"/>
+              <a:t> </a:t>
+            </a:r>
+            <a:r>
+              <a:rPr lang="en-US" sz="2400" dirty="0" err="1"/>
+              <a:t>i</a:t>
+            </a:r>
+            <a:r>
+              <a:rPr lang="en-US" sz="2400" dirty="0"/>
+              <a:t> </a:t>
+            </a:r>
+            <a:r>
+              <a:rPr lang="en-US" sz="2400" dirty="0" err="1"/>
+              <a:t>protivničke</a:t>
+            </a:r>
+            <a:r>
+              <a:rPr lang="en-US" sz="2400" dirty="0"/>
+              <a:t> figure </a:t>
+            </a:r>
+            <a:r>
+              <a:rPr lang="en-US" sz="2400" dirty="0" err="1"/>
+              <a:t>zarobljavaju</a:t>
+            </a:r>
+            <a:r>
+              <a:rPr lang="en-US" sz="2400" dirty="0"/>
+              <a:t> </a:t>
+            </a:r>
+            <a:r>
+              <a:rPr lang="en-US" sz="2400" dirty="0" err="1"/>
+              <a:t>dijagonalno</a:t>
+            </a:r>
+            <a:r>
+              <a:rPr lang="en-US" sz="2400" dirty="0"/>
+              <a:t>. </a:t>
+            </a:r>
+            <a:r>
+              <a:rPr lang="en-US" sz="2400" dirty="0" err="1"/>
+              <a:t>Mogu</a:t>
+            </a:r>
+            <a:r>
+              <a:rPr lang="en-US" sz="2400" dirty="0"/>
+              <a:t> se </a:t>
+            </a:r>
+            <a:r>
+              <a:rPr lang="en-US" sz="2400" dirty="0" err="1"/>
+              <a:t>kretati</a:t>
+            </a:r>
+            <a:r>
+              <a:rPr lang="en-US" sz="2400" dirty="0"/>
+              <a:t> </a:t>
+            </a:r>
+            <a:r>
+              <a:rPr lang="en-US" sz="2400" dirty="0" err="1"/>
+              <a:t>samo</a:t>
+            </a:r>
+            <a:r>
+              <a:rPr lang="en-US" sz="2400" dirty="0"/>
+              <a:t> </a:t>
+            </a:r>
+            <a:r>
+              <a:rPr lang="en-US" sz="2400" dirty="0" err="1" smtClean="0"/>
+              <a:t>napred</a:t>
+            </a:r>
+            <a:r>
+              <a:rPr lang="en-US" sz="2400" dirty="0" smtClean="0"/>
+              <a:t> </a:t>
+            </a:r>
+            <a:r>
+              <a:rPr lang="en-US" sz="2400" dirty="0" err="1"/>
+              <a:t>dok</a:t>
+            </a:r>
+            <a:r>
+              <a:rPr lang="en-US" sz="2400" dirty="0"/>
+              <a:t> ne </a:t>
+            </a:r>
+            <a:r>
+              <a:rPr lang="en-US" sz="2400" dirty="0" smtClean="0"/>
+              <a:t>do</a:t>
+            </a:r>
+            <a:r>
+              <a:rPr lang="sr-Latn-RS" sz="2400" dirty="0" smtClean="0"/>
+              <a:t>đu do</a:t>
+            </a:r>
+            <a:r>
+              <a:rPr lang="en-US" sz="2400" dirty="0" smtClean="0"/>
+              <a:t> </a:t>
+            </a:r>
+            <a:r>
+              <a:rPr lang="en-US" sz="2400" dirty="0" err="1" smtClean="0"/>
+              <a:t>suprot</a:t>
+            </a:r>
+            <a:r>
+              <a:rPr lang="sr-Latn-RS" sz="2400" dirty="0" smtClean="0"/>
+              <a:t>og</a:t>
+            </a:r>
+            <a:r>
+              <a:rPr lang="en-US" sz="2400" dirty="0" smtClean="0"/>
+              <a:t> </a:t>
+            </a:r>
+            <a:r>
+              <a:rPr lang="sr-Latn-RS" sz="2400" dirty="0" smtClean="0"/>
+              <a:t>kraja </a:t>
+            </a:r>
+            <a:r>
+              <a:rPr lang="en-US" sz="2400" dirty="0" err="1" smtClean="0"/>
+              <a:t>ploče</a:t>
+            </a:r>
+            <a:r>
+              <a:rPr lang="en-US" sz="2400" dirty="0" smtClean="0"/>
+              <a:t> </a:t>
+            </a:r>
+            <a:r>
+              <a:rPr lang="en-US" sz="2400" dirty="0" err="1"/>
+              <a:t>i</a:t>
+            </a:r>
+            <a:r>
+              <a:rPr lang="en-US" sz="2400" dirty="0"/>
+              <a:t> </a:t>
+            </a:r>
+            <a:r>
+              <a:rPr lang="en-US" sz="2400" dirty="0" err="1"/>
+              <a:t>tada</a:t>
+            </a:r>
+            <a:r>
+              <a:rPr lang="en-US" sz="2400" dirty="0"/>
+              <a:t> </a:t>
+            </a:r>
+            <a:r>
+              <a:rPr lang="en-US" sz="2400" dirty="0" err="1"/>
+              <a:t>postanu</a:t>
+            </a:r>
+            <a:r>
+              <a:rPr lang="en-US" sz="2400" dirty="0"/>
+              <a:t> </a:t>
+            </a:r>
+            <a:r>
+              <a:rPr lang="en-US" sz="2400" dirty="0" smtClean="0"/>
+              <a:t>„</a:t>
+            </a:r>
+            <a:r>
+              <a:rPr lang="sr-Latn-RS" sz="2400" dirty="0" smtClean="0"/>
+              <a:t>kralj</a:t>
+            </a:r>
+            <a:r>
+              <a:rPr lang="en-US" sz="2400" dirty="0" smtClean="0"/>
+              <a:t>", </a:t>
+            </a:r>
+            <a:r>
+              <a:rPr lang="en-US" sz="2400" dirty="0" err="1"/>
+              <a:t>tj</a:t>
+            </a:r>
+            <a:r>
+              <a:rPr lang="en-US" sz="2400" dirty="0"/>
+              <a:t>. </a:t>
+            </a:r>
+            <a:r>
+              <a:rPr lang="en-US" sz="2400" dirty="0" err="1"/>
+              <a:t>mogu</a:t>
+            </a:r>
+            <a:r>
+              <a:rPr lang="en-US" sz="2400" dirty="0"/>
+              <a:t> se </a:t>
+            </a:r>
+            <a:r>
+              <a:rPr lang="en-US" sz="2400" dirty="0" err="1" smtClean="0"/>
+              <a:t>kretati</a:t>
+            </a:r>
+            <a:r>
+              <a:rPr lang="en-US" sz="2400" dirty="0" smtClean="0"/>
+              <a:t> </a:t>
+            </a:r>
+            <a:r>
+              <a:rPr lang="en-US" sz="2400" dirty="0" err="1" smtClean="0"/>
+              <a:t>napred</a:t>
+            </a:r>
+            <a:r>
+              <a:rPr lang="en-US" sz="2400" dirty="0" smtClean="0"/>
+              <a:t> </a:t>
+            </a:r>
+            <a:r>
+              <a:rPr lang="en-US" sz="2400" dirty="0" err="1"/>
+              <a:t>i</a:t>
+            </a:r>
+            <a:r>
+              <a:rPr lang="en-US" sz="2400" dirty="0"/>
+              <a:t> </a:t>
+            </a:r>
+            <a:r>
+              <a:rPr lang="en-US" sz="2400" dirty="0" err="1"/>
+              <a:t>nazad</a:t>
+            </a:r>
+            <a:r>
+              <a:rPr lang="en-US" sz="2400" dirty="0"/>
+              <a:t>.</a:t>
+            </a:r>
+          </a:p>
+          <a:p>
+            <a:r>
+              <a:rPr lang="en-US" sz="2400" dirty="0"/>
+              <a:t>Figure </a:t>
+            </a:r>
+            <a:r>
+              <a:rPr lang="en-US" sz="2400" dirty="0" err="1"/>
+              <a:t>su</a:t>
+            </a:r>
+            <a:r>
+              <a:rPr lang="en-US" sz="2400" dirty="0"/>
+              <a:t> </a:t>
+            </a:r>
+            <a:r>
+              <a:rPr lang="en-US" sz="2400" dirty="0" err="1"/>
+              <a:t>tradicionalno</a:t>
+            </a:r>
+            <a:r>
+              <a:rPr lang="en-US" sz="2400" dirty="0"/>
+              <a:t> </a:t>
+            </a:r>
+            <a:r>
+              <a:rPr lang="en-US" sz="2400" dirty="0" err="1"/>
+              <a:t>obojene</a:t>
+            </a:r>
+            <a:r>
+              <a:rPr lang="en-US" sz="2400" dirty="0"/>
+              <a:t> </a:t>
+            </a:r>
+            <a:r>
+              <a:rPr lang="en-US" sz="2400" dirty="0" err="1"/>
+              <a:t>crno</a:t>
+            </a:r>
+            <a:r>
+              <a:rPr lang="en-US" sz="2400" dirty="0"/>
+              <a:t>, </a:t>
+            </a:r>
+            <a:r>
+              <a:rPr lang="en-US" sz="2400" dirty="0" err="1"/>
+              <a:t>crveno</a:t>
+            </a:r>
+            <a:r>
+              <a:rPr lang="en-US" sz="2400" dirty="0"/>
+              <a:t> </a:t>
+            </a:r>
+            <a:r>
+              <a:rPr lang="en-US" sz="2400" dirty="0" err="1"/>
+              <a:t>ili</a:t>
+            </a:r>
+            <a:r>
+              <a:rPr lang="en-US" sz="2400" dirty="0"/>
+              <a:t> </a:t>
+            </a:r>
+            <a:r>
+              <a:rPr lang="en-US" sz="2400" dirty="0" err="1" smtClean="0"/>
+              <a:t>belo</a:t>
+            </a:r>
+            <a:r>
+              <a:rPr lang="en-US" sz="2400" dirty="0"/>
+              <a:t>. </a:t>
+            </a:r>
+            <a:r>
+              <a:rPr lang="en-US" sz="2400" dirty="0" err="1"/>
+              <a:t>Neprijateljske</a:t>
+            </a:r>
+            <a:r>
+              <a:rPr lang="en-US" sz="2400" dirty="0"/>
+              <a:t> figure se </a:t>
+            </a:r>
+            <a:r>
+              <a:rPr lang="en-US" sz="2400" dirty="0" err="1"/>
+              <a:t>zarobljavaju</a:t>
+            </a:r>
+            <a:r>
+              <a:rPr lang="en-US" sz="2400" dirty="0"/>
+              <a:t> </a:t>
+            </a:r>
+            <a:r>
+              <a:rPr lang="en-US" sz="2400" dirty="0" err="1"/>
+              <a:t>preskakanjem</a:t>
+            </a:r>
+            <a:r>
+              <a:rPr lang="en-US" sz="2400" dirty="0"/>
+              <a:t>.</a:t>
+            </a:r>
+          </a:p>
+          <a:p>
+            <a:endParaRPr lang="en-US" sz="2000" dirty="0"/>
+          </a:p>
+        </p:txBody>
+      </p:sp>
+      <p:sp>
+        <p:nvSpPr>
           <p:cNvPr id="2" name="Title 1"/>
           <p:cNvSpPr>
             <a:spLocks noGrp="1"/>
@@ -5454,8 +8115,402 @@
         </p:nvSpPr>
         <p:spPr>
           <a:xfrm>
-            <a:off x="2987824" y="5445224"/>
-            <a:ext cx="6048672" cy="1143000"/>
+            <a:off x="467544" y="-171400"/>
+            <a:ext cx="8229600" cy="1008112"/>
+          </a:xfrm>
+        </p:spPr>
+        <p:txBody>
+          <a:bodyPr>
+            <a:normAutofit/>
+          </a:bodyPr>
+          <a:lstStyle/>
+          <a:p>
+            <a:pPr algn="ctr"/>
+            <a:r>
+              <a:rPr lang="sr-Latn-RS" sz="4800" dirty="0" smtClean="0"/>
+              <a:t>Checkers – Pravila igre</a:t>
+            </a:r>
+            <a:endParaRPr lang="en-US" sz="4800" dirty="0"/>
+          </a:p>
+        </p:txBody>
+      </p:sp>
+      <p:pic>
+        <p:nvPicPr>
+          <p:cNvPr id="4" name="Picture 3"/>
+          <p:cNvPicPr>
+            <a:picLocks noChangeAspect="1"/>
+          </p:cNvPicPr>
+          <p:nvPr/>
+        </p:nvPicPr>
+        <p:blipFill>
+          <a:blip r:embed="rId2">
+            <a:extLst>
+              <a:ext uri="{28A0092B-C50C-407E-A947-70E740481C1C}">
+                <a14:useLocalDpi xmlns:a14="http://schemas.microsoft.com/office/drawing/2010/main" val="0"/>
+              </a:ext>
+            </a:extLst>
+          </a:blip>
+          <a:stretch>
+            <a:fillRect/>
+          </a:stretch>
+        </p:blipFill>
+        <p:spPr>
+          <a:xfrm>
+            <a:off x="4499992" y="4221088"/>
+            <a:ext cx="4176464" cy="2359702"/>
+          </a:xfrm>
+          <a:prstGeom prst="rect">
+            <a:avLst/>
+          </a:prstGeom>
+        </p:spPr>
+      </p:pic>
+    </p:spTree>
+    <p:extLst>
+      <p:ext uri="{BB962C8B-B14F-4D97-AF65-F5344CB8AC3E}">
+        <p14:creationId xmlns:p14="http://schemas.microsoft.com/office/powerpoint/2010/main" val="1289774939"/>
+      </p:ext>
+    </p:extLst>
+  </p:cSld>
+  <p:clrMapOvr>
+    <a:masterClrMapping/>
+  </p:clrMapOvr>
+  <p:timing>
+    <p:tnLst>
+      <p:par>
+        <p:cTn id="1" dur="indefinite" restart="never" nodeType="tmRoot"/>
+      </p:par>
+    </p:tnLst>
+  </p:timing>
+</p:sld>
+</file>
+
+<file path=ppt/slides/slide20.xml><?xml version="1.0" encoding="utf-8"?>
+<p:sld xmlns:a="http://schemas.openxmlformats.org/drawingml/2006/main" xmlns:r="http://schemas.openxmlformats.org/officeDocument/2006/relationships" xmlns:p="http://schemas.openxmlformats.org/presentationml/2006/main">
+  <p:cSld>
+    <p:spTree>
+      <p:nvGrpSpPr>
+        <p:cNvPr id="1" name=""/>
+        <p:cNvGrpSpPr/>
+        <p:nvPr/>
+      </p:nvGrpSpPr>
+      <p:grpSpPr>
+        <a:xfrm>
+          <a:off x="0" y="0"/>
+          <a:ext cx="0" cy="0"/>
+          <a:chOff x="0" y="0"/>
+          <a:chExt cx="0" cy="0"/>
+        </a:xfrm>
+      </p:grpSpPr>
+      <p:sp>
+        <p:nvSpPr>
+          <p:cNvPr id="2" name="Content Placeholder 1"/>
+          <p:cNvSpPr>
+            <a:spLocks noGrp="1"/>
+          </p:cNvSpPr>
+          <p:nvPr>
+            <p:ph idx="1"/>
+          </p:nvPr>
+        </p:nvSpPr>
+        <p:spPr>
+          <a:xfrm>
+            <a:off x="467544" y="1268760"/>
+            <a:ext cx="8229600" cy="4525963"/>
+          </a:xfrm>
+        </p:spPr>
+        <p:txBody>
+          <a:bodyPr/>
+          <a:lstStyle/>
+          <a:p>
+            <a:r>
+              <a:rPr lang="en-US" dirty="0" err="1" smtClean="0"/>
+              <a:t>Kompleksnost</a:t>
+            </a:r>
+            <a:r>
+              <a:rPr lang="en-US" dirty="0" smtClean="0"/>
+              <a:t> </a:t>
+            </a:r>
+            <a:r>
+              <a:rPr lang="en-US" dirty="0" err="1" smtClean="0"/>
+              <a:t>funkcije</a:t>
+            </a:r>
+            <a:r>
+              <a:rPr lang="en-US" dirty="0" smtClean="0"/>
+              <a:t> </a:t>
+            </a:r>
+            <a:r>
+              <a:rPr lang="en-US" dirty="0" err="1" smtClean="0"/>
+              <a:t>evaluacije</a:t>
+            </a:r>
+            <a:endParaRPr lang="sr-Latn-RS" dirty="0" smtClean="0"/>
+          </a:p>
+          <a:p>
+            <a:endParaRPr lang="en-US" dirty="0" smtClean="0"/>
+          </a:p>
+          <a:p>
+            <a:r>
+              <a:rPr lang="en-US" dirty="0" err="1" smtClean="0"/>
+              <a:t>Veliki</a:t>
+            </a:r>
+            <a:r>
+              <a:rPr lang="en-US" dirty="0" smtClean="0"/>
+              <a:t> </a:t>
+            </a:r>
+            <a:r>
+              <a:rPr lang="en-US" dirty="0" err="1" smtClean="0"/>
+              <a:t>broj</a:t>
+            </a:r>
+            <a:r>
+              <a:rPr lang="en-US" dirty="0" smtClean="0"/>
+              <a:t> </a:t>
+            </a:r>
+            <a:r>
+              <a:rPr lang="en-US" dirty="0" err="1" smtClean="0"/>
+              <a:t>faktora</a:t>
+            </a:r>
+            <a:r>
+              <a:rPr lang="en-US" dirty="0" smtClean="0"/>
+              <a:t> </a:t>
+            </a:r>
+            <a:r>
+              <a:rPr lang="en-US" dirty="0" err="1" smtClean="0"/>
+              <a:t>za</a:t>
+            </a:r>
+            <a:r>
+              <a:rPr lang="en-US" dirty="0" smtClean="0"/>
+              <a:t> </a:t>
+            </a:r>
+            <a:r>
+              <a:rPr lang="en-US" dirty="0" err="1" smtClean="0"/>
+              <a:t>razmatranje</a:t>
+            </a:r>
+            <a:endParaRPr lang="sr-Latn-RS" dirty="0" smtClean="0"/>
+          </a:p>
+          <a:p>
+            <a:endParaRPr lang="en-US" dirty="0" smtClean="0"/>
+          </a:p>
+          <a:p>
+            <a:r>
+              <a:rPr lang="en-US" dirty="0" err="1" smtClean="0"/>
+              <a:t>Dubina</a:t>
+            </a:r>
+            <a:r>
+              <a:rPr lang="en-US" dirty="0" smtClean="0"/>
+              <a:t> </a:t>
+            </a:r>
+            <a:r>
+              <a:rPr lang="en-US" dirty="0" err="1" smtClean="0"/>
+              <a:t>algoritma</a:t>
+            </a:r>
+            <a:endParaRPr lang="sr-Latn-RS" dirty="0" smtClean="0"/>
+          </a:p>
+          <a:p>
+            <a:endParaRPr lang="en-US" dirty="0" smtClean="0"/>
+          </a:p>
+          <a:p>
+            <a:r>
+              <a:rPr lang="sr-Latn-RS" dirty="0" smtClean="0"/>
+              <a:t>Veća dubina – bolje odlučivanje – sporiji algoritam</a:t>
+            </a:r>
+          </a:p>
+          <a:p>
+            <a:endParaRPr lang="sr-Latn-RS" dirty="0" smtClean="0"/>
+          </a:p>
+          <a:p>
+            <a:r>
+              <a:rPr lang="sr-Latn-RS" dirty="0" smtClean="0"/>
+              <a:t>Pronaći balans između dubine i kompleksnosti funkcije</a:t>
+            </a:r>
+          </a:p>
+          <a:p>
+            <a:endParaRPr lang="sr-Latn-RS" dirty="0"/>
+          </a:p>
+        </p:txBody>
+      </p:sp>
+      <p:sp>
+        <p:nvSpPr>
+          <p:cNvPr id="3" name="Title 2"/>
+          <p:cNvSpPr>
+            <a:spLocks noGrp="1"/>
+          </p:cNvSpPr>
+          <p:nvPr>
+            <p:ph type="title"/>
+          </p:nvPr>
+        </p:nvSpPr>
+        <p:spPr>
+          <a:xfrm>
+            <a:off x="467544" y="116632"/>
+            <a:ext cx="8229600" cy="850106"/>
+          </a:xfrm>
+        </p:spPr>
+        <p:txBody>
+          <a:bodyPr/>
+          <a:lstStyle/>
+          <a:p>
+            <a:pPr algn="ctr"/>
+            <a:r>
+              <a:rPr lang="en-US" dirty="0" smtClean="0"/>
+              <a:t>Z</a:t>
+            </a:r>
+            <a:r>
+              <a:rPr lang="sr-Latn-RS" dirty="0" smtClean="0"/>
+              <a:t>aključci</a:t>
+            </a:r>
+            <a:endParaRPr lang="sr-Latn-RS" dirty="0"/>
+          </a:p>
+        </p:txBody>
+      </p:sp>
+    </p:spTree>
+    <p:extLst>
+      <p:ext uri="{BB962C8B-B14F-4D97-AF65-F5344CB8AC3E}">
+        <p14:creationId xmlns:p14="http://schemas.microsoft.com/office/powerpoint/2010/main" val="3576191322"/>
+      </p:ext>
+    </p:extLst>
+  </p:cSld>
+  <p:clrMapOvr>
+    <a:masterClrMapping/>
+  </p:clrMapOvr>
+  <p:timing>
+    <p:tnLst>
+      <p:par>
+        <p:cTn id="1" dur="indefinite" restart="never" nodeType="tmRoot"/>
+      </p:par>
+    </p:tnLst>
+  </p:timing>
+</p:sld>
+</file>
+
+<file path=ppt/slides/slide21.xml><?xml version="1.0" encoding="utf-8"?>
+<p:sld xmlns:a="http://schemas.openxmlformats.org/drawingml/2006/main" xmlns:r="http://schemas.openxmlformats.org/officeDocument/2006/relationships" xmlns:p="http://schemas.openxmlformats.org/presentationml/2006/main">
+  <p:cSld>
+    <p:spTree>
+      <p:nvGrpSpPr>
+        <p:cNvPr id="1" name=""/>
+        <p:cNvGrpSpPr/>
+        <p:nvPr/>
+      </p:nvGrpSpPr>
+      <p:grpSpPr>
+        <a:xfrm>
+          <a:off x="0" y="0"/>
+          <a:ext cx="0" cy="0"/>
+          <a:chOff x="0" y="0"/>
+          <a:chExt cx="0" cy="0"/>
+        </a:xfrm>
+      </p:grpSpPr>
+      <p:sp>
+        <p:nvSpPr>
+          <p:cNvPr id="2" name="Content Placeholder 1"/>
+          <p:cNvSpPr>
+            <a:spLocks noGrp="1"/>
+          </p:cNvSpPr>
+          <p:nvPr>
+            <p:ph idx="1"/>
+          </p:nvPr>
+        </p:nvSpPr>
+        <p:spPr/>
+        <p:txBody>
+          <a:bodyPr/>
+          <a:lstStyle/>
+          <a:p>
+            <a:r>
+              <a:rPr lang="sr-Latn-RS" dirty="0" smtClean="0"/>
+              <a:t>Naše rešenje – MiniMax + funkcija evaluacije</a:t>
+            </a:r>
+          </a:p>
+          <a:p>
+            <a:endParaRPr lang="sr-Latn-RS" dirty="0"/>
+          </a:p>
+          <a:p>
+            <a:r>
+              <a:rPr lang="sr-Latn-RS" dirty="0" smtClean="0"/>
+              <a:t>Interesantne mogućnosti – Neuronska mreža umesto funkcije evaluacije</a:t>
+            </a:r>
+          </a:p>
+          <a:p>
+            <a:endParaRPr lang="sr-Latn-RS" dirty="0"/>
+          </a:p>
+          <a:p>
+            <a:r>
+              <a:rPr lang="sr-Latn-RS" dirty="0" smtClean="0"/>
+              <a:t>Obučavanje neuronske mreže da ocenjuje table</a:t>
+            </a:r>
+            <a:endParaRPr lang="sr-Latn-RS" dirty="0"/>
+          </a:p>
+        </p:txBody>
+      </p:sp>
+      <p:sp>
+        <p:nvSpPr>
+          <p:cNvPr id="3" name="Title 2"/>
+          <p:cNvSpPr>
+            <a:spLocks noGrp="1"/>
+          </p:cNvSpPr>
+          <p:nvPr>
+            <p:ph type="title"/>
+          </p:nvPr>
+        </p:nvSpPr>
+        <p:spPr/>
+        <p:txBody>
+          <a:bodyPr/>
+          <a:lstStyle/>
+          <a:p>
+            <a:r>
+              <a:rPr lang="sr-Latn-RS" dirty="0" smtClean="0"/>
+              <a:t>Još mogućih rešenja</a:t>
+            </a:r>
+            <a:endParaRPr lang="sr-Latn-RS" dirty="0"/>
+          </a:p>
+        </p:txBody>
+      </p:sp>
+    </p:spTree>
+    <p:extLst>
+      <p:ext uri="{BB962C8B-B14F-4D97-AF65-F5344CB8AC3E}">
+        <p14:creationId xmlns:p14="http://schemas.microsoft.com/office/powerpoint/2010/main" val="326581201"/>
+      </p:ext>
+    </p:extLst>
+  </p:cSld>
+  <p:clrMapOvr>
+    <a:masterClrMapping/>
+  </p:clrMapOvr>
+  <p:timing>
+    <p:tnLst>
+      <p:par>
+        <p:cTn id="1" dur="indefinite" restart="never" nodeType="tmRoot"/>
+      </p:par>
+    </p:tnLst>
+  </p:timing>
+</p:sld>
+</file>
+
+<file path=ppt/slides/slide22.xml><?xml version="1.0" encoding="utf-8"?>
+<p:sld xmlns:a="http://schemas.openxmlformats.org/drawingml/2006/main" xmlns:r="http://schemas.openxmlformats.org/officeDocument/2006/relationships" xmlns:p="http://schemas.openxmlformats.org/presentationml/2006/main">
+  <p:cSld>
+    <p:spTree>
+      <p:nvGrpSpPr>
+        <p:cNvPr id="1" name=""/>
+        <p:cNvGrpSpPr/>
+        <p:nvPr/>
+      </p:nvGrpSpPr>
+      <p:grpSpPr>
+        <a:xfrm>
+          <a:off x="0" y="0"/>
+          <a:ext cx="0" cy="0"/>
+          <a:chOff x="0" y="0"/>
+          <a:chExt cx="0" cy="0"/>
+        </a:xfrm>
+      </p:grpSpPr>
+      <p:sp>
+        <p:nvSpPr>
+          <p:cNvPr id="2" name="Title 1"/>
+          <p:cNvSpPr>
+            <a:spLocks noGrp="1"/>
+          </p:cNvSpPr>
+          <p:nvPr>
+            <p:ph type="title"/>
+          </p:nvPr>
+        </p:nvSpPr>
+        <p:spPr>
+          <a:xfrm>
+            <a:off x="3563888" y="5445224"/>
+            <a:ext cx="5580112" cy="1143000"/>
           </a:xfrm>
         </p:spPr>
         <p:txBody>
@@ -5720,490 +8775,6 @@
 </p:sld>
 </file>
 
-<file path=ppt/slides/slide2.xml><?xml version="1.0" encoding="utf-8"?>
-<p:sld xmlns:a="http://schemas.openxmlformats.org/drawingml/2006/main" xmlns:r="http://schemas.openxmlformats.org/officeDocument/2006/relationships" xmlns:p="http://schemas.openxmlformats.org/presentationml/2006/main">
-  <p:cSld>
-    <p:spTree>
-      <p:nvGrpSpPr>
-        <p:cNvPr id="1" name=""/>
-        <p:cNvGrpSpPr/>
-        <p:nvPr/>
-      </p:nvGrpSpPr>
-      <p:grpSpPr>
-        <a:xfrm>
-          <a:off x="0" y="0"/>
-          <a:ext cx="0" cy="0"/>
-          <a:chOff x="0" y="0"/>
-          <a:chExt cx="0" cy="0"/>
-        </a:xfrm>
-      </p:grpSpPr>
-      <p:sp>
-        <p:nvSpPr>
-          <p:cNvPr id="3" name="Content Placeholder 2"/>
-          <p:cNvSpPr>
-            <a:spLocks noGrp="1"/>
-          </p:cNvSpPr>
-          <p:nvPr>
-            <p:ph idx="1"/>
-          </p:nvPr>
-        </p:nvSpPr>
-        <p:spPr>
-          <a:xfrm>
-            <a:off x="177374" y="980728"/>
-            <a:ext cx="8507288" cy="3384376"/>
-          </a:xfrm>
-        </p:spPr>
-        <p:txBody>
-          <a:bodyPr>
-            <a:normAutofit/>
-          </a:bodyPr>
-          <a:lstStyle/>
-          <a:p>
-            <a:r>
-              <a:rPr lang="sr-Latn-RS" sz="2400" dirty="0" smtClean="0"/>
-              <a:t>Checkers ili engleska dama predstavlja vrstu misaone igre na ploči koju igraju dva igrača. Ploča se sastoji od </a:t>
-            </a:r>
-            <a:r>
-              <a:rPr lang="en-US" sz="2400" dirty="0"/>
-              <a:t>od 8x8 (64) </a:t>
-            </a:r>
-            <a:r>
-              <a:rPr lang="en-US" sz="2400" dirty="0" err="1"/>
-              <a:t>kvadratnih</a:t>
-            </a:r>
-            <a:r>
-              <a:rPr lang="en-US" sz="2400" dirty="0"/>
-              <a:t> </a:t>
-            </a:r>
-            <a:r>
-              <a:rPr lang="en-US" sz="2400" dirty="0" err="1"/>
-              <a:t>polja</a:t>
-            </a:r>
-            <a:r>
-              <a:rPr lang="en-US" sz="2400" dirty="0"/>
-              <a:t> </a:t>
-            </a:r>
-            <a:r>
-              <a:rPr lang="en-US" sz="2400" dirty="0" err="1"/>
-              <a:t>pri</a:t>
-            </a:r>
-            <a:r>
-              <a:rPr lang="en-US" sz="2400" dirty="0"/>
-              <a:t> </a:t>
-            </a:r>
-            <a:r>
-              <a:rPr lang="en-US" sz="2400" dirty="0" err="1"/>
-              <a:t>čemu</a:t>
-            </a:r>
-            <a:r>
-              <a:rPr lang="en-US" sz="2400" dirty="0"/>
-              <a:t> </a:t>
-            </a:r>
-            <a:r>
-              <a:rPr lang="en-US" sz="2400" dirty="0" err="1"/>
-              <a:t>svaki</a:t>
-            </a:r>
-            <a:r>
-              <a:rPr lang="en-US" sz="2400" dirty="0"/>
-              <a:t> </a:t>
-            </a:r>
-            <a:r>
-              <a:rPr lang="en-US" sz="2400" dirty="0" err="1"/>
-              <a:t>igrač</a:t>
-            </a:r>
-            <a:r>
-              <a:rPr lang="en-US" sz="2400" dirty="0"/>
-              <a:t> </a:t>
-            </a:r>
-            <a:r>
-              <a:rPr lang="en-US" sz="2400" dirty="0" err="1"/>
-              <a:t>ima</a:t>
-            </a:r>
-            <a:r>
-              <a:rPr lang="en-US" sz="2400" dirty="0"/>
-              <a:t> 12 </a:t>
-            </a:r>
-            <a:r>
-              <a:rPr lang="en-US" sz="2400" dirty="0" err="1"/>
-              <a:t>figura</a:t>
-            </a:r>
-            <a:r>
-              <a:rPr lang="en-US" sz="2400" dirty="0"/>
-              <a:t>. One se </a:t>
-            </a:r>
-            <a:r>
-              <a:rPr lang="en-US" sz="2400" dirty="0" err="1"/>
-              <a:t>pokreću</a:t>
-            </a:r>
-            <a:r>
-              <a:rPr lang="en-US" sz="2400" dirty="0"/>
-              <a:t> </a:t>
-            </a:r>
-            <a:r>
-              <a:rPr lang="en-US" sz="2400" dirty="0" err="1"/>
-              <a:t>i</a:t>
-            </a:r>
-            <a:r>
-              <a:rPr lang="en-US" sz="2400" dirty="0"/>
-              <a:t> </a:t>
-            </a:r>
-            <a:r>
-              <a:rPr lang="en-US" sz="2400" dirty="0" err="1"/>
-              <a:t>protivničke</a:t>
-            </a:r>
-            <a:r>
-              <a:rPr lang="en-US" sz="2400" dirty="0"/>
-              <a:t> figure </a:t>
-            </a:r>
-            <a:r>
-              <a:rPr lang="en-US" sz="2400" dirty="0" err="1"/>
-              <a:t>zarobljavaju</a:t>
-            </a:r>
-            <a:r>
-              <a:rPr lang="en-US" sz="2400" dirty="0"/>
-              <a:t> </a:t>
-            </a:r>
-            <a:r>
-              <a:rPr lang="en-US" sz="2400" dirty="0" err="1"/>
-              <a:t>dijagonalno</a:t>
-            </a:r>
-            <a:r>
-              <a:rPr lang="en-US" sz="2400" dirty="0"/>
-              <a:t>. </a:t>
-            </a:r>
-            <a:r>
-              <a:rPr lang="en-US" sz="2400" dirty="0" err="1"/>
-              <a:t>Mogu</a:t>
-            </a:r>
-            <a:r>
-              <a:rPr lang="en-US" sz="2400" dirty="0"/>
-              <a:t> se </a:t>
-            </a:r>
-            <a:r>
-              <a:rPr lang="en-US" sz="2400" dirty="0" err="1"/>
-              <a:t>kretati</a:t>
-            </a:r>
-            <a:r>
-              <a:rPr lang="en-US" sz="2400" dirty="0"/>
-              <a:t> </a:t>
-            </a:r>
-            <a:r>
-              <a:rPr lang="en-US" sz="2400" dirty="0" err="1"/>
-              <a:t>samo</a:t>
-            </a:r>
-            <a:r>
-              <a:rPr lang="en-US" sz="2400" dirty="0"/>
-              <a:t> </a:t>
-            </a:r>
-            <a:r>
-              <a:rPr lang="en-US" sz="2400" dirty="0" err="1"/>
-              <a:t>naprijed</a:t>
-            </a:r>
-            <a:r>
-              <a:rPr lang="en-US" sz="2400" dirty="0"/>
-              <a:t> </a:t>
-            </a:r>
-            <a:r>
-              <a:rPr lang="en-US" sz="2400" dirty="0" err="1"/>
-              <a:t>dok</a:t>
-            </a:r>
-            <a:r>
-              <a:rPr lang="en-US" sz="2400" dirty="0"/>
-              <a:t> ne </a:t>
-            </a:r>
-            <a:r>
-              <a:rPr lang="en-US" sz="2400" dirty="0" smtClean="0"/>
-              <a:t>do</a:t>
-            </a:r>
-            <a:r>
-              <a:rPr lang="sr-Latn-RS" sz="2400" dirty="0" smtClean="0"/>
-              <a:t>đu do</a:t>
-            </a:r>
-            <a:r>
-              <a:rPr lang="en-US" sz="2400" dirty="0" smtClean="0"/>
-              <a:t> </a:t>
-            </a:r>
-            <a:r>
-              <a:rPr lang="en-US" sz="2400" dirty="0" err="1" smtClean="0"/>
-              <a:t>suprot</a:t>
-            </a:r>
-            <a:r>
-              <a:rPr lang="sr-Latn-RS" sz="2400" dirty="0" smtClean="0"/>
-              <a:t>og</a:t>
-            </a:r>
-            <a:r>
-              <a:rPr lang="en-US" sz="2400" dirty="0" smtClean="0"/>
-              <a:t> </a:t>
-            </a:r>
-            <a:r>
-              <a:rPr lang="sr-Latn-RS" sz="2400" dirty="0" smtClean="0"/>
-              <a:t>kraja </a:t>
-            </a:r>
-            <a:r>
-              <a:rPr lang="en-US" sz="2400" dirty="0" err="1" smtClean="0"/>
-              <a:t>ploče</a:t>
-            </a:r>
-            <a:r>
-              <a:rPr lang="en-US" sz="2400" dirty="0" smtClean="0"/>
-              <a:t> </a:t>
-            </a:r>
-            <a:r>
-              <a:rPr lang="en-US" sz="2400" dirty="0" err="1"/>
-              <a:t>i</a:t>
-            </a:r>
-            <a:r>
-              <a:rPr lang="en-US" sz="2400" dirty="0"/>
-              <a:t> </a:t>
-            </a:r>
-            <a:r>
-              <a:rPr lang="en-US" sz="2400" dirty="0" err="1"/>
-              <a:t>tada</a:t>
-            </a:r>
-            <a:r>
-              <a:rPr lang="en-US" sz="2400" dirty="0"/>
-              <a:t> </a:t>
-            </a:r>
-            <a:r>
-              <a:rPr lang="en-US" sz="2400" dirty="0" err="1"/>
-              <a:t>postanu</a:t>
-            </a:r>
-            <a:r>
-              <a:rPr lang="en-US" sz="2400" dirty="0"/>
-              <a:t> </a:t>
-            </a:r>
-            <a:r>
-              <a:rPr lang="en-US" sz="2400" dirty="0" smtClean="0"/>
-              <a:t>„</a:t>
-            </a:r>
-            <a:r>
-              <a:rPr lang="sr-Latn-RS" sz="2400" dirty="0" smtClean="0"/>
-              <a:t>kralj</a:t>
-            </a:r>
-            <a:r>
-              <a:rPr lang="en-US" sz="2400" dirty="0" smtClean="0"/>
-              <a:t>", </a:t>
-            </a:r>
-            <a:r>
-              <a:rPr lang="en-US" sz="2400" dirty="0" err="1"/>
-              <a:t>tj</a:t>
-            </a:r>
-            <a:r>
-              <a:rPr lang="en-US" sz="2400" dirty="0"/>
-              <a:t>. </a:t>
-            </a:r>
-            <a:r>
-              <a:rPr lang="en-US" sz="2400" dirty="0" err="1"/>
-              <a:t>mogu</a:t>
-            </a:r>
-            <a:r>
-              <a:rPr lang="en-US" sz="2400" dirty="0"/>
-              <a:t> se </a:t>
-            </a:r>
-            <a:r>
-              <a:rPr lang="en-US" sz="2400" dirty="0" err="1" smtClean="0"/>
-              <a:t>kretati</a:t>
-            </a:r>
-            <a:r>
-              <a:rPr lang="en-US" sz="2400" dirty="0" smtClean="0"/>
-              <a:t> </a:t>
-            </a:r>
-            <a:r>
-              <a:rPr lang="en-US" sz="2400" dirty="0" err="1"/>
-              <a:t>naprijed</a:t>
-            </a:r>
-            <a:r>
-              <a:rPr lang="en-US" sz="2400" dirty="0"/>
-              <a:t> </a:t>
-            </a:r>
-            <a:r>
-              <a:rPr lang="en-US" sz="2400" dirty="0" err="1"/>
-              <a:t>i</a:t>
-            </a:r>
-            <a:r>
-              <a:rPr lang="en-US" sz="2400" dirty="0"/>
-              <a:t> </a:t>
-            </a:r>
-            <a:r>
-              <a:rPr lang="en-US" sz="2400" dirty="0" err="1"/>
-              <a:t>nazad</a:t>
-            </a:r>
-            <a:r>
-              <a:rPr lang="en-US" sz="2400" dirty="0"/>
-              <a:t>.</a:t>
-            </a:r>
-          </a:p>
-          <a:p>
-            <a:r>
-              <a:rPr lang="en-US" sz="2400" dirty="0"/>
-              <a:t>Figure </a:t>
-            </a:r>
-            <a:r>
-              <a:rPr lang="en-US" sz="2400" dirty="0" err="1"/>
-              <a:t>su</a:t>
-            </a:r>
-            <a:r>
-              <a:rPr lang="en-US" sz="2400" dirty="0"/>
-              <a:t> </a:t>
-            </a:r>
-            <a:r>
-              <a:rPr lang="en-US" sz="2400" dirty="0" err="1"/>
-              <a:t>tradicionalno</a:t>
-            </a:r>
-            <a:r>
-              <a:rPr lang="en-US" sz="2400" dirty="0"/>
-              <a:t> </a:t>
-            </a:r>
-            <a:r>
-              <a:rPr lang="en-US" sz="2400" dirty="0" err="1"/>
-              <a:t>obojene</a:t>
-            </a:r>
-            <a:r>
-              <a:rPr lang="en-US" sz="2400" dirty="0"/>
-              <a:t> </a:t>
-            </a:r>
-            <a:r>
-              <a:rPr lang="en-US" sz="2400" dirty="0" err="1"/>
-              <a:t>crno</a:t>
-            </a:r>
-            <a:r>
-              <a:rPr lang="en-US" sz="2400" dirty="0"/>
-              <a:t>, </a:t>
-            </a:r>
-            <a:r>
-              <a:rPr lang="en-US" sz="2400" dirty="0" err="1"/>
-              <a:t>crveno</a:t>
-            </a:r>
-            <a:r>
-              <a:rPr lang="en-US" sz="2400" dirty="0"/>
-              <a:t> </a:t>
-            </a:r>
-            <a:r>
-              <a:rPr lang="en-US" sz="2400" dirty="0" err="1"/>
-              <a:t>ili</a:t>
-            </a:r>
-            <a:r>
-              <a:rPr lang="en-US" sz="2400" dirty="0"/>
-              <a:t> </a:t>
-            </a:r>
-            <a:r>
-              <a:rPr lang="en-US" sz="2400" dirty="0" err="1"/>
-              <a:t>bijelo</a:t>
-            </a:r>
-            <a:r>
-              <a:rPr lang="en-US" sz="2400" dirty="0"/>
-              <a:t>. </a:t>
-            </a:r>
-            <a:r>
-              <a:rPr lang="en-US" sz="2400" dirty="0" err="1"/>
-              <a:t>Neprijateljske</a:t>
-            </a:r>
-            <a:r>
-              <a:rPr lang="en-US" sz="2400" dirty="0"/>
-              <a:t> figure se </a:t>
-            </a:r>
-            <a:r>
-              <a:rPr lang="en-US" sz="2400" dirty="0" err="1"/>
-              <a:t>zarobljavaju</a:t>
-            </a:r>
-            <a:r>
-              <a:rPr lang="en-US" sz="2400" dirty="0"/>
-              <a:t> </a:t>
-            </a:r>
-            <a:r>
-              <a:rPr lang="en-US" sz="2400" dirty="0" err="1"/>
-              <a:t>preskakanjem</a:t>
-            </a:r>
-            <a:r>
-              <a:rPr lang="en-US" sz="2400" dirty="0"/>
-              <a:t>.</a:t>
-            </a:r>
-          </a:p>
-          <a:p>
-            <a:endParaRPr lang="en-US" sz="2000" dirty="0"/>
-          </a:p>
-        </p:txBody>
-      </p:sp>
-      <p:sp>
-        <p:nvSpPr>
-          <p:cNvPr id="2" name="Title 1"/>
-          <p:cNvSpPr>
-            <a:spLocks noGrp="1"/>
-          </p:cNvSpPr>
-          <p:nvPr>
-            <p:ph type="title"/>
-          </p:nvPr>
-        </p:nvSpPr>
-        <p:spPr>
-          <a:xfrm>
-            <a:off x="467544" y="-171400"/>
-            <a:ext cx="8229600" cy="1008112"/>
-          </a:xfrm>
-        </p:spPr>
-        <p:txBody>
-          <a:bodyPr>
-            <a:normAutofit/>
-          </a:bodyPr>
-          <a:lstStyle/>
-          <a:p>
-            <a:pPr algn="ctr"/>
-            <a:r>
-              <a:rPr lang="sr-Latn-RS" sz="4800" dirty="0" smtClean="0"/>
-              <a:t>Checkers – Pravila igre</a:t>
-            </a:r>
-            <a:endParaRPr lang="en-US" sz="4800" dirty="0"/>
-          </a:p>
-        </p:txBody>
-      </p:sp>
-      <p:pic>
-        <p:nvPicPr>
-          <p:cNvPr id="4" name="Picture 3"/>
-          <p:cNvPicPr>
-            <a:picLocks noChangeAspect="1"/>
-          </p:cNvPicPr>
-          <p:nvPr/>
-        </p:nvPicPr>
-        <p:blipFill>
-          <a:blip r:embed="rId2">
-            <a:extLst>
-              <a:ext uri="{28A0092B-C50C-407E-A947-70E740481C1C}">
-                <a14:useLocalDpi xmlns:a14="http://schemas.microsoft.com/office/drawing/2010/main" val="0"/>
-              </a:ext>
-            </a:extLst>
-          </a:blip>
-          <a:stretch>
-            <a:fillRect/>
-          </a:stretch>
-        </p:blipFill>
-        <p:spPr>
-          <a:xfrm>
-            <a:off x="4499992" y="4221088"/>
-            <a:ext cx="4176464" cy="2359702"/>
-          </a:xfrm>
-          <a:prstGeom prst="rect">
-            <a:avLst/>
-          </a:prstGeom>
-        </p:spPr>
-      </p:pic>
-    </p:spTree>
-    <p:extLst>
-      <p:ext uri="{BB962C8B-B14F-4D97-AF65-F5344CB8AC3E}">
-        <p14:creationId xmlns:p14="http://schemas.microsoft.com/office/powerpoint/2010/main" val="1289774939"/>
-      </p:ext>
-    </p:extLst>
-  </p:cSld>
-  <p:clrMapOvr>
-    <a:masterClrMapping/>
-  </p:clrMapOvr>
-  <p:timing>
-    <p:tnLst>
-      <p:par>
-        <p:cTn id="1" dur="indefinite" restart="never" nodeType="tmRoot"/>
-      </p:par>
-    </p:tnLst>
-  </p:timing>
-</p:sld>
-</file>
-
 <file path=ppt/slides/slide3.xml><?xml version="1.0" encoding="utf-8"?>
 <p:sld xmlns:a="http://schemas.openxmlformats.org/drawingml/2006/main" xmlns:r="http://schemas.openxmlformats.org/officeDocument/2006/relationships" xmlns:p="http://schemas.openxmlformats.org/presentationml/2006/main">
   <p:cSld>
@@ -6245,7 +8816,19 @@
           <a:p>
             <a:r>
               <a:rPr lang="sr-Latn-RS" sz="2400" dirty="0" smtClean="0"/>
-              <a:t>Implementacija VI da se ponaša kao čovjek</a:t>
+              <a:t>Implementacija </a:t>
+            </a:r>
+            <a:r>
+              <a:rPr lang="en-US" sz="2400" dirty="0" smtClean="0"/>
+              <a:t>A</a:t>
+            </a:r>
+            <a:r>
+              <a:rPr lang="sr-Latn-RS" sz="2400" dirty="0" smtClean="0"/>
+              <a:t>I </a:t>
+            </a:r>
+            <a:r>
+              <a:rPr lang="sr-Latn-RS" sz="2400" dirty="0" smtClean="0"/>
+              <a:t>da se ponaša kao čovek</a:t>
             </a:r>
           </a:p>
           <a:p>
@@ -6392,8 +8975,8 @@
           <a:p>
             <a:pPr algn="ctr"/>
             <a:r>
-              <a:rPr lang="sr-Latn-RS" sz="5400" dirty="0"/>
-              <a:t>Slična rješenja</a:t>
+              <a:rPr lang="sr-Latn-RS" sz="5400" dirty="0" smtClean="0"/>
+              <a:t>Postojeća rešenja</a:t>
             </a:r>
             <a:endParaRPr lang="en-US" sz="4800" dirty="0"/>
           </a:p>
@@ -6592,7 +9175,7 @@
           </a:lstStyle>
           <a:p>
             <a:r>
-              <a:rPr lang="sr-Latn-RS" sz="2400" b="1" dirty="0" smtClean="0">
+              <a:rPr lang="en-US" sz="2400" b="1" dirty="0">
                 <a:solidFill>
                   <a:schemeClr val="accent2"/>
                 </a:solidFill>
@@ -6604,10 +9187,10 @@
                   </a:outerShdw>
                 </a:effectLst>
               </a:rPr>
-              <a:t>DamePlus</a:t>
-            </a:r>
-            <a:r>
-              <a:rPr lang="sr-Latn-RS" sz="2400" dirty="0" smtClean="0">
+              <a:t>Chinook</a:t>
+            </a:r>
+            <a:r>
+              <a:rPr lang="sr-Latn-RS" sz="2400" dirty="0">
                 <a:solidFill>
                   <a:schemeClr val="accent2"/>
                 </a:solidFill>
@@ -6622,55 +9205,204 @@
               <a:t> </a:t>
             </a:r>
             <a:r>
-              <a:rPr lang="sr-Latn-RS" sz="2400" dirty="0" smtClean="0"/>
-              <a:t>– A checkers game (link možete pogledati </a:t>
-            </a:r>
-            <a:r>
-              <a:rPr lang="sr-Latn-RS" sz="2400" dirty="0" smtClean="0">
-                <a:solidFill>
-                  <a:schemeClr val="accent3">
-                    <a:lumMod val="50000"/>
-                  </a:schemeClr>
-                </a:solidFill>
-                <a:hlinkClick r:id="rId2"/>
-              </a:rPr>
-              <a:t>ovde</a:t>
-            </a:r>
-            <a:r>
-              <a:rPr lang="sr-Latn-RS" sz="2400" dirty="0" smtClean="0"/>
-              <a:t>). </a:t>
-            </a:r>
-            <a:r>
               <a:rPr lang="sr-Latn-RS" sz="2400" dirty="0"/>
-              <a:t> </a:t>
-            </a:r>
-            <a:r>
-              <a:rPr lang="sr-Latn-RS" sz="2400" dirty="0" smtClean="0"/>
-              <a:t>Igra bazirana na OpenGL-u. Sadrži nekoliko vrsta igre (</a:t>
-            </a:r>
-            <a:r>
-              <a:rPr lang="de-DE" sz="2400" dirty="0"/>
-              <a:t>"Dame", "Dame International", "Wolf und </a:t>
-            </a:r>
-            <a:r>
-              <a:rPr lang="de-DE" sz="2400" dirty="0" smtClean="0"/>
-              <a:t>Schaf"</a:t>
-            </a:r>
-            <a:r>
-              <a:rPr lang="sr-Latn-RS" sz="2400" dirty="0" smtClean="0"/>
-              <a:t> ) </a:t>
-            </a:r>
+              <a:t>–</a:t>
+            </a:r>
+            <a:r>
+              <a:rPr lang="en-US" sz="2400" dirty="0"/>
+              <a:t> </a:t>
+            </a:r>
+            <a:r>
+              <a:rPr lang="en-US" sz="2400" dirty="0" err="1"/>
+              <a:t>Kompjuterski</a:t>
+            </a:r>
+            <a:r>
+              <a:rPr lang="en-US" sz="2400" dirty="0"/>
+              <a:t> program </a:t>
+            </a:r>
+            <a:r>
+              <a:rPr lang="en-US" sz="2400" dirty="0" err="1"/>
+              <a:t>koji</a:t>
+            </a:r>
+            <a:r>
+              <a:rPr lang="en-US" sz="2400" dirty="0"/>
+              <a:t> </a:t>
+            </a:r>
+            <a:r>
+              <a:rPr lang="en-US" sz="2400" dirty="0" err="1"/>
+              <a:t>igra</a:t>
+            </a:r>
+            <a:r>
+              <a:rPr lang="en-US" sz="2400" dirty="0"/>
+              <a:t> </a:t>
+            </a:r>
+            <a:r>
+              <a:rPr lang="en-US" sz="2400" dirty="0" err="1"/>
+              <a:t>checkeres</a:t>
+            </a:r>
+            <a:r>
+              <a:rPr lang="en-US" sz="2400" dirty="0"/>
+              <a:t>, </a:t>
+            </a:r>
+            <a:r>
+              <a:rPr lang="en-US" sz="2400" dirty="0" err="1"/>
+              <a:t>razvijen</a:t>
+            </a:r>
+            <a:r>
+              <a:rPr lang="en-US" sz="2400" dirty="0"/>
+              <a:t> od </a:t>
+            </a:r>
+            <a:r>
+              <a:rPr lang="en-US" sz="2400" dirty="0" err="1"/>
+              <a:t>strane</a:t>
+            </a:r>
+            <a:r>
+              <a:rPr lang="en-US" sz="2400" dirty="0"/>
+              <a:t> </a:t>
+            </a:r>
+            <a:r>
+              <a:rPr lang="en-US" sz="2400" dirty="0" err="1"/>
+              <a:t>Univerziteta</a:t>
+            </a:r>
+            <a:r>
+              <a:rPr lang="en-US" sz="2400" dirty="0"/>
+              <a:t> u </a:t>
+            </a:r>
+            <a:r>
+              <a:rPr lang="en-US" sz="2400" dirty="0" err="1"/>
+              <a:t>Alberti</a:t>
+            </a:r>
+            <a:r>
+              <a:rPr lang="en-US" sz="2400" dirty="0"/>
+              <a:t>. </a:t>
+            </a:r>
+            <a:r>
+              <a:rPr lang="en-US" sz="2400" dirty="0" err="1"/>
+              <a:t>Koristi</a:t>
+            </a:r>
+            <a:r>
+              <a:rPr lang="en-US" sz="2400" dirty="0"/>
+              <a:t> deep search </a:t>
+            </a:r>
+            <a:r>
+              <a:rPr lang="en-US" sz="2400" dirty="0" err="1"/>
+              <a:t>algoritam</a:t>
+            </a:r>
+            <a:r>
+              <a:rPr lang="en-US" sz="2400" dirty="0"/>
+              <a:t> </a:t>
+            </a:r>
+            <a:r>
+              <a:rPr lang="en-US" sz="2400" dirty="0" err="1"/>
+              <a:t>i</a:t>
+            </a:r>
+            <a:r>
+              <a:rPr lang="en-US" sz="2400" dirty="0"/>
+              <a:t> </a:t>
+            </a:r>
+            <a:r>
+              <a:rPr lang="en-US" sz="2400" dirty="0" err="1"/>
+              <a:t>funkciju</a:t>
+            </a:r>
+            <a:r>
+              <a:rPr lang="en-US" sz="2400" dirty="0"/>
+              <a:t> </a:t>
+            </a:r>
+            <a:r>
+              <a:rPr lang="en-US" sz="2400" dirty="0" err="1"/>
+              <a:t>evaluacije</a:t>
+            </a:r>
+            <a:r>
+              <a:rPr lang="en-US" sz="2400" dirty="0"/>
+              <a:t> </a:t>
+            </a:r>
+            <a:r>
+              <a:rPr lang="en-US" sz="2400" dirty="0" err="1"/>
+              <a:t>za</a:t>
+            </a:r>
+            <a:r>
+              <a:rPr lang="en-US" sz="2400" dirty="0"/>
+              <a:t> </a:t>
+            </a:r>
+            <a:r>
+              <a:rPr lang="en-US" sz="2400" dirty="0" err="1"/>
+              <a:t>odabir</a:t>
+            </a:r>
+            <a:r>
+              <a:rPr lang="en-US" sz="2400" dirty="0"/>
+              <a:t> </a:t>
+            </a:r>
+            <a:r>
+              <a:rPr lang="en-US" sz="2400" dirty="0" err="1"/>
+              <a:t>poteza</a:t>
+            </a:r>
+            <a:r>
+              <a:rPr lang="en-US" sz="2400" dirty="0"/>
+              <a:t> </a:t>
+            </a:r>
+            <a:r>
+              <a:rPr lang="en-US" sz="2400" dirty="0" err="1"/>
+              <a:t>i</a:t>
+            </a:r>
+            <a:r>
+              <a:rPr lang="en-US" sz="2400" dirty="0"/>
+              <a:t> </a:t>
+            </a:r>
+            <a:r>
+              <a:rPr lang="en-US" sz="2400" dirty="0" err="1"/>
+              <a:t>baze</a:t>
+            </a:r>
+            <a:r>
+              <a:rPr lang="en-US" sz="2400" dirty="0"/>
+              <a:t> </a:t>
+            </a:r>
+            <a:r>
+              <a:rPr lang="en-US" sz="2400" dirty="0" err="1"/>
+              <a:t>sa</a:t>
+            </a:r>
+            <a:r>
+              <a:rPr lang="en-US" sz="2400" dirty="0"/>
+              <a:t> </a:t>
+            </a:r>
+            <a:r>
+              <a:rPr lang="en-US" sz="2400" dirty="0" err="1"/>
+              <a:t>podacima</a:t>
+            </a:r>
+            <a:r>
+              <a:rPr lang="en-US" sz="2400" dirty="0"/>
+              <a:t> o </a:t>
+            </a:r>
+            <a:r>
+              <a:rPr lang="en-US" sz="2400" dirty="0" err="1"/>
+              <a:t>potezima</a:t>
+            </a:r>
+            <a:r>
+              <a:rPr lang="en-US" sz="2400" dirty="0"/>
+              <a:t> </a:t>
+            </a:r>
+            <a:r>
+              <a:rPr lang="en-US" sz="2400" dirty="0" err="1"/>
+              <a:t>i</a:t>
+            </a:r>
+            <a:r>
+              <a:rPr lang="en-US" sz="2400" dirty="0"/>
+              <a:t> </a:t>
+            </a:r>
+            <a:r>
+              <a:rPr lang="en-US" sz="2400" dirty="0" err="1"/>
+              <a:t>stanjima</a:t>
+            </a:r>
+            <a:r>
+              <a:rPr lang="en-US" sz="2400" dirty="0"/>
+              <a:t> table. </a:t>
+            </a:r>
+          </a:p>
+          <a:p>
             <a:endParaRPr lang="sr-Latn-RS" sz="2400" dirty="0"/>
           </a:p>
           <a:p>
-            <a:endParaRPr lang="sr-Latn-RS" sz="2400" dirty="0" smtClean="0"/>
-          </a:p>
-          <a:p>
-            <a:endParaRPr lang="sr-Latn-RS" sz="2400" dirty="0" smtClean="0"/>
-          </a:p>
-          <a:p>
-            <a:r>
-              <a:rPr lang="sr-Latn-RS" sz="2400" b="1" dirty="0" smtClean="0">
+            <a:r>
+              <a:rPr lang="en-US" sz="2400" b="1" dirty="0">
                 <a:solidFill>
                   <a:schemeClr val="accent2"/>
                 </a:solidFill>
@@ -6682,98 +9414,16 @@
                   </a:outerShdw>
                 </a:effectLst>
               </a:rPr>
-              <a:t>SharpCheckers</a:t>
-            </a:r>
-            <a:r>
-              <a:rPr lang="sr-Latn-RS" sz="2400" dirty="0" smtClean="0">
-                <a:solidFill>
-                  <a:schemeClr val="accent2"/>
-                </a:solidFill>
-                <a:effectLst>
-                  <a:outerShdw blurRad="38100" dist="38100" dir="2700000" algn="tl">
-                    <a:srgbClr val="000000">
-                      <a:alpha val="43137"/>
-                    </a:srgbClr>
-                  </a:outerShdw>
-                </a:effectLst>
-              </a:rPr>
-              <a:t> </a:t>
-            </a:r>
-            <a:r>
-              <a:rPr lang="sr-Latn-RS" sz="2400" dirty="0" smtClean="0"/>
-              <a:t>– igra pisana koristeći </a:t>
-            </a:r>
-          </a:p>
-          <a:p>
-            <a:pPr marL="109728" indent="0">
-              <a:buNone/>
-            </a:pPr>
-            <a:r>
-              <a:rPr lang="sr-Latn-RS" sz="2400" dirty="0" smtClean="0"/>
-              <a:t>MVP (Model View Presenter) šablon,</a:t>
-            </a:r>
-          </a:p>
-          <a:p>
-            <a:pPr marL="109728" indent="0">
-              <a:buNone/>
-            </a:pPr>
-            <a:r>
-              <a:rPr lang="sr-Latn-RS" sz="2400" dirty="0" smtClean="0"/>
-              <a:t> nastao kao test-verzija igre. </a:t>
-            </a:r>
-          </a:p>
-          <a:p>
-            <a:pPr marL="109728" indent="0">
-              <a:buNone/>
-            </a:pPr>
-            <a:r>
-              <a:rPr lang="sr-Latn-RS" sz="2400" dirty="0" smtClean="0"/>
-              <a:t>(link možete pogledati </a:t>
-            </a:r>
-            <a:r>
-              <a:rPr lang="sr-Latn-RS" sz="2400" dirty="0" smtClean="0">
-                <a:hlinkClick r:id="rId3"/>
-              </a:rPr>
-              <a:t>ovde</a:t>
-            </a:r>
-            <a:r>
-              <a:rPr lang="sr-Latn-RS" sz="2400" dirty="0" smtClean="0"/>
-              <a:t>)</a:t>
+              <a:t>Blondie24</a:t>
+            </a:r>
+            <a:r>
+              <a:rPr lang="sr-Latn-RS" sz="2400" dirty="0"/>
+              <a:t>– Razvijen od strane tima koji je prodvodio David B. Fogel. Svrha projekta je bila da se pokaže uspješnost igranja checkersa primjenom vještačke inteligencije. Implementacija je bazirana na minimax algoritmu ali se za odabir poteza koristi neuronsku mrežu.</a:t>
             </a:r>
             <a:endParaRPr lang="en-US" sz="2400" dirty="0"/>
           </a:p>
         </p:txBody>
       </p:sp>
-      <p:pic>
-        <p:nvPicPr>
-          <p:cNvPr id="4" name="Picture 3"/>
-          <p:cNvPicPr>
-            <a:picLocks noChangeAspect="1"/>
-          </p:cNvPicPr>
-          <p:nvPr/>
-        </p:nvPicPr>
-        <p:blipFill>
-          <a:blip r:embed="rId4">
-            <a:extLst>
-              <a:ext uri="{28A0092B-C50C-407E-A947-70E740481C1C}">
-                <a14:useLocalDpi xmlns:a14="http://schemas.microsoft.com/office/drawing/2010/main" val="0"/>
-              </a:ext>
-            </a:extLst>
-          </a:blip>
-          <a:stretch>
-            <a:fillRect/>
-          </a:stretch>
-        </p:blipFill>
-        <p:spPr>
-          <a:xfrm>
-            <a:off x="5580112" y="3044193"/>
-            <a:ext cx="3206874" cy="3574541"/>
-          </a:xfrm>
-          <a:prstGeom prst="rect">
-            <a:avLst/>
-          </a:prstGeom>
-        </p:spPr>
-      </p:pic>
     </p:spTree>
     <p:extLst>
       <p:ext uri="{BB962C8B-B14F-4D97-AF65-F5344CB8AC3E}">
@@ -6813,7 +9463,285 @@
       </p:grpSpPr>
       <p:sp>
         <p:nvSpPr>
-          <p:cNvPr id="3" name="Content Placeholder 1"/>
+          <p:cNvPr id="2" name="Title 1"/>
+          <p:cNvSpPr>
+            <a:spLocks noGrp="1"/>
+          </p:cNvSpPr>
+          <p:nvPr>
+            <p:ph type="title"/>
+          </p:nvPr>
+        </p:nvSpPr>
+        <p:spPr>
+          <a:xfrm>
+            <a:off x="0" y="116632"/>
+            <a:ext cx="9144000" cy="1143000"/>
+          </a:xfrm>
+        </p:spPr>
+        <p:txBody>
+          <a:bodyPr>
+            <a:normAutofit/>
+          </a:bodyPr>
+          <a:lstStyle/>
+          <a:p>
+            <a:pPr algn="ctr"/>
+            <a:r>
+              <a:rPr lang="en-US" sz="6000" dirty="0" err="1" smtClean="0"/>
+              <a:t>Implementacija</a:t>
+            </a:r>
+            <a:r>
+              <a:rPr lang="en-US" sz="6000" dirty="0" smtClean="0"/>
+              <a:t> re</a:t>
+            </a:r>
+            <a:r>
+              <a:rPr lang="sr-Latn-RS" sz="6000" dirty="0" smtClean="0"/>
+              <a:t>šenja</a:t>
+            </a:r>
+            <a:endParaRPr lang="en-US" sz="6000" dirty="0"/>
+          </a:p>
+        </p:txBody>
+      </p:sp>
+      <p:pic>
+        <p:nvPicPr>
+          <p:cNvPr id="3" name="Picture 2"/>
+          <p:cNvPicPr>
+            <a:picLocks noChangeAspect="1"/>
+          </p:cNvPicPr>
+          <p:nvPr/>
+        </p:nvPicPr>
+        <p:blipFill>
+          <a:blip r:embed="rId2">
+            <a:extLst>
+              <a:ext uri="{28A0092B-C50C-407E-A947-70E740481C1C}">
+                <a14:useLocalDpi xmlns:a14="http://schemas.microsoft.com/office/drawing/2010/main" val="0"/>
+              </a:ext>
+            </a:extLst>
+          </a:blip>
+          <a:stretch>
+            <a:fillRect/>
+          </a:stretch>
+        </p:blipFill>
+        <p:spPr>
+          <a:xfrm>
+            <a:off x="971600" y="1484784"/>
+            <a:ext cx="7611244" cy="4288025"/>
+          </a:xfrm>
+          <a:prstGeom prst="rect">
+            <a:avLst/>
+          </a:prstGeom>
+          <a:ln>
+            <a:noFill/>
+          </a:ln>
+          <a:effectLst>
+            <a:outerShdw blurRad="292100" dist="139700" dir="2700000" algn="tl" rotWithShape="0">
+              <a:srgbClr val="333333">
+                <a:alpha val="65000"/>
+              </a:srgbClr>
+            </a:outerShdw>
+          </a:effectLst>
+        </p:spPr>
+      </p:pic>
+    </p:spTree>
+    <p:extLst>
+      <p:ext uri="{BB962C8B-B14F-4D97-AF65-F5344CB8AC3E}">
+        <p14:creationId xmlns:p14="http://schemas.microsoft.com/office/powerpoint/2010/main" val="2872422575"/>
+      </p:ext>
+    </p:extLst>
+  </p:cSld>
+  <p:clrMapOvr>
+    <a:masterClrMapping/>
+  </p:clrMapOvr>
+  <p:timing>
+    <p:tnLst>
+      <p:par>
+        <p:cTn id="1" dur="indefinite" restart="never" nodeType="tmRoot"/>
+      </p:par>
+    </p:tnLst>
+  </p:timing>
+</p:sld>
+</file>
+
+<file path=ppt/slides/slide6.xml><?xml version="1.0" encoding="utf-8"?>
+<p:sld xmlns:a="http://schemas.openxmlformats.org/drawingml/2006/main" xmlns:r="http://schemas.openxmlformats.org/officeDocument/2006/relationships" xmlns:p="http://schemas.openxmlformats.org/presentationml/2006/main">
+  <p:cSld>
+    <p:spTree>
+      <p:nvGrpSpPr>
+        <p:cNvPr id="1" name=""/>
+        <p:cNvGrpSpPr/>
+        <p:nvPr/>
+      </p:nvGrpSpPr>
+      <p:grpSpPr>
+        <a:xfrm>
+          <a:off x="0" y="0"/>
+          <a:ext cx="0" cy="0"/>
+          <a:chOff x="0" y="0"/>
+          <a:chExt cx="0" cy="0"/>
+        </a:xfrm>
+      </p:grpSpPr>
+      <p:sp>
+        <p:nvSpPr>
+          <p:cNvPr id="2" name="Content Placeholder 1"/>
+          <p:cNvSpPr>
+            <a:spLocks noGrp="1"/>
+          </p:cNvSpPr>
+          <p:nvPr>
+            <p:ph idx="1"/>
+          </p:nvPr>
+        </p:nvSpPr>
+        <p:spPr>
+          <a:xfrm>
+            <a:off x="251520" y="1052736"/>
+            <a:ext cx="8651304" cy="4968553"/>
+          </a:xfrm>
+        </p:spPr>
+        <p:txBody>
+          <a:bodyPr/>
+          <a:lstStyle/>
+          <a:p>
+            <a:r>
+              <a:rPr lang="sr-Latn-RS" sz="2400" dirty="0" smtClean="0"/>
+              <a:t>Kreiranje mogućih stanja igre. Ovo uključuje logiku identifikovanja terminalnih stanja i generisanja narednih stanja za svako moguće stanje.</a:t>
+            </a:r>
+          </a:p>
+          <a:p>
+            <a:endParaRPr lang="sr-Latn-RS" sz="2400" dirty="0" smtClean="0"/>
+          </a:p>
+          <a:p>
+            <a:r>
+              <a:rPr lang="sr-Latn-RS" sz="2400" dirty="0" smtClean="0"/>
+              <a:t>Kreiranje evaluacijske funkcije (procjenu) za svako stanje</a:t>
+            </a:r>
+          </a:p>
+          <a:p>
+            <a:endParaRPr lang="sr-Latn-RS" sz="2400" dirty="0" smtClean="0"/>
+          </a:p>
+          <a:p>
+            <a:r>
+              <a:rPr lang="sr-Latn-RS" sz="2400" dirty="0" smtClean="0"/>
+              <a:t>Implementacija algoritma za pretragu</a:t>
+            </a:r>
+          </a:p>
+          <a:p>
+            <a:endParaRPr lang="sr-Latn-RS" sz="2400" dirty="0" smtClean="0"/>
+          </a:p>
+          <a:p>
+            <a:r>
+              <a:rPr lang="sr-Latn-RS" sz="2400" dirty="0" smtClean="0"/>
+              <a:t>Integracija: </a:t>
+            </a:r>
+            <a:r>
+              <a:rPr lang="sr-Latn-RS" sz="2400" dirty="0"/>
+              <a:t>Prihvatanje opisa stanja i odigravanje poteza</a:t>
+            </a:r>
+          </a:p>
+          <a:p>
+            <a:endParaRPr lang="en-US" sz="2000" dirty="0"/>
+          </a:p>
+        </p:txBody>
+      </p:sp>
+      <p:sp>
+        <p:nvSpPr>
+          <p:cNvPr id="3" name="Title 2"/>
+          <p:cNvSpPr>
+            <a:spLocks noGrp="1"/>
+          </p:cNvSpPr>
+          <p:nvPr>
+            <p:ph type="title"/>
+          </p:nvPr>
+        </p:nvSpPr>
+        <p:spPr>
+          <a:xfrm>
+            <a:off x="467544" y="-171400"/>
+            <a:ext cx="8229600" cy="1143000"/>
+          </a:xfrm>
+        </p:spPr>
+        <p:txBody>
+          <a:bodyPr>
+            <a:normAutofit/>
+          </a:bodyPr>
+          <a:lstStyle/>
+          <a:p>
+            <a:pPr algn="ctr"/>
+            <a:r>
+              <a:rPr lang="sr-Latn-RS" sz="4800" dirty="0" smtClean="0"/>
+              <a:t>Koraci implementacije</a:t>
+            </a:r>
+            <a:endParaRPr lang="en-US" sz="4800" dirty="0"/>
+          </a:p>
+        </p:txBody>
+      </p:sp>
+    </p:spTree>
+    <p:extLst>
+      <p:ext uri="{BB962C8B-B14F-4D97-AF65-F5344CB8AC3E}">
+        <p14:creationId xmlns:p14="http://schemas.microsoft.com/office/powerpoint/2010/main" val="1525152891"/>
+      </p:ext>
+    </p:extLst>
+  </p:cSld>
+  <p:clrMapOvr>
+    <a:masterClrMapping/>
+  </p:clrMapOvr>
+  <p:timing>
+    <p:tnLst>
+      <p:par>
+        <p:cTn id="1" dur="indefinite" restart="never" nodeType="tmRoot"/>
+      </p:par>
+    </p:tnLst>
+  </p:timing>
+</p:sld>
+</file>
+
+<file path=ppt/slides/slide7.xml><?xml version="1.0" encoding="utf-8"?>
+<p:sld xmlns:a="http://schemas.openxmlformats.org/drawingml/2006/main" xmlns:r="http://schemas.openxmlformats.org/officeDocument/2006/relationships" xmlns:p="http://schemas.openxmlformats.org/presentationml/2006/main">
+  <p:cSld>
+    <p:spTree>
+      <p:nvGrpSpPr>
+        <p:cNvPr id="1" name=""/>
+        <p:cNvGrpSpPr/>
+        <p:nvPr/>
+      </p:nvGrpSpPr>
+      <p:grpSpPr>
+        <a:xfrm>
+          <a:off x="0" y="0"/>
+          <a:ext cx="0" cy="0"/>
+          <a:chOff x="0" y="0"/>
+          <a:chExt cx="0" cy="0"/>
+        </a:xfrm>
+      </p:grpSpPr>
+      <p:sp>
+        <p:nvSpPr>
+          <p:cNvPr id="3" name="Title 2"/>
+          <p:cNvSpPr>
+            <a:spLocks noGrp="1"/>
+          </p:cNvSpPr>
+          <p:nvPr>
+            <p:ph type="title"/>
+          </p:nvPr>
+        </p:nvSpPr>
+        <p:spPr>
+          <a:xfrm>
+            <a:off x="0" y="0"/>
+            <a:ext cx="9144000" cy="850106"/>
+          </a:xfrm>
+        </p:spPr>
+        <p:txBody>
+          <a:bodyPr/>
+          <a:lstStyle/>
+          <a:p>
+            <a:pPr algn="ctr"/>
+            <a:r>
+              <a:rPr lang="sr-Latn-RS" sz="4400" dirty="0" smtClean="0"/>
+              <a:t>Kreiranje </a:t>
+            </a:r>
+            <a:r>
+              <a:rPr lang="sr-Latn-RS" sz="4400" dirty="0"/>
+              <a:t>mogućih stanja igre</a:t>
+            </a:r>
+            <a:endParaRPr lang="en-US" dirty="0"/>
+          </a:p>
+        </p:txBody>
+      </p:sp>
+      <p:sp>
+        <p:nvSpPr>
+          <p:cNvPr id="6" name="Content Placeholder 1"/>
           <p:cNvSpPr txBox="1">
             <a:spLocks/>
           </p:cNvSpPr>
@@ -6821,8 +9749,8 @@
         </p:nvSpPr>
         <p:spPr>
           <a:xfrm>
-            <a:off x="27353" y="188640"/>
-            <a:ext cx="8792826" cy="2304256"/>
+            <a:off x="86600" y="764704"/>
+            <a:ext cx="8856984" cy="3240360"/>
           </a:xfrm>
           <a:prstGeom prst="rect">
             <a:avLst/>
@@ -7004,56 +9932,89 @@
           </a:lstStyle>
           <a:p>
             <a:r>
-              <a:rPr lang="sr-Latn-RS" sz="2800" dirty="0" smtClean="0">
-                <a:solidFill>
-                  <a:schemeClr val="tx2"/>
-                </a:solidFill>
-              </a:rPr>
-              <a:t>Pristup problemu upotrebom  </a:t>
-            </a:r>
-            <a:r>
-              <a:rPr lang="sr-Latn-RS" sz="2800" b="1" dirty="0" smtClean="0">
-                <a:solidFill>
-                  <a:schemeClr val="accent1"/>
-                </a:solidFill>
-                <a:effectLst>
-                  <a:outerShdw blurRad="38100" dist="38100" dir="2700000" algn="tl">
-                    <a:srgbClr val="000000">
-                      <a:alpha val="43137"/>
-                    </a:srgbClr>
-                  </a:outerShdw>
-                </a:effectLst>
-              </a:rPr>
-              <a:t>Minimax</a:t>
-            </a:r>
-            <a:r>
-              <a:rPr lang="sr-Latn-RS" sz="2800" dirty="0" smtClean="0">
-                <a:solidFill>
-                  <a:schemeClr val="accent1"/>
-                </a:solidFill>
-                <a:effectLst>
-                  <a:outerShdw blurRad="38100" dist="38100" dir="2700000" algn="tl">
-                    <a:srgbClr val="000000">
-                      <a:alpha val="43137"/>
-                    </a:srgbClr>
-                  </a:outerShdw>
-                </a:effectLst>
-              </a:rPr>
-              <a:t> </a:t>
-            </a:r>
-            <a:r>
-              <a:rPr lang="sr-Latn-RS" sz="2800" dirty="0" smtClean="0">
-                <a:solidFill>
-                  <a:schemeClr val="tx2"/>
-                </a:solidFill>
-              </a:rPr>
-              <a:t>algoritma</a:t>
-            </a:r>
-            <a:endParaRPr lang="en-US" sz="2800" dirty="0" smtClean="0">
-              <a:solidFill>
-                <a:schemeClr val="tx2"/>
-              </a:solidFill>
-            </a:endParaRPr>
+              <a:rPr lang="sr-Latn-RS" sz="2000" dirty="0" smtClean="0"/>
+              <a:t>GUI (kreiranje table, podela u kvadrate, definisanje i učitavanje figura, pozicioniranje)  - </a:t>
+            </a:r>
+            <a:r>
+              <a:rPr lang="en-US" sz="2000" dirty="0" err="1" smtClean="0"/>
+              <a:t>funkcije</a:t>
+            </a:r>
+            <a:r>
+              <a:rPr lang="en-US" sz="2000" dirty="0" smtClean="0"/>
+              <a:t> </a:t>
+            </a:r>
+            <a:r>
+              <a:rPr lang="sr-Latn-RS" sz="2000" dirty="0" smtClean="0"/>
+              <a:t>Square i BoardPanel</a:t>
+            </a:r>
+          </a:p>
+          <a:p>
+            <a:r>
+              <a:rPr lang="sr-Latn-RS" sz="2000" dirty="0" smtClean="0"/>
+              <a:t>Definisanje mogućeg pravca kretanja za figure (u zavisnosti od boje, pomoću x i y osa), način čuvanja pojedenih figura i kraljeva  - </a:t>
+            </a:r>
+            <a:r>
+              <a:rPr lang="en-US" sz="2000" dirty="0" err="1" smtClean="0"/>
+              <a:t>funkcije</a:t>
+            </a:r>
+            <a:r>
+              <a:rPr lang="en-US" sz="2000" dirty="0" smtClean="0"/>
+              <a:t> </a:t>
+            </a:r>
+            <a:r>
+              <a:rPr lang="sr-Latn-RS" sz="2000" dirty="0" smtClean="0"/>
+              <a:t>Move i Utils</a:t>
+            </a:r>
+          </a:p>
+          <a:p>
+            <a:r>
+              <a:rPr lang="sr-Latn-RS" sz="2000" dirty="0" smtClean="0"/>
+              <a:t>Definisanje listenera za odigran potez,</a:t>
+            </a:r>
+          </a:p>
+          <a:p>
+            <a:pPr marL="109728" indent="0">
+              <a:buNone/>
+            </a:pPr>
+            <a:r>
+              <a:rPr lang="sr-Latn-RS" sz="2000" dirty="0" smtClean="0"/>
+              <a:t> kao i za pomeranje figure </a:t>
+            </a:r>
+          </a:p>
+          <a:p>
+            <a:pPr marL="109728" indent="0">
+              <a:buNone/>
+            </a:pPr>
+            <a:r>
+              <a:rPr lang="sr-Latn-RS" sz="2000" dirty="0" smtClean="0"/>
+              <a:t>(</a:t>
+            </a:r>
+            <a:r>
+              <a:rPr lang="sr-Latn-RS" sz="2000" dirty="0"/>
+              <a:t>obična ili kralj</a:t>
+            </a:r>
+            <a:r>
+              <a:rPr lang="sr-Latn-RS" sz="2000" dirty="0" smtClean="0"/>
+              <a:t>) – </a:t>
+            </a:r>
+            <a:r>
+              <a:rPr lang="en-US" sz="2000" dirty="0" err="1" smtClean="0"/>
+              <a:t>funkcija</a:t>
+            </a:r>
+            <a:r>
+              <a:rPr lang="en-US" sz="2000" dirty="0" smtClean="0"/>
+              <a:t> </a:t>
+            </a:r>
+            <a:r>
+              <a:rPr lang="sr-Latn-RS" sz="2000" dirty="0" smtClean="0"/>
+              <a:t>BoardPanel</a:t>
+            </a:r>
+          </a:p>
+          <a:p>
+            <a:endParaRPr lang="sr-Latn-RS" sz="2000" dirty="0" smtClean="0"/>
+          </a:p>
+          <a:p>
+            <a:endParaRPr lang="sr-Latn-RS" sz="2000" dirty="0" smtClean="0"/>
           </a:p>
           <a:p>
             <a:endParaRPr lang="sr-Latn-RS" sz="2400" dirty="0" smtClean="0"/>
@@ -7062,11 +10023,13 @@
       </p:sp>
       <p:pic>
         <p:nvPicPr>
-          <p:cNvPr id="6" name="Picture 5"/>
+          <p:cNvPr id="8" name="Content Placeholder 7"/>
           <p:cNvPicPr>
-            <a:picLocks noChangeAspect="1"/>
+            <a:picLocks noGrp="1" noChangeAspect="1"/>
           </p:cNvPicPr>
-          <p:nvPr/>
+          <p:nvPr>
+            <p:ph idx="1"/>
+          </p:nvPr>
         </p:nvPicPr>
         <p:blipFill>
           <a:blip r:embed="rId2">
@@ -7082,8 +10045,8 @@
         </p:blipFill>
         <p:spPr>
           <a:xfrm>
-            <a:off x="683568" y="1556792"/>
-            <a:ext cx="8028384" cy="4073809"/>
+            <a:off x="5085092" y="2204864"/>
+            <a:ext cx="3879396" cy="4525962"/>
           </a:xfrm>
           <a:prstGeom prst="rect">
             <a:avLst/>
@@ -7100,214 +10063,81 @@
           </a:effectLst>
         </p:spPr>
       </p:pic>
+      <p:sp>
+        <p:nvSpPr>
+          <p:cNvPr id="2" name="TextBox 1"/>
+          <p:cNvSpPr txBox="1"/>
+          <p:nvPr/>
+        </p:nvSpPr>
+        <p:spPr>
+          <a:xfrm>
+            <a:off x="2937025" y="5805264"/>
+            <a:ext cx="2088232" cy="646331"/>
+          </a:xfrm>
+          <a:prstGeom prst="rect">
+            <a:avLst/>
+          </a:prstGeom>
+        </p:spPr>
+        <p:style>
+          <a:lnRef idx="2">
+            <a:schemeClr val="accent1"/>
+          </a:lnRef>
+          <a:fillRef idx="1">
+            <a:schemeClr val="lt1"/>
+          </a:fillRef>
+          <a:effectRef idx="0">
+            <a:schemeClr val="accent1"/>
+          </a:effectRef>
+          <a:fontRef idx="minor">
+            <a:schemeClr val="dk1"/>
+          </a:fontRef>
+        </p:style>
+        <p:txBody>
+          <a:bodyPr wrap="square" rtlCol="0">
+            <a:spAutoFit/>
+          </a:bodyPr>
+          <a:lstStyle/>
+          <a:p>
+            <a:r>
+              <a:rPr lang="en-US" dirty="0" err="1" smtClean="0"/>
+              <a:t>Slika</a:t>
+            </a:r>
+            <a:r>
+              <a:rPr lang="en-US" dirty="0" smtClean="0"/>
+              <a:t> </a:t>
+            </a:r>
+            <a:r>
+              <a:rPr lang="en-US" dirty="0" err="1" smtClean="0"/>
+              <a:t>inicijalnog</a:t>
+            </a:r>
+            <a:r>
+              <a:rPr lang="en-US" dirty="0" smtClean="0"/>
+              <a:t> </a:t>
+            </a:r>
+            <a:r>
+              <a:rPr lang="en-US" dirty="0" err="1" smtClean="0"/>
+              <a:t>stanja</a:t>
+            </a:r>
+            <a:r>
+              <a:rPr lang="en-US" dirty="0" smtClean="0"/>
+              <a:t> </a:t>
+            </a:r>
+            <a:r>
+              <a:rPr lang="en-US" dirty="0" err="1" smtClean="0"/>
+              <a:t>aplikacije</a:t>
+            </a:r>
+            <a:r>
+              <a:rPr lang="en-US" dirty="0" smtClean="0"/>
+              <a:t> -&gt;</a:t>
+            </a:r>
+            <a:endParaRPr lang="en-US" dirty="0"/>
+          </a:p>
+        </p:txBody>
+      </p:sp>
     </p:spTree>
     <p:extLst>
       <p:ext uri="{BB962C8B-B14F-4D97-AF65-F5344CB8AC3E}">
-        <p14:creationId xmlns:p14="http://schemas.microsoft.com/office/powerpoint/2010/main" val="1472475857"/>
-      </p:ext>
-    </p:extLst>
-  </p:cSld>
-  <p:clrMapOvr>
-    <a:masterClrMapping/>
-  </p:clrMapOvr>
-  <p:timing>
-    <p:tnLst>
-      <p:par>
-        <p:cTn id="1" dur="indefinite" restart="never" nodeType="tmRoot"/>
-      </p:par>
-    </p:tnLst>
-  </p:timing>
-</p:sld>
-</file>
-
-<file path=ppt/slides/slide6.xml><?xml version="1.0" encoding="utf-8"?>
-<p:sld xmlns:a="http://schemas.openxmlformats.org/drawingml/2006/main" xmlns:r="http://schemas.openxmlformats.org/officeDocument/2006/relationships" xmlns:p="http://schemas.openxmlformats.org/presentationml/2006/main">
-  <p:cSld>
-    <p:spTree>
-      <p:nvGrpSpPr>
-        <p:cNvPr id="1" name=""/>
-        <p:cNvGrpSpPr/>
-        <p:nvPr/>
-      </p:nvGrpSpPr>
-      <p:grpSpPr>
-        <a:xfrm>
-          <a:off x="0" y="0"/>
-          <a:ext cx="0" cy="0"/>
-          <a:chOff x="0" y="0"/>
-          <a:chExt cx="0" cy="0"/>
-        </a:xfrm>
-      </p:grpSpPr>
-      <p:sp>
-        <p:nvSpPr>
-          <p:cNvPr id="2" name="Content Placeholder 1"/>
-          <p:cNvSpPr>
-            <a:spLocks noGrp="1"/>
-          </p:cNvSpPr>
-          <p:nvPr>
-            <p:ph idx="1"/>
-          </p:nvPr>
-        </p:nvSpPr>
-        <p:spPr>
-          <a:xfrm>
-            <a:off x="251520" y="1052736"/>
-            <a:ext cx="8651304" cy="4968553"/>
-          </a:xfrm>
-        </p:spPr>
-        <p:txBody>
-          <a:bodyPr/>
-          <a:lstStyle/>
-          <a:p>
-            <a:r>
-              <a:rPr lang="sr-Latn-RS" sz="2400" dirty="0" smtClean="0"/>
-              <a:t>Kreiranje mogućih stanja igre. Ovo uključuje logiku identifikovanja terminalnih stanja i generisanja narednih stanja za svako moguće stanje.</a:t>
-            </a:r>
-          </a:p>
-          <a:p>
-            <a:endParaRPr lang="sr-Latn-RS" sz="2400" dirty="0" smtClean="0"/>
-          </a:p>
-          <a:p>
-            <a:r>
-              <a:rPr lang="sr-Latn-RS" sz="2400" dirty="0" smtClean="0"/>
-              <a:t>Kreiranje evaluacijske funkcije (procjenu) za svako stanje</a:t>
-            </a:r>
-          </a:p>
-          <a:p>
-            <a:endParaRPr lang="sr-Latn-RS" sz="2400" dirty="0" smtClean="0"/>
-          </a:p>
-          <a:p>
-            <a:r>
-              <a:rPr lang="sr-Latn-RS" sz="2400" dirty="0" smtClean="0"/>
-              <a:t>Implementacija algoritma za pretragu</a:t>
-            </a:r>
-          </a:p>
-          <a:p>
-            <a:endParaRPr lang="sr-Latn-RS" sz="2400" dirty="0" smtClean="0"/>
-          </a:p>
-          <a:p>
-            <a:r>
-              <a:rPr lang="sr-Latn-RS" sz="2400" dirty="0" smtClean="0"/>
-              <a:t>Integracija: </a:t>
-            </a:r>
-            <a:r>
-              <a:rPr lang="sr-Latn-RS" sz="2400" dirty="0"/>
-              <a:t>Prihvatanje opisa stanja i odigravanje poteza</a:t>
-            </a:r>
-          </a:p>
-          <a:p>
-            <a:endParaRPr lang="en-US" sz="2000" dirty="0"/>
-          </a:p>
-        </p:txBody>
-      </p:sp>
-      <p:sp>
-        <p:nvSpPr>
-          <p:cNvPr id="3" name="Title 2"/>
-          <p:cNvSpPr>
-            <a:spLocks noGrp="1"/>
-          </p:cNvSpPr>
-          <p:nvPr>
-            <p:ph type="title"/>
-          </p:nvPr>
-        </p:nvSpPr>
-        <p:spPr>
-          <a:xfrm>
-            <a:off x="467544" y="-171400"/>
-            <a:ext cx="8229600" cy="1143000"/>
-          </a:xfrm>
-        </p:spPr>
-        <p:txBody>
-          <a:bodyPr>
-            <a:normAutofit/>
-          </a:bodyPr>
-          <a:lstStyle/>
-          <a:p>
-            <a:pPr algn="ctr"/>
-            <a:r>
-              <a:rPr lang="sr-Latn-RS" sz="4800" dirty="0" smtClean="0"/>
-              <a:t>Koraci implementacije</a:t>
-            </a:r>
-            <a:endParaRPr lang="en-US" sz="4800" dirty="0"/>
-          </a:p>
-        </p:txBody>
-      </p:sp>
-    </p:spTree>
-    <p:extLst>
-      <p:ext uri="{BB962C8B-B14F-4D97-AF65-F5344CB8AC3E}">
-        <p14:creationId xmlns:p14="http://schemas.microsoft.com/office/powerpoint/2010/main" val="1525152891"/>
-      </p:ext>
-    </p:extLst>
-  </p:cSld>
-  <p:clrMapOvr>
-    <a:masterClrMapping/>
-  </p:clrMapOvr>
-  <p:timing>
-    <p:tnLst>
-      <p:par>
-        <p:cTn id="1" dur="indefinite" restart="never" nodeType="tmRoot"/>
-      </p:par>
-    </p:tnLst>
-  </p:timing>
-</p:sld>
-</file>
-
-<file path=ppt/slides/slide7.xml><?xml version="1.0" encoding="utf-8"?>
-<p:sld xmlns:a="http://schemas.openxmlformats.org/drawingml/2006/main" xmlns:r="http://schemas.openxmlformats.org/officeDocument/2006/relationships" xmlns:p="http://schemas.openxmlformats.org/presentationml/2006/main">
-  <p:cSld>
-    <p:spTree>
-      <p:nvGrpSpPr>
-        <p:cNvPr id="1" name=""/>
-        <p:cNvGrpSpPr/>
-        <p:nvPr/>
-      </p:nvGrpSpPr>
-      <p:grpSpPr>
-        <a:xfrm>
-          <a:off x="0" y="0"/>
-          <a:ext cx="0" cy="0"/>
-          <a:chOff x="0" y="0"/>
-          <a:chExt cx="0" cy="0"/>
-        </a:xfrm>
-      </p:grpSpPr>
-      <p:sp>
-        <p:nvSpPr>
-          <p:cNvPr id="2" name="Title 1"/>
-          <p:cNvSpPr>
-            <a:spLocks noGrp="1"/>
-          </p:cNvSpPr>
-          <p:nvPr>
-            <p:ph type="title"/>
-          </p:nvPr>
-        </p:nvSpPr>
-        <p:spPr>
-          <a:xfrm>
-            <a:off x="467544" y="2060848"/>
-            <a:ext cx="8229600" cy="1143000"/>
-          </a:xfrm>
-        </p:spPr>
-        <p:txBody>
-          <a:bodyPr>
-            <a:normAutofit/>
-          </a:bodyPr>
-          <a:lstStyle/>
-          <a:p>
-            <a:r>
-              <a:rPr lang="en-US" sz="6000" dirty="0" err="1" smtClean="0"/>
-              <a:t>Implementacija</a:t>
-            </a:r>
-            <a:r>
-              <a:rPr lang="en-US" sz="6000" dirty="0" smtClean="0"/>
-              <a:t> re</a:t>
-            </a:r>
-            <a:r>
-              <a:rPr lang="sr-Latn-RS" sz="6000" dirty="0" smtClean="0"/>
-              <a:t>šenja</a:t>
-            </a:r>
-            <a:endParaRPr lang="en-US" sz="6000" dirty="0"/>
-          </a:p>
-        </p:txBody>
-      </p:sp>
-    </p:spTree>
-    <p:extLst>
-      <p:ext uri="{BB962C8B-B14F-4D97-AF65-F5344CB8AC3E}">
-        <p14:creationId xmlns:p14="http://schemas.microsoft.com/office/powerpoint/2010/main" val="2872422575"/>
+        <p14:creationId xmlns:p14="http://schemas.microsoft.com/office/powerpoint/2010/main" val="4205634808"/>
       </p:ext>
     </p:extLst>
   </p:cSld>
@@ -7343,39 +10173,7 @@
       </p:grpSpPr>
       <p:sp>
         <p:nvSpPr>
-          <p:cNvPr id="3" name="Title 2"/>
-          <p:cNvSpPr>
-            <a:spLocks noGrp="1"/>
-          </p:cNvSpPr>
-          <p:nvPr>
-            <p:ph type="title"/>
-          </p:nvPr>
-        </p:nvSpPr>
-        <p:spPr>
-          <a:xfrm>
-            <a:off x="467544" y="27856"/>
-            <a:ext cx="8229600" cy="850106"/>
-          </a:xfrm>
-        </p:spPr>
-        <p:txBody>
-          <a:bodyPr/>
-          <a:lstStyle/>
-          <a:p>
-            <a:r>
-              <a:rPr lang="sr-Latn-RS" sz="4400" dirty="0" smtClean="0"/>
-              <a:t>Kreiranje </a:t>
-            </a:r>
-            <a:r>
-              <a:rPr lang="sr-Latn-RS" sz="4400" dirty="0"/>
-              <a:t>mogućih stanja igre</a:t>
-            </a:r>
-            <a:endParaRPr lang="en-US" dirty="0"/>
-          </a:p>
-        </p:txBody>
-      </p:sp>
-      <p:sp>
-        <p:nvSpPr>
-          <p:cNvPr id="6" name="Content Placeholder 1"/>
+          <p:cNvPr id="3" name="Content Placeholder 1"/>
           <p:cNvSpPr txBox="1">
             <a:spLocks/>
           </p:cNvSpPr>
@@ -7383,8 +10181,8 @@
         </p:nvSpPr>
         <p:spPr>
           <a:xfrm>
-            <a:off x="86600" y="764704"/>
-            <a:ext cx="8856984" cy="3240360"/>
+            <a:off x="26260" y="836712"/>
+            <a:ext cx="8792826" cy="2304256"/>
           </a:xfrm>
           <a:prstGeom prst="rect">
             <a:avLst/>
@@ -7566,53 +10364,86 @@
           </a:lstStyle>
           <a:p>
             <a:r>
-              <a:rPr lang="sr-Latn-RS" sz="2000" dirty="0" smtClean="0"/>
-              <a:t>GUI (kreiranje table, podela u kvadrate, definisanje i učitavanje figura, pozicioniranje)  - Square i BoardPanel</a:t>
-            </a:r>
-          </a:p>
-          <a:p>
-            <a:r>
-              <a:rPr lang="sr-Latn-RS" sz="2000" dirty="0" smtClean="0"/>
-              <a:t>Definisanje mogućeg pravca kretanja za figure (u zavisnosti od boje, pomoću x i y osa), način čuvanja pojedenih figura i kraljeva  - Move i Utils</a:t>
-            </a:r>
-          </a:p>
-          <a:p>
-            <a:r>
-              <a:rPr lang="sr-Latn-RS" sz="2000" dirty="0" smtClean="0"/>
-              <a:t>Definisanje listenera za odigran potez,</a:t>
-            </a:r>
-          </a:p>
-          <a:p>
-            <a:pPr marL="109728" indent="0">
-              <a:buNone/>
-            </a:pPr>
-            <a:r>
-              <a:rPr lang="sr-Latn-RS" sz="2000" dirty="0" smtClean="0"/>
-              <a:t> kao i za pomeranje figure </a:t>
-            </a:r>
-          </a:p>
-          <a:p>
-            <a:pPr marL="109728" indent="0">
-              <a:buNone/>
-            </a:pPr>
-            <a:r>
-              <a:rPr lang="sr-Latn-RS" sz="2000" dirty="0" smtClean="0"/>
-              <a:t>(</a:t>
-            </a:r>
-            <a:r>
-              <a:rPr lang="sr-Latn-RS" sz="2000" dirty="0"/>
-              <a:t>obična ili kralj</a:t>
-            </a:r>
-            <a:r>
-              <a:rPr lang="sr-Latn-RS" sz="2000" dirty="0" smtClean="0"/>
-              <a:t>) – BoardPanel</a:t>
-            </a:r>
-          </a:p>
-          <a:p>
-            <a:endParaRPr lang="sr-Latn-RS" sz="2000" dirty="0" smtClean="0"/>
-          </a:p>
-          <a:p>
-            <a:endParaRPr lang="sr-Latn-RS" sz="2000" dirty="0" smtClean="0"/>
+              <a:rPr lang="sr-Latn-RS" sz="2800" dirty="0" smtClean="0">
+                <a:solidFill>
+                  <a:schemeClr val="tx2"/>
+                </a:solidFill>
+              </a:rPr>
+              <a:t>Pristup problemu upotrebom  </a:t>
+            </a:r>
+            <a:r>
+              <a:rPr lang="sr-Latn-RS" sz="2800" b="1" dirty="0" smtClean="0">
+                <a:solidFill>
+                  <a:schemeClr val="accent1"/>
+                </a:solidFill>
+                <a:effectLst>
+                  <a:outerShdw blurRad="38100" dist="38100" dir="2700000" algn="tl">
+                    <a:srgbClr val="000000">
+                      <a:alpha val="43137"/>
+                    </a:srgbClr>
+                  </a:outerShdw>
+                </a:effectLst>
+              </a:rPr>
+              <a:t>Mini</a:t>
+            </a:r>
+            <a:r>
+              <a:rPr lang="en-US" sz="2800" b="1" dirty="0" smtClean="0">
+                <a:solidFill>
+                  <a:schemeClr val="accent1"/>
+                </a:solidFill>
+                <a:effectLst>
+                  <a:outerShdw blurRad="38100" dist="38100" dir="2700000" algn="tl">
+                    <a:srgbClr val="000000">
+                      <a:alpha val="43137"/>
+                    </a:srgbClr>
+                  </a:outerShdw>
+                </a:effectLst>
+              </a:rPr>
+              <a:t>M</a:t>
+            </a:r>
+            <a:r>
+              <a:rPr lang="sr-Latn-RS" sz="2800" b="1" dirty="0" smtClean="0">
+                <a:solidFill>
+                  <a:schemeClr val="accent1"/>
+                </a:solidFill>
+                <a:effectLst>
+                  <a:outerShdw blurRad="38100" dist="38100" dir="2700000" algn="tl">
+                    <a:srgbClr val="000000">
+                      <a:alpha val="43137"/>
+                    </a:srgbClr>
+                  </a:outerShdw>
+                </a:effectLst>
+              </a:rPr>
+              <a:t>ax</a:t>
+            </a:r>
+            <a:r>
+              <a:rPr lang="sr-Latn-RS" sz="2800" dirty="0" smtClean="0">
+                <a:solidFill>
+                  <a:schemeClr val="accent1"/>
+                </a:solidFill>
+                <a:effectLst>
+                  <a:outerShdw blurRad="38100" dist="38100" dir="2700000" algn="tl">
+                    <a:srgbClr val="000000">
+                      <a:alpha val="43137"/>
+                    </a:srgbClr>
+                  </a:outerShdw>
+                </a:effectLst>
+              </a:rPr>
+              <a:t> </a:t>
+            </a:r>
+            <a:r>
+              <a:rPr lang="sr-Latn-RS" sz="2800" dirty="0" smtClean="0">
+                <a:solidFill>
+                  <a:schemeClr val="tx2"/>
+                </a:solidFill>
+              </a:rPr>
+              <a:t>algoritma</a:t>
+            </a:r>
+            <a:endParaRPr lang="en-US" sz="2800" dirty="0" smtClean="0">
+              <a:solidFill>
+                <a:schemeClr val="tx2"/>
+              </a:solidFill>
+            </a:endParaRPr>
           </a:p>
           <a:p>
             <a:endParaRPr lang="sr-Latn-RS" sz="2400" dirty="0" smtClean="0"/>
@@ -7621,13 +10452,11 @@
       </p:sp>
       <p:pic>
         <p:nvPicPr>
-          <p:cNvPr id="8" name="Content Placeholder 7"/>
+          <p:cNvPr id="6" name="Picture 5"/>
           <p:cNvPicPr>
-            <a:picLocks noGrp="1" noChangeAspect="1"/>
+            <a:picLocks noChangeAspect="1"/>
           </p:cNvPicPr>
-          <p:nvPr>
-            <p:ph idx="1"/>
-          </p:nvPr>
+          <p:nvPr/>
         </p:nvPicPr>
         <p:blipFill>
           <a:blip r:embed="rId2">
@@ -7643,8 +10472,8 @@
         </p:blipFill>
         <p:spPr>
           <a:xfrm>
-            <a:off x="5085092" y="2204864"/>
-            <a:ext cx="3879396" cy="4525962"/>
+            <a:off x="683568" y="1772816"/>
+            <a:ext cx="8028384" cy="4073809"/>
           </a:xfrm>
           <a:prstGeom prst="rect">
             <a:avLst/>
@@ -7661,10 +10490,41 @@
           </a:effectLst>
         </p:spPr>
       </p:pic>
+      <p:sp>
+        <p:nvSpPr>
+          <p:cNvPr id="4" name="Title 2"/>
+          <p:cNvSpPr>
+            <a:spLocks noGrp="1"/>
+          </p:cNvSpPr>
+          <p:nvPr>
+            <p:ph type="title"/>
+          </p:nvPr>
+        </p:nvSpPr>
+        <p:spPr>
+          <a:xfrm>
+            <a:off x="26260" y="14988"/>
+            <a:ext cx="8928992" cy="783820"/>
+          </a:xfrm>
+        </p:spPr>
+        <p:txBody>
+          <a:bodyPr>
+            <a:normAutofit/>
+          </a:bodyPr>
+          <a:lstStyle/>
+          <a:p>
+            <a:pPr algn="ctr"/>
+            <a:r>
+              <a:rPr lang="sr-Latn-RS" sz="4400" dirty="0" smtClean="0"/>
+              <a:t>Implementacija algoritma pretrage</a:t>
+            </a:r>
+            <a:endParaRPr lang="en-US" sz="4400" dirty="0"/>
+          </a:p>
+        </p:txBody>
+      </p:sp>
     </p:spTree>
     <p:extLst>
       <p:ext uri="{BB962C8B-B14F-4D97-AF65-F5344CB8AC3E}">
-        <p14:creationId xmlns:p14="http://schemas.microsoft.com/office/powerpoint/2010/main" val="4205634808"/>
+        <p14:creationId xmlns:p14="http://schemas.microsoft.com/office/powerpoint/2010/main" val="1472475857"/>
       </p:ext>
     </p:extLst>
   </p:cSld>
@@ -7710,27 +10570,406 @@
         </p:nvSpPr>
         <p:spPr>
           <a:xfrm>
-            <a:off x="251520" y="1196752"/>
-            <a:ext cx="8892480" cy="3946443"/>
+            <a:off x="107504" y="1196752"/>
+            <a:ext cx="8579296" cy="4810539"/>
           </a:xfrm>
         </p:spPr>
         <p:txBody>
-          <a:bodyPr>
-            <a:normAutofit/>
-          </a:bodyPr>
+          <a:bodyPr/>
           <a:lstStyle/>
           <a:p>
             <a:r>
-              <a:rPr lang="sr-Latn-RS" sz="2000" dirty="0" smtClean="0"/>
-              <a:t>Funkcija koja uzima u obzir važne parametre prilikom odlučivanja koji je potez najbolji </a:t>
-            </a:r>
-          </a:p>
-          <a:p>
-            <a:r>
-              <a:rPr lang="sr-Latn-RS" sz="2000" dirty="0" smtClean="0"/>
-              <a:t>Broj figura na ploči, broj kraljeva na ploči, udaljenost između figura (mogućnost da figura bude pojedena), ocenjivanje table</a:t>
-            </a:r>
-            <a:endParaRPr lang="en-US" sz="2000" dirty="0"/>
+              <a:rPr lang="en-US" dirty="0" err="1" smtClean="0"/>
+              <a:t>Jedan</a:t>
+            </a:r>
+            <a:r>
+              <a:rPr lang="en-US" dirty="0" smtClean="0"/>
+              <a:t> </a:t>
+            </a:r>
+            <a:r>
+              <a:rPr lang="en-US" dirty="0" err="1" smtClean="0"/>
+              <a:t>igra</a:t>
+            </a:r>
+            <a:r>
+              <a:rPr lang="sr-Latn-RS" dirty="0"/>
+              <a:t>č</a:t>
+            </a:r>
+            <a:r>
+              <a:rPr lang="en-US" dirty="0" smtClean="0"/>
+              <a:t> je </a:t>
+            </a:r>
+            <a:r>
+              <a:rPr lang="en-US" dirty="0" err="1" smtClean="0"/>
+              <a:t>predstavljen</a:t>
+            </a:r>
+            <a:r>
+              <a:rPr lang="en-US" dirty="0" smtClean="0"/>
+              <a:t> </a:t>
+            </a:r>
+            <a:r>
+              <a:rPr lang="en-US" dirty="0" err="1" smtClean="0"/>
+              <a:t>kao</a:t>
+            </a:r>
+            <a:r>
+              <a:rPr lang="en-US" dirty="0" smtClean="0"/>
+              <a:t> MAX, a </a:t>
+            </a:r>
+            <a:r>
+              <a:rPr lang="en-US" dirty="0" err="1" smtClean="0"/>
+              <a:t>drugi</a:t>
+            </a:r>
+            <a:r>
+              <a:rPr lang="en-US" dirty="0" smtClean="0"/>
+              <a:t> MIN</a:t>
+            </a:r>
+          </a:p>
+          <a:p>
+            <a:r>
+              <a:rPr lang="en-US" dirty="0" smtClean="0"/>
+              <a:t>MAX </a:t>
+            </a:r>
+            <a:r>
+              <a:rPr lang="en-US" dirty="0" err="1" smtClean="0"/>
+              <a:t>igra</a:t>
+            </a:r>
+            <a:r>
+              <a:rPr lang="sr-Latn-RS" dirty="0" smtClean="0"/>
+              <a:t>č</a:t>
+            </a:r>
+            <a:r>
+              <a:rPr lang="en-US" dirty="0" smtClean="0"/>
+              <a:t> </a:t>
+            </a:r>
+            <a:r>
+              <a:rPr lang="en-US" dirty="0" err="1" smtClean="0"/>
+              <a:t>tezi</a:t>
+            </a:r>
+            <a:r>
+              <a:rPr lang="en-US" dirty="0" smtClean="0"/>
+              <a:t> da </a:t>
+            </a:r>
+            <a:r>
+              <a:rPr lang="en-US" dirty="0" err="1" smtClean="0"/>
+              <a:t>napravi</a:t>
+            </a:r>
+            <a:r>
+              <a:rPr lang="en-US" dirty="0" smtClean="0"/>
+              <a:t> </a:t>
+            </a:r>
+            <a:r>
+              <a:rPr lang="en-US" dirty="0" err="1" smtClean="0"/>
+              <a:t>potez</a:t>
+            </a:r>
+            <a:r>
+              <a:rPr lang="en-US" dirty="0" smtClean="0"/>
+              <a:t> </a:t>
+            </a:r>
+            <a:r>
+              <a:rPr lang="en-US" dirty="0" err="1" smtClean="0"/>
+              <a:t>koji</a:t>
+            </a:r>
+            <a:r>
+              <a:rPr lang="en-US" dirty="0" smtClean="0"/>
+              <a:t> </a:t>
+            </a:r>
+            <a:r>
+              <a:rPr lang="sr-Latn-RS" dirty="0" smtClean="0"/>
+              <a:t>ć</a:t>
+            </a:r>
+            <a:r>
+              <a:rPr lang="en-US" dirty="0" smtClean="0"/>
+              <a:t>e </a:t>
+            </a:r>
+            <a:r>
+              <a:rPr lang="en-US" dirty="0" err="1" smtClean="0"/>
+              <a:t>dovesti</a:t>
+            </a:r>
+            <a:r>
+              <a:rPr lang="en-US" dirty="0" smtClean="0"/>
+              <a:t> do table </a:t>
+            </a:r>
+            <a:r>
+              <a:rPr lang="en-US" dirty="0" err="1" smtClean="0"/>
+              <a:t>sa</a:t>
+            </a:r>
+            <a:r>
+              <a:rPr lang="en-US" dirty="0" smtClean="0"/>
+              <a:t> </a:t>
+            </a:r>
+            <a:r>
+              <a:rPr lang="en-US" dirty="0" err="1" smtClean="0"/>
+              <a:t>najve</a:t>
+            </a:r>
+            <a:r>
+              <a:rPr lang="sr-Latn-RS" dirty="0" smtClean="0"/>
+              <a:t>ć</a:t>
+            </a:r>
+            <a:r>
+              <a:rPr lang="en-US" dirty="0" err="1" smtClean="0"/>
+              <a:t>om</a:t>
+            </a:r>
+            <a:r>
+              <a:rPr lang="en-US" dirty="0" smtClean="0"/>
+              <a:t> </a:t>
+            </a:r>
+            <a:r>
+              <a:rPr lang="en-US" dirty="0" err="1" smtClean="0"/>
+              <a:t>ocenom</a:t>
+            </a:r>
+            <a:endParaRPr lang="en-US" dirty="0" smtClean="0"/>
+          </a:p>
+          <a:p>
+            <a:r>
+              <a:rPr lang="en-US" dirty="0" smtClean="0"/>
+              <a:t>MIN </a:t>
+            </a:r>
+            <a:r>
+              <a:rPr lang="en-US" dirty="0" err="1" smtClean="0"/>
+              <a:t>igra</a:t>
+            </a:r>
+            <a:r>
+              <a:rPr lang="sr-Latn-RS" dirty="0" smtClean="0"/>
+              <a:t>č</a:t>
+            </a:r>
+            <a:r>
+              <a:rPr lang="en-US" dirty="0" smtClean="0"/>
+              <a:t> </a:t>
+            </a:r>
+            <a:r>
+              <a:rPr lang="en-US" dirty="0" err="1" smtClean="0"/>
+              <a:t>te</a:t>
+            </a:r>
+            <a:r>
+              <a:rPr lang="sr-Latn-RS" dirty="0" smtClean="0"/>
+              <a:t>ž</a:t>
+            </a:r>
+            <a:r>
+              <a:rPr lang="en-US" dirty="0" err="1" smtClean="0"/>
+              <a:t>i</a:t>
+            </a:r>
+            <a:r>
+              <a:rPr lang="en-US" dirty="0" smtClean="0"/>
+              <a:t> da </a:t>
+            </a:r>
+            <a:r>
+              <a:rPr lang="en-US" dirty="0" err="1" smtClean="0"/>
+              <a:t>napravi</a:t>
+            </a:r>
+            <a:r>
+              <a:rPr lang="en-US" dirty="0" smtClean="0"/>
+              <a:t> </a:t>
+            </a:r>
+            <a:r>
+              <a:rPr lang="en-US" dirty="0" err="1" smtClean="0"/>
+              <a:t>potez</a:t>
+            </a:r>
+            <a:r>
+              <a:rPr lang="en-US" dirty="0" smtClean="0"/>
+              <a:t> </a:t>
+            </a:r>
+            <a:r>
+              <a:rPr lang="en-US" dirty="0" err="1" smtClean="0"/>
+              <a:t>koji</a:t>
+            </a:r>
+            <a:r>
+              <a:rPr lang="en-US" dirty="0" smtClean="0"/>
+              <a:t> </a:t>
+            </a:r>
+            <a:r>
+              <a:rPr lang="sr-Latn-RS" dirty="0" smtClean="0"/>
+              <a:t>ć</a:t>
+            </a:r>
+            <a:r>
+              <a:rPr lang="en-US" dirty="0" smtClean="0"/>
+              <a:t>e </a:t>
+            </a:r>
+            <a:r>
+              <a:rPr lang="en-US" dirty="0" err="1" smtClean="0"/>
+              <a:t>dovesti</a:t>
+            </a:r>
+            <a:r>
+              <a:rPr lang="en-US" dirty="0" smtClean="0"/>
+              <a:t> do table </a:t>
+            </a:r>
+            <a:r>
+              <a:rPr lang="en-US" dirty="0" err="1" smtClean="0"/>
+              <a:t>sa</a:t>
+            </a:r>
+            <a:r>
+              <a:rPr lang="en-US" dirty="0" smtClean="0"/>
+              <a:t> </a:t>
+            </a:r>
+            <a:r>
+              <a:rPr lang="en-US" dirty="0" err="1" smtClean="0"/>
+              <a:t>najmanjom</a:t>
+            </a:r>
+            <a:r>
+              <a:rPr lang="en-US" dirty="0" smtClean="0"/>
+              <a:t> </a:t>
+            </a:r>
+            <a:r>
+              <a:rPr lang="en-US" dirty="0" err="1" smtClean="0"/>
+              <a:t>ocenom</a:t>
+            </a:r>
+            <a:endParaRPr lang="en-US" dirty="0" smtClean="0"/>
+          </a:p>
+          <a:p>
+            <a:r>
+              <a:rPr lang="en-US" dirty="0" err="1" smtClean="0"/>
+              <a:t>Prilikom</a:t>
+            </a:r>
+            <a:r>
+              <a:rPr lang="en-US" dirty="0" smtClean="0"/>
+              <a:t> </a:t>
+            </a:r>
+            <a:r>
+              <a:rPr lang="en-US" dirty="0" err="1" smtClean="0"/>
+              <a:t>naizmjeni</a:t>
+            </a:r>
+            <a:r>
+              <a:rPr lang="sr-Latn-RS" dirty="0" smtClean="0"/>
+              <a:t>č</a:t>
+            </a:r>
+            <a:r>
+              <a:rPr lang="en-US" dirty="0" err="1" smtClean="0"/>
+              <a:t>nog</a:t>
+            </a:r>
+            <a:r>
+              <a:rPr lang="en-US" dirty="0" smtClean="0"/>
+              <a:t> </a:t>
+            </a:r>
+            <a:r>
+              <a:rPr lang="en-US" dirty="0" err="1" smtClean="0"/>
+              <a:t>generisanja</a:t>
+            </a:r>
+            <a:r>
+              <a:rPr lang="en-US" dirty="0" smtClean="0"/>
+              <a:t> </a:t>
+            </a:r>
+            <a:r>
+              <a:rPr lang="en-US" dirty="0" err="1" smtClean="0"/>
+              <a:t>poteza</a:t>
+            </a:r>
+            <a:r>
+              <a:rPr lang="en-US" dirty="0" smtClean="0"/>
+              <a:t> AI </a:t>
+            </a:r>
+            <a:r>
+              <a:rPr lang="en-US" dirty="0" err="1" smtClean="0"/>
+              <a:t>svoje</a:t>
+            </a:r>
+            <a:r>
+              <a:rPr lang="en-US" dirty="0" smtClean="0"/>
+              <a:t> </a:t>
+            </a:r>
+            <a:r>
+              <a:rPr lang="en-US" dirty="0" err="1" smtClean="0"/>
+              <a:t>i</a:t>
+            </a:r>
+            <a:r>
+              <a:rPr lang="en-US" dirty="0" smtClean="0"/>
+              <a:t> </a:t>
+            </a:r>
+            <a:r>
+              <a:rPr lang="en-US" dirty="0" err="1" smtClean="0"/>
+              <a:t>protivni</a:t>
+            </a:r>
+            <a:r>
+              <a:rPr lang="sr-Latn-RS" dirty="0" smtClean="0"/>
+              <a:t>č</a:t>
+            </a:r>
+            <a:r>
+              <a:rPr lang="en-US" dirty="0" err="1" smtClean="0"/>
+              <a:t>ke</a:t>
+            </a:r>
+            <a:r>
+              <a:rPr lang="en-US" dirty="0" smtClean="0"/>
+              <a:t> </a:t>
+            </a:r>
+            <a:r>
+              <a:rPr lang="en-US" dirty="0" err="1" smtClean="0"/>
+              <a:t>poteze</a:t>
+            </a:r>
+            <a:r>
+              <a:rPr lang="en-US" dirty="0" smtClean="0"/>
+              <a:t> </a:t>
+            </a:r>
+            <a:r>
+              <a:rPr lang="en-US" dirty="0" err="1" smtClean="0"/>
+              <a:t>ocenjuje</a:t>
+            </a:r>
+            <a:r>
+              <a:rPr lang="en-US" dirty="0" smtClean="0"/>
+              <a:t> </a:t>
+            </a:r>
+            <a:r>
+              <a:rPr lang="en-US" dirty="0" err="1" smtClean="0"/>
+              <a:t>istom</a:t>
+            </a:r>
+            <a:r>
+              <a:rPr lang="en-US" dirty="0" smtClean="0"/>
+              <a:t> </a:t>
+            </a:r>
+            <a:r>
+              <a:rPr lang="en-US" dirty="0" err="1" smtClean="0"/>
+              <a:t>funkcijom</a:t>
+            </a:r>
+            <a:r>
+              <a:rPr lang="en-US" dirty="0" smtClean="0"/>
+              <a:t> </a:t>
+            </a:r>
+            <a:r>
+              <a:rPr lang="en-US" dirty="0" err="1" smtClean="0"/>
+              <a:t>evaluacije</a:t>
+            </a:r>
+            <a:r>
+              <a:rPr lang="sr-Latn-RS" dirty="0" smtClean="0"/>
+              <a:t>,</a:t>
+            </a:r>
+            <a:r>
+              <a:rPr lang="en-US" dirty="0" smtClean="0"/>
+              <a:t> </a:t>
+            </a:r>
+            <a:r>
+              <a:rPr lang="en-US" dirty="0" err="1" smtClean="0"/>
+              <a:t>ali</a:t>
+            </a:r>
+            <a:r>
+              <a:rPr lang="en-US" dirty="0" smtClean="0"/>
+              <a:t> </a:t>
+            </a:r>
+            <a:r>
+              <a:rPr lang="en-US" dirty="0" err="1" smtClean="0"/>
+              <a:t>sa</a:t>
+            </a:r>
+            <a:r>
+              <a:rPr lang="en-US" dirty="0" smtClean="0"/>
+              <a:t> </a:t>
+            </a:r>
+            <a:r>
+              <a:rPr lang="en-US" dirty="0" err="1" smtClean="0"/>
+              <a:t>razli</a:t>
+            </a:r>
+            <a:r>
+              <a:rPr lang="sr-Latn-RS" dirty="0" smtClean="0"/>
+              <a:t>č</a:t>
+            </a:r>
+            <a:r>
+              <a:rPr lang="en-US" dirty="0" err="1" smtClean="0"/>
+              <a:t>itim</a:t>
+            </a:r>
+            <a:r>
+              <a:rPr lang="en-US" dirty="0" smtClean="0"/>
+              <a:t> </a:t>
+            </a:r>
+            <a:r>
+              <a:rPr lang="en-US" dirty="0" err="1" smtClean="0"/>
+              <a:t>predznakom</a:t>
+            </a:r>
+            <a:endParaRPr lang="en-US" dirty="0" smtClean="0"/>
+          </a:p>
+          <a:p>
+            <a:endParaRPr lang="en-US" dirty="0" smtClean="0"/>
           </a:p>
         </p:txBody>
       </p:sp>
@@ -7746,68 +10985,31 @@
         </p:nvSpPr>
         <p:spPr>
           <a:xfrm>
-            <a:off x="467544" y="0"/>
-            <a:ext cx="8229600" cy="1052736"/>
+            <a:off x="467544" y="28636"/>
+            <a:ext cx="8229600" cy="1066130"/>
           </a:xfrm>
         </p:spPr>
         <p:txBody>
-          <a:bodyPr>
-            <a:normAutofit/>
-          </a:bodyPr>
+          <a:bodyPr/>
           <a:lstStyle/>
           <a:p>
-            <a:r>
-              <a:rPr lang="sr-Latn-RS" sz="4400" dirty="0" smtClean="0"/>
-              <a:t>Kreiranje evaluacijske funkcije</a:t>
-            </a:r>
-            <a:endParaRPr lang="en-US" sz="4400" dirty="0"/>
-          </a:p>
-        </p:txBody>
-      </p:sp>
-      <p:pic>
-        <p:nvPicPr>
-          <p:cNvPr id="5" name="Picture 4"/>
-          <p:cNvPicPr>
-            <a:picLocks noChangeAspect="1"/>
-          </p:cNvPicPr>
-          <p:nvPr/>
-        </p:nvPicPr>
-        <p:blipFill>
-          <a:blip r:embed="rId2">
-            <a:extLst>
-              <a:ext uri="{28A0092B-C50C-407E-A947-70E740481C1C}">
-                <a14:useLocalDpi xmlns:a14="http://schemas.microsoft.com/office/drawing/2010/main" val="0"/>
-              </a:ext>
-            </a:extLst>
-          </a:blip>
-          <a:stretch>
-            <a:fillRect/>
-          </a:stretch>
-        </p:blipFill>
-        <p:spPr>
-          <a:xfrm>
-            <a:off x="3059832" y="2708920"/>
-            <a:ext cx="2880320" cy="3855747"/>
-          </a:xfrm>
-          <a:prstGeom prst="rect">
-            <a:avLst/>
-          </a:prstGeom>
-          <a:ln>
-            <a:noFill/>
-          </a:ln>
-          <a:effectLst>
-            <a:outerShdw blurRad="292100" dist="139700" dir="2700000" algn="tl" rotWithShape="0">
-              <a:srgbClr val="333333">
-                <a:alpha val="65000"/>
-              </a:srgbClr>
-            </a:outerShdw>
-          </a:effectLst>
-        </p:spPr>
-      </p:pic>
+            <a:pPr algn="ctr"/>
+            <a:r>
+              <a:rPr lang="en-US" dirty="0" smtClean="0"/>
+              <a:t>Minimax </a:t>
+            </a:r>
+            <a:r>
+              <a:rPr lang="en-US" dirty="0" err="1" smtClean="0"/>
+              <a:t>algoritam</a:t>
+            </a:r>
+            <a:endParaRPr lang="sr-Latn-RS" dirty="0"/>
+          </a:p>
+        </p:txBody>
+      </p:sp>
     </p:spTree>
     <p:extLst>
       <p:ext uri="{BB962C8B-B14F-4D97-AF65-F5344CB8AC3E}">
-        <p14:creationId xmlns:p14="http://schemas.microsoft.com/office/powerpoint/2010/main" val="2133630128"/>
+        <p14:creationId xmlns:p14="http://schemas.microsoft.com/office/powerpoint/2010/main" val="1040632585"/>
       </p:ext>
     </p:extLst>
   </p:cSld>
